--- a/on33-python-s17-s18-projeto-final (Estatística Criminal do Feminicídio nas Unidades da Federação).pptx
+++ b/on33-python-s17-s18-projeto-final (Estatística Criminal do Feminicídio nas Unidades da Federação).pptx
@@ -5,17 +5,18 @@
     <p:sldMasterId id="2147483660" r:id="rId1"/>
   </p:sldMasterIdLst>
   <p:notesMasterIdLst>
-    <p:notesMasterId r:id="rId10"/>
+    <p:notesMasterId r:id="rId11"/>
   </p:notesMasterIdLst>
   <p:sldIdLst>
     <p:sldId id="256" r:id="rId2"/>
     <p:sldId id="257" r:id="rId3"/>
     <p:sldId id="265" r:id="rId4"/>
-    <p:sldId id="258" r:id="rId5"/>
-    <p:sldId id="261" r:id="rId6"/>
+    <p:sldId id="267" r:id="rId5"/>
+    <p:sldId id="258" r:id="rId6"/>
     <p:sldId id="263" r:id="rId7"/>
     <p:sldId id="264" r:id="rId8"/>
     <p:sldId id="266" r:id="rId9"/>
+    <p:sldId id="268" r:id="rId10"/>
   </p:sldIdLst>
   <p:sldSz cx="12192000" cy="6858000"/>
   <p:notesSz cx="6858000" cy="9144000"/>
@@ -125,7 +126,7 @@
 <file path=ppt/revisionInfo.xml><?xml version="1.0" encoding="utf-8"?>
 <p1510:revInfo xmlns:a="http://schemas.openxmlformats.org/drawingml/2006/main" xmlns:r="http://schemas.openxmlformats.org/officeDocument/2006/relationships" xmlns:p1510="http://schemas.microsoft.com/office/powerpoint/2015/10/main">
   <p1510:revLst>
-    <p1510:client id="{2BBE3299-8186-44C9-9CE4-761F6479A2D5}" v="63" dt="2024-10-15T20:31:00.441"/>
+    <p1510:client id="{2BBE3299-8186-44C9-9CE4-761F6479A2D5}" v="180" dt="2024-10-18T03:50:45.881"/>
   </p1510:revLst>
 </p1510:revInfo>
 </file>
@@ -134,13 +135,13 @@
 <pc:chgInfo xmlns:a="http://schemas.openxmlformats.org/drawingml/2006/main" xmlns:r="http://schemas.openxmlformats.org/officeDocument/2006/relationships" xmlns:ac="http://schemas.microsoft.com/office/drawing/2013/main/command" xmlns:pc="http://schemas.microsoft.com/office/powerpoint/2013/main/command">
   <pc:docChgLst>
     <pc:chgData name="Carolyne Santos de Oliveira" userId="ef751ba60d7f6b41" providerId="LiveId" clId="{2BBE3299-8186-44C9-9CE4-761F6479A2D5}"/>
-    <pc:docChg chg="custSel addSld delSld modSld sldOrd">
-      <pc:chgData name="Carolyne Santos de Oliveira" userId="ef751ba60d7f6b41" providerId="LiveId" clId="{2BBE3299-8186-44C9-9CE4-761F6479A2D5}" dt="2024-10-15T20:31:25.777" v="2030" actId="478"/>
+    <pc:docChg chg="undo custSel addSld delSld modSld sldOrd">
+      <pc:chgData name="Carolyne Santos de Oliveira" userId="ef751ba60d7f6b41" providerId="LiveId" clId="{2BBE3299-8186-44C9-9CE4-761F6479A2D5}" dt="2024-10-18T04:03:10.974" v="3536" actId="20577"/>
       <pc:docMkLst>
         <pc:docMk/>
       </pc:docMkLst>
       <pc:sldChg chg="addSp delSp modSp mod modTransition setBg addAnim delAnim modAnim setClrOvrMap delDesignElem">
-        <pc:chgData name="Carolyne Santos de Oliveira" userId="ef751ba60d7f6b41" providerId="LiveId" clId="{2BBE3299-8186-44C9-9CE4-761F6479A2D5}" dt="2024-10-15T20:31:09.145" v="2023" actId="478"/>
+        <pc:chgData name="Carolyne Santos de Oliveira" userId="ef751ba60d7f6b41" providerId="LiveId" clId="{2BBE3299-8186-44C9-9CE4-761F6479A2D5}" dt="2024-10-18T01:13:15.877" v="2147"/>
         <pc:sldMkLst>
           <pc:docMk/>
           <pc:sldMk cId="95992585" sldId="256"/>
@@ -178,7 +179,7 @@
           </ac:spMkLst>
         </pc:spChg>
         <pc:spChg chg="add mod">
-          <ac:chgData name="Carolyne Santos de Oliveira" userId="ef751ba60d7f6b41" providerId="LiveId" clId="{2BBE3299-8186-44C9-9CE4-761F6479A2D5}" dt="2024-10-15T19:28:33.150" v="27" actId="113"/>
+          <ac:chgData name="Carolyne Santos de Oliveira" userId="ef751ba60d7f6b41" providerId="LiveId" clId="{2BBE3299-8186-44C9-9CE4-761F6479A2D5}" dt="2024-10-18T01:03:23.265" v="2124" actId="27636"/>
           <ac:spMkLst>
             <pc:docMk/>
             <pc:sldMk cId="95992585" sldId="256"/>
@@ -186,7 +187,7 @@
           </ac:spMkLst>
         </pc:spChg>
         <pc:spChg chg="add mod">
-          <ac:chgData name="Carolyne Santos de Oliveira" userId="ef751ba60d7f6b41" providerId="LiveId" clId="{2BBE3299-8186-44C9-9CE4-761F6479A2D5}" dt="2024-10-15T19:28:23.207" v="25" actId="1076"/>
+          <ac:chgData name="Carolyne Santos de Oliveira" userId="ef751ba60d7f6b41" providerId="LiveId" clId="{2BBE3299-8186-44C9-9CE4-761F6479A2D5}" dt="2024-10-18T01:02:09.425" v="2104" actId="27636"/>
           <ac:spMkLst>
             <pc:docMk/>
             <pc:sldMk cId="95992585" sldId="256"/>
@@ -210,6 +211,14 @@
           </ac:spMkLst>
         </pc:spChg>
         <pc:picChg chg="add del mod">
+          <ac:chgData name="Carolyne Santos de Oliveira" userId="ef751ba60d7f6b41" providerId="LiveId" clId="{2BBE3299-8186-44C9-9CE4-761F6479A2D5}" dt="2024-10-18T01:02:28.408" v="2108" actId="478"/>
+          <ac:picMkLst>
+            <pc:docMk/>
+            <pc:sldMk cId="95992585" sldId="256"/>
+            <ac:picMk id="3" creationId="{D14FB344-F72F-BF45-8651-769DDC48C180}"/>
+          </ac:picMkLst>
+        </pc:picChg>
+        <pc:picChg chg="add del mod">
           <ac:chgData name="Carolyne Santos de Oliveira" userId="ef751ba60d7f6b41" providerId="LiveId" clId="{2BBE3299-8186-44C9-9CE4-761F6479A2D5}" dt="2024-10-15T20:06:48.301" v="1957" actId="478"/>
           <ac:picMkLst>
             <pc:docMk/>
@@ -217,6 +226,22 @@
             <ac:picMk id="4" creationId="{A606EEB0-DC46-0025-888B-B3B7B39FD2D7}"/>
           </ac:picMkLst>
         </pc:picChg>
+        <pc:picChg chg="add del mod ord">
+          <ac:chgData name="Carolyne Santos de Oliveira" userId="ef751ba60d7f6b41" providerId="LiveId" clId="{2BBE3299-8186-44C9-9CE4-761F6479A2D5}" dt="2024-10-18T01:01:41.065" v="2097" actId="478"/>
+          <ac:picMkLst>
+            <pc:docMk/>
+            <pc:sldMk cId="95992585" sldId="256"/>
+            <ac:picMk id="5" creationId="{ADF6A300-28F5-6AD9-348E-46B33B6DE97C}"/>
+          </ac:picMkLst>
+        </pc:picChg>
+        <pc:picChg chg="add del mod">
+          <ac:chgData name="Carolyne Santos de Oliveira" userId="ef751ba60d7f6b41" providerId="LiveId" clId="{2BBE3299-8186-44C9-9CE4-761F6479A2D5}" dt="2024-10-18T01:01:45.225" v="2098" actId="478"/>
+          <ac:picMkLst>
+            <pc:docMk/>
+            <pc:sldMk cId="95992585" sldId="256"/>
+            <ac:picMk id="7" creationId="{8BBD7CF1-A68D-5EB6-D8EA-DAFEED87A5A4}"/>
+          </ac:picMkLst>
+        </pc:picChg>
         <pc:picChg chg="add del mod">
           <ac:chgData name="Carolyne Santos de Oliveira" userId="ef751ba60d7f6b41" providerId="LiveId" clId="{2BBE3299-8186-44C9-9CE4-761F6479A2D5}" dt="2024-10-15T19:26:32.152" v="9" actId="478"/>
           <ac:picMkLst>
@@ -241,6 +266,22 @@
             <ac:picMk id="11" creationId="{16DDB677-8BC1-7CA1-77DE-193FDAB684F7}"/>
           </ac:picMkLst>
         </pc:picChg>
+        <pc:picChg chg="add mod ord">
+          <ac:chgData name="Carolyne Santos de Oliveira" userId="ef751ba60d7f6b41" providerId="LiveId" clId="{2BBE3299-8186-44C9-9CE4-761F6479A2D5}" dt="2024-10-18T01:01:14.930" v="2096" actId="167"/>
+          <ac:picMkLst>
+            <pc:docMk/>
+            <pc:sldMk cId="95992585" sldId="256"/>
+            <ac:picMk id="11" creationId="{D5C0C65F-9B4E-AE20-E80A-04022D12576D}"/>
+          </ac:picMkLst>
+        </pc:picChg>
+        <pc:picChg chg="add mod ord">
+          <ac:chgData name="Carolyne Santos de Oliveira" userId="ef751ba60d7f6b41" providerId="LiveId" clId="{2BBE3299-8186-44C9-9CE4-761F6479A2D5}" dt="2024-10-18T01:03:49.295" v="2127" actId="1076"/>
+          <ac:picMkLst>
+            <pc:docMk/>
+            <pc:sldMk cId="95992585" sldId="256"/>
+            <ac:picMk id="13" creationId="{8309C067-6CAF-4CB0-9B0C-7DB044A40A2F}"/>
+          </ac:picMkLst>
+        </pc:picChg>
         <pc:picChg chg="add del mod ord">
           <ac:chgData name="Carolyne Santos de Oliveira" userId="ef751ba60d7f6b41" providerId="LiveId" clId="{2BBE3299-8186-44C9-9CE4-761F6479A2D5}" dt="2024-10-15T20:09:21.342" v="1964"/>
           <ac:picMkLst>
@@ -257,6 +298,22 @@
             <ac:picMk id="15" creationId="{D1F671CA-4491-B713-8BD2-0C10F2C4C2DE}"/>
           </ac:picMkLst>
         </pc:picChg>
+        <pc:picChg chg="add mod ord">
+          <ac:chgData name="Carolyne Santos de Oliveira" userId="ef751ba60d7f6b41" providerId="LiveId" clId="{2BBE3299-8186-44C9-9CE4-761F6479A2D5}" dt="2024-10-18T01:03:44.950" v="2126" actId="1076"/>
+          <ac:picMkLst>
+            <pc:docMk/>
+            <pc:sldMk cId="95992585" sldId="256"/>
+            <ac:picMk id="15" creationId="{DCE1C510-AA80-B283-6F0B-5A3DBDE67EB7}"/>
+          </ac:picMkLst>
+        </pc:picChg>
+        <pc:picChg chg="add del mod ord">
+          <ac:chgData name="Carolyne Santos de Oliveira" userId="ef751ba60d7f6b41" providerId="LiveId" clId="{2BBE3299-8186-44C9-9CE4-761F6479A2D5}" dt="2024-10-18T01:02:37.973" v="2111" actId="478"/>
+          <ac:picMkLst>
+            <pc:docMk/>
+            <pc:sldMk cId="95992585" sldId="256"/>
+            <ac:picMk id="17" creationId="{28E28599-B7F9-6F59-459B-0789B4C06825}"/>
+          </ac:picMkLst>
+        </pc:picChg>
         <pc:picChg chg="add del mod ord">
           <ac:chgData name="Carolyne Santos de Oliveira" userId="ef751ba60d7f6b41" providerId="LiveId" clId="{2BBE3299-8186-44C9-9CE4-761F6479A2D5}" dt="2024-10-15T20:09:30.089" v="1967"/>
           <ac:picMkLst>
@@ -274,6 +331,22 @@
           </ac:picMkLst>
         </pc:picChg>
         <pc:picChg chg="add del mod ord">
+          <ac:chgData name="Carolyne Santos de Oliveira" userId="ef751ba60d7f6b41" providerId="LiveId" clId="{2BBE3299-8186-44C9-9CE4-761F6479A2D5}" dt="2024-10-18T01:03:18.560" v="2122" actId="478"/>
+          <ac:picMkLst>
+            <pc:docMk/>
+            <pc:sldMk cId="95992585" sldId="256"/>
+            <ac:picMk id="19" creationId="{78AC5FEA-E722-8EEF-2AC2-231A6051E901}"/>
+          </ac:picMkLst>
+        </pc:picChg>
+        <pc:picChg chg="add del mod ord">
+          <ac:chgData name="Carolyne Santos de Oliveira" userId="ef751ba60d7f6b41" providerId="LiveId" clId="{2BBE3299-8186-44C9-9CE4-761F6479A2D5}" dt="2024-10-18T01:02:30.960" v="2109" actId="478"/>
+          <ac:picMkLst>
+            <pc:docMk/>
+            <pc:sldMk cId="95992585" sldId="256"/>
+            <ac:picMk id="21" creationId="{333A658F-3E71-496A-57EA-ED863519BD90}"/>
+          </ac:picMkLst>
+        </pc:picChg>
+        <pc:picChg chg="add del mod ord">
           <ac:chgData name="Carolyne Santos de Oliveira" userId="ef751ba60d7f6b41" providerId="LiveId" clId="{2BBE3299-8186-44C9-9CE4-761F6479A2D5}" dt="2024-10-15T20:10:15.857" v="1970"/>
           <ac:picMkLst>
             <pc:docMk/>
@@ -281,6 +354,14 @@
             <ac:picMk id="22" creationId="{0F6926C0-00F0-C26D-D799-79AF04A00FEC}"/>
           </ac:picMkLst>
         </pc:picChg>
+        <pc:picChg chg="add del mod ord">
+          <ac:chgData name="Carolyne Santos de Oliveira" userId="ef751ba60d7f6b41" providerId="LiveId" clId="{2BBE3299-8186-44C9-9CE4-761F6479A2D5}" dt="2024-10-18T01:02:35.640" v="2110" actId="478"/>
+          <ac:picMkLst>
+            <pc:docMk/>
+            <pc:sldMk cId="95992585" sldId="256"/>
+            <ac:picMk id="23" creationId="{62A926AF-9D13-DCCA-239D-89852ACF8E09}"/>
+          </ac:picMkLst>
+        </pc:picChg>
         <pc:picChg chg="add del mod">
           <ac:chgData name="Carolyne Santos de Oliveira" userId="ef751ba60d7f6b41" providerId="LiveId" clId="{2BBE3299-8186-44C9-9CE4-761F6479A2D5}" dt="2024-10-15T20:10:30.615" v="1972"/>
           <ac:picMkLst>
@@ -467,7 +548,7 @@
         </pc:picChg>
       </pc:sldChg>
       <pc:sldChg chg="addSp delSp modSp mod modTransition delAnim modAnim">
-        <pc:chgData name="Carolyne Santos de Oliveira" userId="ef751ba60d7f6b41" providerId="LiveId" clId="{2BBE3299-8186-44C9-9CE4-761F6479A2D5}" dt="2024-10-15T20:31:11.998" v="2024" actId="478"/>
+        <pc:chgData name="Carolyne Santos de Oliveira" userId="ef751ba60d7f6b41" providerId="LiveId" clId="{2BBE3299-8186-44C9-9CE4-761F6479A2D5}" dt="2024-10-18T04:03:10.974" v="3536" actId="20577"/>
         <pc:sldMkLst>
           <pc:docMk/>
           <pc:sldMk cId="95992585" sldId="257"/>
@@ -481,7 +562,7 @@
           </ac:spMkLst>
         </pc:spChg>
         <pc:spChg chg="add mod">
-          <ac:chgData name="Carolyne Santos de Oliveira" userId="ef751ba60d7f6b41" providerId="LiveId" clId="{2BBE3299-8186-44C9-9CE4-761F6479A2D5}" dt="2024-10-15T19:36:27.699" v="317" actId="20577"/>
+          <ac:chgData name="Carolyne Santos de Oliveira" userId="ef751ba60d7f6b41" providerId="LiveId" clId="{2BBE3299-8186-44C9-9CE4-761F6479A2D5}" dt="2024-10-18T04:03:10.974" v="3536" actId="20577"/>
           <ac:spMkLst>
             <pc:docMk/>
             <pc:sldMk cId="95992585" sldId="257"/>
@@ -496,22 +577,30 @@
             <ac:picMk id="2" creationId="{37DE7A1C-19F4-46D2-A95E-9D2E7CD91B76}"/>
           </ac:picMkLst>
         </pc:picChg>
-        <pc:picChg chg="add mod">
-          <ac:chgData name="Carolyne Santos de Oliveira" userId="ef751ba60d7f6b41" providerId="LiveId" clId="{2BBE3299-8186-44C9-9CE4-761F6479A2D5}" dt="2024-10-15T19:29:25.262" v="39" actId="1076"/>
+        <pc:picChg chg="add del mod">
+          <ac:chgData name="Carolyne Santos de Oliveira" userId="ef751ba60d7f6b41" providerId="LiveId" clId="{2BBE3299-8186-44C9-9CE4-761F6479A2D5}" dt="2024-10-18T00:46:20.773" v="2031" actId="478"/>
           <ac:picMkLst>
             <pc:docMk/>
             <pc:sldMk cId="95992585" sldId="257"/>
             <ac:picMk id="5" creationId="{30E6B56A-8215-4DDE-A61B-48BB535B66F4}"/>
           </ac:picMkLst>
         </pc:picChg>
-        <pc:picChg chg="add mod">
-          <ac:chgData name="Carolyne Santos de Oliveira" userId="ef751ba60d7f6b41" providerId="LiveId" clId="{2BBE3299-8186-44C9-9CE4-761F6479A2D5}" dt="2024-10-15T19:29:50.803" v="47" actId="1076"/>
+        <pc:picChg chg="add del mod">
+          <ac:chgData name="Carolyne Santos de Oliveira" userId="ef751ba60d7f6b41" providerId="LiveId" clId="{2BBE3299-8186-44C9-9CE4-761F6479A2D5}" dt="2024-10-18T00:47:33.010" v="2041" actId="478"/>
           <ac:picMkLst>
             <pc:docMk/>
             <pc:sldMk cId="95992585" sldId="257"/>
             <ac:picMk id="6" creationId="{2EE96DF4-9523-3F95-0CB2-61D346A83E9C}"/>
           </ac:picMkLst>
         </pc:picChg>
+        <pc:picChg chg="add mod">
+          <ac:chgData name="Carolyne Santos de Oliveira" userId="ef751ba60d7f6b41" providerId="LiveId" clId="{2BBE3299-8186-44C9-9CE4-761F6479A2D5}" dt="2024-10-18T00:47:45.799" v="2046" actId="1076"/>
+          <ac:picMkLst>
+            <pc:docMk/>
+            <pc:sldMk cId="95992585" sldId="257"/>
+            <ac:picMk id="7" creationId="{F6304753-E66D-6534-664A-081AB058892F}"/>
+          </ac:picMkLst>
+        </pc:picChg>
         <pc:picChg chg="add del mod">
           <ac:chgData name="Carolyne Santos de Oliveira" userId="ef751ba60d7f6b41" providerId="LiveId" clId="{2BBE3299-8186-44C9-9CE4-761F6479A2D5}" dt="2024-10-15T20:06:51.992" v="1958" actId="478"/>
           <ac:picMkLst>
@@ -521,6 +610,38 @@
           </ac:picMkLst>
         </pc:picChg>
         <pc:picChg chg="add del mod">
+          <ac:chgData name="Carolyne Santos de Oliveira" userId="ef751ba60d7f6b41" providerId="LiveId" clId="{2BBE3299-8186-44C9-9CE4-761F6479A2D5}" dt="2024-10-18T01:17:58.613" v="2175" actId="478"/>
+          <ac:picMkLst>
+            <pc:docMk/>
+            <pc:sldMk cId="95992585" sldId="257"/>
+            <ac:picMk id="9" creationId="{7C45EC0B-59B1-0A19-5E64-B1E0674017EB}"/>
+          </ac:picMkLst>
+        </pc:picChg>
+        <pc:picChg chg="add mod">
+          <ac:chgData name="Carolyne Santos de Oliveira" userId="ef751ba60d7f6b41" providerId="LiveId" clId="{2BBE3299-8186-44C9-9CE4-761F6479A2D5}" dt="2024-10-18T01:16:35.437" v="2173" actId="1076"/>
+          <ac:picMkLst>
+            <pc:docMk/>
+            <pc:sldMk cId="95992585" sldId="257"/>
+            <ac:picMk id="11" creationId="{4D563472-6CF9-FD57-82F4-BADE4C215B2E}"/>
+          </ac:picMkLst>
+        </pc:picChg>
+        <pc:picChg chg="add mod">
+          <ac:chgData name="Carolyne Santos de Oliveira" userId="ef751ba60d7f6b41" providerId="LiveId" clId="{2BBE3299-8186-44C9-9CE4-761F6479A2D5}" dt="2024-10-18T01:19:21.551" v="2185" actId="1076"/>
+          <ac:picMkLst>
+            <pc:docMk/>
+            <pc:sldMk cId="95992585" sldId="257"/>
+            <ac:picMk id="13" creationId="{2EEA264F-FBC4-9492-AF7A-DE12C70464CE}"/>
+          </ac:picMkLst>
+        </pc:picChg>
+        <pc:picChg chg="add del mod">
+          <ac:chgData name="Carolyne Santos de Oliveira" userId="ef751ba60d7f6b41" providerId="LiveId" clId="{2BBE3299-8186-44C9-9CE4-761F6479A2D5}" dt="2024-10-18T01:16:01.175" v="2166" actId="478"/>
+          <ac:picMkLst>
+            <pc:docMk/>
+            <pc:sldMk cId="95992585" sldId="257"/>
+            <ac:picMk id="15" creationId="{54F96D3E-87F1-3F08-1BA6-E8B3AAEC104E}"/>
+          </ac:picMkLst>
+        </pc:picChg>
+        <pc:picChg chg="add del mod">
           <ac:chgData name="Carolyne Santos de Oliveira" userId="ef751ba60d7f6b41" providerId="LiveId" clId="{2BBE3299-8186-44C9-9CE4-761F6479A2D5}" dt="2024-10-15T20:13:17.019" v="1983"/>
           <ac:picMkLst>
             <pc:docMk/>
@@ -536,6 +657,30 @@
             <ac:picMk id="17" creationId="{54AD2F88-A775-BFF1-A2C1-6F6CAAD17933}"/>
           </ac:picMkLst>
         </pc:picChg>
+        <pc:picChg chg="add mod ord">
+          <ac:chgData name="Carolyne Santos de Oliveira" userId="ef751ba60d7f6b41" providerId="LiveId" clId="{2BBE3299-8186-44C9-9CE4-761F6479A2D5}" dt="2024-10-18T01:10:51.841" v="2134" actId="167"/>
+          <ac:picMkLst>
+            <pc:docMk/>
+            <pc:sldMk cId="95992585" sldId="257"/>
+            <ac:picMk id="17" creationId="{6CED61AE-6A59-6C06-49D3-F1F9B1DF99E3}"/>
+          </ac:picMkLst>
+        </pc:picChg>
+        <pc:picChg chg="add del mod">
+          <ac:chgData name="Carolyne Santos de Oliveira" userId="ef751ba60d7f6b41" providerId="LiveId" clId="{2BBE3299-8186-44C9-9CE4-761F6479A2D5}" dt="2024-10-18T01:11:22.016" v="2138" actId="478"/>
+          <ac:picMkLst>
+            <pc:docMk/>
+            <pc:sldMk cId="95992585" sldId="257"/>
+            <ac:picMk id="19" creationId="{CAC01B8F-3BAA-33AE-0BEA-FB22D256DF85}"/>
+          </ac:picMkLst>
+        </pc:picChg>
+        <pc:picChg chg="add del mod">
+          <ac:chgData name="Carolyne Santos de Oliveira" userId="ef751ba60d7f6b41" providerId="LiveId" clId="{2BBE3299-8186-44C9-9CE4-761F6479A2D5}" dt="2024-10-18T02:24:52.924" v="2572" actId="478"/>
+          <ac:picMkLst>
+            <pc:docMk/>
+            <pc:sldMk cId="95992585" sldId="257"/>
+            <ac:picMk id="21" creationId="{A039C835-2EE8-7321-CBAE-E6E814D51F4C}"/>
+          </ac:picMkLst>
+        </pc:picChg>
         <pc:picChg chg="add del mod ord">
           <ac:chgData name="Carolyne Santos de Oliveira" userId="ef751ba60d7f6b41" providerId="LiveId" clId="{2BBE3299-8186-44C9-9CE4-761F6479A2D5}" dt="2024-10-15T20:18:17.473" v="1990"/>
           <ac:picMkLst>
@@ -544,6 +689,14 @@
             <ac:picMk id="22" creationId="{4E4B89DF-DFD2-2464-A1C2-17C6626F69C7}"/>
           </ac:picMkLst>
         </pc:picChg>
+        <pc:picChg chg="add mod">
+          <ac:chgData name="Carolyne Santos de Oliveira" userId="ef751ba60d7f6b41" providerId="LiveId" clId="{2BBE3299-8186-44C9-9CE4-761F6479A2D5}" dt="2024-10-18T01:12:00.269" v="2142" actId="1076"/>
+          <ac:picMkLst>
+            <pc:docMk/>
+            <pc:sldMk cId="95992585" sldId="257"/>
+            <ac:picMk id="23" creationId="{C570D941-9C0E-AB3E-B5D1-497A87039C08}"/>
+          </ac:picMkLst>
+        </pc:picChg>
         <pc:picChg chg="add del mod">
           <ac:chgData name="Carolyne Santos de Oliveira" userId="ef751ba60d7f6b41" providerId="LiveId" clId="{2BBE3299-8186-44C9-9CE4-761F6479A2D5}" dt="2024-10-15T20:18:42.365" v="2000"/>
           <ac:picMkLst>
@@ -560,6 +713,14 @@
             <ac:picMk id="25" creationId="{F2C265BA-D445-D579-8611-E153803E1C6B}"/>
           </ac:picMkLst>
         </pc:picChg>
+        <pc:picChg chg="add mod ord">
+          <ac:chgData name="Carolyne Santos de Oliveira" userId="ef751ba60d7f6b41" providerId="LiveId" clId="{2BBE3299-8186-44C9-9CE4-761F6479A2D5}" dt="2024-10-18T01:18:50.911" v="2180" actId="167"/>
+          <ac:picMkLst>
+            <pc:docMk/>
+            <pc:sldMk cId="95992585" sldId="257"/>
+            <ac:picMk id="25" creationId="{FCB3C297-7DBE-AB75-EEA9-3028B3E49E05}"/>
+          </ac:picMkLst>
+        </pc:picChg>
         <pc:picChg chg="add del mod">
           <ac:chgData name="Carolyne Santos de Oliveira" userId="ef751ba60d7f6b41" providerId="LiveId" clId="{2BBE3299-8186-44C9-9CE4-761F6479A2D5}" dt="2024-10-15T20:20:03.117" v="2005"/>
           <ac:picMkLst>
@@ -602,27 +763,83 @@
         </pc:picChg>
       </pc:sldChg>
       <pc:sldChg chg="addSp delSp modSp mod modTransition delAnim modAnim">
-        <pc:chgData name="Carolyne Santos de Oliveira" userId="ef751ba60d7f6b41" providerId="LiveId" clId="{2BBE3299-8186-44C9-9CE4-761F6479A2D5}" dt="2024-10-15T20:31:15.616" v="2026" actId="478"/>
+        <pc:chgData name="Carolyne Santos de Oliveira" userId="ef751ba60d7f6b41" providerId="LiveId" clId="{2BBE3299-8186-44C9-9CE4-761F6479A2D5}" dt="2024-10-18T02:36:11.806" v="2634" actId="1076"/>
         <pc:sldMkLst>
           <pc:docMk/>
           <pc:sldMk cId="95992585" sldId="258"/>
         </pc:sldMkLst>
         <pc:spChg chg="add mod">
-          <ac:chgData name="Carolyne Santos de Oliveira" userId="ef751ba60d7f6b41" providerId="LiveId" clId="{2BBE3299-8186-44C9-9CE4-761F6479A2D5}" dt="2024-10-15T19:36:49.479" v="318"/>
+          <ac:chgData name="Carolyne Santos de Oliveira" userId="ef751ba60d7f6b41" providerId="LiveId" clId="{2BBE3299-8186-44C9-9CE4-761F6479A2D5}" dt="2024-10-18T02:27:12.820" v="2579" actId="1076"/>
           <ac:spMkLst>
             <pc:docMk/>
             <pc:sldMk cId="95992585" sldId="258"/>
             <ac:spMk id="2" creationId="{D34F2A83-9C53-C62D-178F-4FDFC14F55F1}"/>
           </ac:spMkLst>
         </pc:spChg>
-        <pc:picChg chg="mod">
-          <ac:chgData name="Carolyne Santos de Oliveira" userId="ef751ba60d7f6b41" providerId="LiveId" clId="{2BBE3299-8186-44C9-9CE4-761F6479A2D5}" dt="2024-10-15T19:30:08.340" v="50" actId="1076"/>
+        <pc:spChg chg="add mod ord">
+          <ac:chgData name="Carolyne Santos de Oliveira" userId="ef751ba60d7f6b41" providerId="LiveId" clId="{2BBE3299-8186-44C9-9CE4-761F6479A2D5}" dt="2024-10-18T02:35:53.902" v="2630" actId="1076"/>
+          <ac:spMkLst>
+            <pc:docMk/>
+            <pc:sldMk cId="95992585" sldId="258"/>
+            <ac:spMk id="15" creationId="{B5B60B7C-E984-DE2E-EF00-459E2E542407}"/>
+          </ac:spMkLst>
+        </pc:spChg>
+        <pc:spChg chg="add mod ord">
+          <ac:chgData name="Carolyne Santos de Oliveira" userId="ef751ba60d7f6b41" providerId="LiveId" clId="{2BBE3299-8186-44C9-9CE4-761F6479A2D5}" dt="2024-10-18T02:36:02.712" v="2632" actId="1076"/>
+          <ac:spMkLst>
+            <pc:docMk/>
+            <pc:sldMk cId="95992585" sldId="258"/>
+            <ac:spMk id="16" creationId="{0EB3D87E-B4FC-FA32-C8F5-6DEBC48D04EF}"/>
+          </ac:spMkLst>
+        </pc:spChg>
+        <pc:spChg chg="add mod ord">
+          <ac:chgData name="Carolyne Santos de Oliveira" userId="ef751ba60d7f6b41" providerId="LiveId" clId="{2BBE3299-8186-44C9-9CE4-761F6479A2D5}" dt="2024-10-18T02:36:11.806" v="2634" actId="1076"/>
+          <ac:spMkLst>
+            <pc:docMk/>
+            <pc:sldMk cId="95992585" sldId="258"/>
+            <ac:spMk id="17" creationId="{9EA70443-F136-C3C3-3BD1-F45EAFC555F8}"/>
+          </ac:spMkLst>
+        </pc:spChg>
+        <pc:spChg chg="add mod">
+          <ac:chgData name="Carolyne Santos de Oliveira" userId="ef751ba60d7f6b41" providerId="LiveId" clId="{2BBE3299-8186-44C9-9CE4-761F6479A2D5}" dt="2024-10-18T02:29:41.046" v="2605" actId="14100"/>
+          <ac:spMkLst>
+            <pc:docMk/>
+            <pc:sldMk cId="95992585" sldId="258"/>
+            <ac:spMk id="18" creationId="{7C3A6EB5-ACE2-07A1-2004-797BE5A20A89}"/>
+          </ac:spMkLst>
+        </pc:spChg>
+        <pc:spChg chg="add mod">
+          <ac:chgData name="Carolyne Santos de Oliveira" userId="ef751ba60d7f6b41" providerId="LiveId" clId="{2BBE3299-8186-44C9-9CE4-761F6479A2D5}" dt="2024-10-18T02:30:50.978" v="2613" actId="14100"/>
+          <ac:spMkLst>
+            <pc:docMk/>
+            <pc:sldMk cId="95992585" sldId="258"/>
+            <ac:spMk id="19" creationId="{ADBCB1BE-E2A6-B327-F3DF-E3F5DB2C3B1A}"/>
+          </ac:spMkLst>
+        </pc:spChg>
+        <pc:spChg chg="add mod">
+          <ac:chgData name="Carolyne Santos de Oliveira" userId="ef751ba60d7f6b41" providerId="LiveId" clId="{2BBE3299-8186-44C9-9CE4-761F6479A2D5}" dt="2024-10-18T02:30:45.816" v="2612" actId="14100"/>
+          <ac:spMkLst>
+            <pc:docMk/>
+            <pc:sldMk cId="95992585" sldId="258"/>
+            <ac:spMk id="20" creationId="{F5A56FA8-D4A4-4A73-3422-B8DA4763D0F0}"/>
+          </ac:spMkLst>
+        </pc:spChg>
+        <pc:picChg chg="del mod">
+          <ac:chgData name="Carolyne Santos de Oliveira" userId="ef751ba60d7f6b41" providerId="LiveId" clId="{2BBE3299-8186-44C9-9CE4-761F6479A2D5}" dt="2024-10-18T01:29:16.589" v="2279" actId="478"/>
           <ac:picMkLst>
             <pc:docMk/>
             <pc:sldMk cId="95992585" sldId="258"/>
             <ac:picMk id="3" creationId="{71B38B10-C4A6-4B53-A314-19DDF2E1DCBD}"/>
           </ac:picMkLst>
         </pc:picChg>
+        <pc:picChg chg="add mod ord">
+          <ac:chgData name="Carolyne Santos de Oliveira" userId="ef751ba60d7f6b41" providerId="LiveId" clId="{2BBE3299-8186-44C9-9CE4-761F6479A2D5}" dt="2024-10-18T02:33:46.292" v="2617" actId="1076"/>
+          <ac:picMkLst>
+            <pc:docMk/>
+            <pc:sldMk cId="95992585" sldId="258"/>
+            <ac:picMk id="5" creationId="{64F60B77-1E58-A39C-567F-0F90CCF00495}"/>
+          </ac:picMkLst>
+        </pc:picChg>
         <pc:picChg chg="add del mod">
           <ac:chgData name="Carolyne Santos de Oliveira" userId="ef751ba60d7f6b41" providerId="LiveId" clId="{2BBE3299-8186-44C9-9CE4-761F6479A2D5}" dt="2024-10-15T20:18:42.365" v="2000"/>
           <ac:picMkLst>
@@ -631,6 +848,22 @@
             <ac:picMk id="7" creationId="{B357162B-3F4E-68C1-4933-5871FDDED07C}"/>
           </ac:picMkLst>
         </pc:picChg>
+        <pc:picChg chg="add mod">
+          <ac:chgData name="Carolyne Santos de Oliveira" userId="ef751ba60d7f6b41" providerId="LiveId" clId="{2BBE3299-8186-44C9-9CE4-761F6479A2D5}" dt="2024-10-18T02:20:50.888" v="2548" actId="1076"/>
+          <ac:picMkLst>
+            <pc:docMk/>
+            <pc:sldMk cId="95992585" sldId="258"/>
+            <ac:picMk id="7" creationId="{D4315C0F-3711-4712-4867-EDFD2A5EB799}"/>
+          </ac:picMkLst>
+        </pc:picChg>
+        <pc:picChg chg="add del mod">
+          <ac:chgData name="Carolyne Santos de Oliveira" userId="ef751ba60d7f6b41" providerId="LiveId" clId="{2BBE3299-8186-44C9-9CE4-761F6479A2D5}" dt="2024-10-18T01:34:26.260" v="2323" actId="478"/>
+          <ac:picMkLst>
+            <pc:docMk/>
+            <pc:sldMk cId="95992585" sldId="258"/>
+            <ac:picMk id="9" creationId="{29740D2D-1611-F525-0EC8-7B5D0051F1AA}"/>
+          </ac:picMkLst>
+        </pc:picChg>
         <pc:picChg chg="add del mod ord">
           <ac:chgData name="Carolyne Santos de Oliveira" userId="ef751ba60d7f6b41" providerId="LiveId" clId="{2BBE3299-8186-44C9-9CE4-761F6479A2D5}" dt="2024-10-15T20:24:25.802" v="2006"/>
           <ac:picMkLst>
@@ -647,6 +880,14 @@
             <ac:picMk id="10" creationId="{B4BFDA9D-B16B-8051-8AFB-6A1AD9C6A3C5}"/>
           </ac:picMkLst>
         </pc:picChg>
+        <pc:picChg chg="add mod ord">
+          <ac:chgData name="Carolyne Santos de Oliveira" userId="ef751ba60d7f6b41" providerId="LiveId" clId="{2BBE3299-8186-44C9-9CE4-761F6479A2D5}" dt="2024-10-18T02:27:24.473" v="2580" actId="1076"/>
+          <ac:picMkLst>
+            <pc:docMk/>
+            <pc:sldMk cId="95992585" sldId="258"/>
+            <ac:picMk id="11" creationId="{3CD2FB54-E110-7742-E783-742114C09733}"/>
+          </ac:picMkLst>
+        </pc:picChg>
         <pc:picChg chg="add del mod ord">
           <ac:chgData name="Carolyne Santos de Oliveira" userId="ef751ba60d7f6b41" providerId="LiveId" clId="{2BBE3299-8186-44C9-9CE4-761F6479A2D5}" dt="2024-10-15T20:29:02.687" v="2016"/>
           <ac:picMkLst>
@@ -663,6 +904,46 @@
             <ac:picMk id="13" creationId="{0CCD76E5-08DE-D1A7-DE24-20B7AF9CA838}"/>
           </ac:picMkLst>
         </pc:picChg>
+        <pc:picChg chg="add mod ord">
+          <ac:chgData name="Carolyne Santos de Oliveira" userId="ef751ba60d7f6b41" providerId="LiveId" clId="{2BBE3299-8186-44C9-9CE4-761F6479A2D5}" dt="2024-10-18T02:28:11.047" v="2591" actId="207"/>
+          <ac:picMkLst>
+            <pc:docMk/>
+            <pc:sldMk cId="95992585" sldId="258"/>
+            <ac:picMk id="13" creationId="{66CA2780-7ADF-9A67-956E-7446B40BD825}"/>
+          </ac:picMkLst>
+        </pc:picChg>
+        <pc:picChg chg="add mod ord">
+          <ac:chgData name="Carolyne Santos de Oliveira" userId="ef751ba60d7f6b41" providerId="LiveId" clId="{2BBE3299-8186-44C9-9CE4-761F6479A2D5}" dt="2024-10-18T02:35:41.566" v="2627" actId="1076"/>
+          <ac:picMkLst>
+            <pc:docMk/>
+            <pc:sldMk cId="95992585" sldId="258"/>
+            <ac:picMk id="14" creationId="{07D40F32-8C24-31F9-3ECE-A7229891A344}"/>
+          </ac:picMkLst>
+        </pc:picChg>
+        <pc:cxnChg chg="add">
+          <ac:chgData name="Carolyne Santos de Oliveira" userId="ef751ba60d7f6b41" providerId="LiveId" clId="{2BBE3299-8186-44C9-9CE4-761F6479A2D5}" dt="2024-10-18T02:33:17.907" v="2614" actId="11529"/>
+          <ac:cxnSpMkLst>
+            <pc:docMk/>
+            <pc:sldMk cId="95992585" sldId="258"/>
+            <ac:cxnSpMk id="22" creationId="{2A902880-C11A-70B1-06B1-960901AD91EE}"/>
+          </ac:cxnSpMkLst>
+        </pc:cxnChg>
+        <pc:cxnChg chg="add">
+          <ac:chgData name="Carolyne Santos de Oliveira" userId="ef751ba60d7f6b41" providerId="LiveId" clId="{2BBE3299-8186-44C9-9CE4-761F6479A2D5}" dt="2024-10-18T02:34:08.103" v="2618" actId="11529"/>
+          <ac:cxnSpMkLst>
+            <pc:docMk/>
+            <pc:sldMk cId="95992585" sldId="258"/>
+            <ac:cxnSpMk id="24" creationId="{D03B7513-122D-A546-32CA-6547CFB94B5F}"/>
+          </ac:cxnSpMkLst>
+        </pc:cxnChg>
+        <pc:cxnChg chg="add">
+          <ac:chgData name="Carolyne Santos de Oliveira" userId="ef751ba60d7f6b41" providerId="LiveId" clId="{2BBE3299-8186-44C9-9CE4-761F6479A2D5}" dt="2024-10-18T02:34:45.422" v="2620" actId="11529"/>
+          <ac:cxnSpMkLst>
+            <pc:docMk/>
+            <pc:sldMk cId="95992585" sldId="258"/>
+            <ac:cxnSpMk id="26" creationId="{C16DA135-D93B-C5E4-8FDC-2612EF89868D}"/>
+          </ac:cxnSpMkLst>
+        </pc:cxnChg>
       </pc:sldChg>
       <pc:sldChg chg="modSp del mod">
         <pc:chgData name="Carolyne Santos de Oliveira" userId="ef751ba60d7f6b41" providerId="LiveId" clId="{2BBE3299-8186-44C9-9CE4-761F6479A2D5}" dt="2024-10-15T19:32:06.735" v="230" actId="2696"/>
@@ -694,14 +975,14 @@
           </ac:picMkLst>
         </pc:picChg>
       </pc:sldChg>
-      <pc:sldChg chg="addSp delSp modSp mod modTransition delAnim modAnim">
-        <pc:chgData name="Carolyne Santos de Oliveira" userId="ef751ba60d7f6b41" providerId="LiveId" clId="{2BBE3299-8186-44C9-9CE4-761F6479A2D5}" dt="2024-10-15T20:31:17.267" v="2027" actId="478"/>
+      <pc:sldChg chg="addSp delSp modSp del mod modTransition delAnim modAnim">
+        <pc:chgData name="Carolyne Santos de Oliveira" userId="ef751ba60d7f6b41" providerId="LiveId" clId="{2BBE3299-8186-44C9-9CE4-761F6479A2D5}" dt="2024-10-18T01:37:16.838" v="2332" actId="2696"/>
         <pc:sldMkLst>
           <pc:docMk/>
           <pc:sldMk cId="95992585" sldId="261"/>
         </pc:sldMkLst>
         <pc:spChg chg="add mod">
-          <ac:chgData name="Carolyne Santos de Oliveira" userId="ef751ba60d7f6b41" providerId="LiveId" clId="{2BBE3299-8186-44C9-9CE4-761F6479A2D5}" dt="2024-10-15T19:37:09.591" v="319"/>
+          <ac:chgData name="Carolyne Santos de Oliveira" userId="ef751ba60d7f6b41" providerId="LiveId" clId="{2BBE3299-8186-44C9-9CE4-761F6479A2D5}" dt="2024-10-18T01:31:04.890" v="2302" actId="1076"/>
           <ac:spMkLst>
             <pc:docMk/>
             <pc:sldMk cId="95992585" sldId="261"/>
@@ -717,7 +998,7 @@
           </ac:picMkLst>
         </pc:picChg>
         <pc:picChg chg="mod">
-          <ac:chgData name="Carolyne Santos de Oliveira" userId="ef751ba60d7f6b41" providerId="LiveId" clId="{2BBE3299-8186-44C9-9CE4-761F6479A2D5}" dt="2024-10-15T19:32:17.301" v="232" actId="14100"/>
+          <ac:chgData name="Carolyne Santos de Oliveira" userId="ef751ba60d7f6b41" providerId="LiveId" clId="{2BBE3299-8186-44C9-9CE4-761F6479A2D5}" dt="2024-10-18T01:31:27.333" v="2304" actId="1076"/>
           <ac:picMkLst>
             <pc:docMk/>
             <pc:sldMk cId="95992585" sldId="261"/>
@@ -773,19 +1054,83 @@
         </pc:picChg>
       </pc:sldChg>
       <pc:sldChg chg="addSp delSp modSp mod modTransition delAnim modAnim">
-        <pc:chgData name="Carolyne Santos de Oliveira" userId="ef751ba60d7f6b41" providerId="LiveId" clId="{2BBE3299-8186-44C9-9CE4-761F6479A2D5}" dt="2024-10-15T20:31:18.916" v="2028" actId="478"/>
+        <pc:chgData name="Carolyne Santos de Oliveira" userId="ef751ba60d7f6b41" providerId="LiveId" clId="{2BBE3299-8186-44C9-9CE4-761F6479A2D5}" dt="2024-10-18T02:17:44.023" v="2520" actId="1076"/>
         <pc:sldMkLst>
           <pc:docMk/>
           <pc:sldMk cId="95992585" sldId="263"/>
         </pc:sldMkLst>
         <pc:spChg chg="add mod">
-          <ac:chgData name="Carolyne Santos de Oliveira" userId="ef751ba60d7f6b41" providerId="LiveId" clId="{2BBE3299-8186-44C9-9CE4-761F6479A2D5}" dt="2024-10-15T19:49:39.148" v="1199"/>
+          <ac:chgData name="Carolyne Santos de Oliveira" userId="ef751ba60d7f6b41" providerId="LiveId" clId="{2BBE3299-8186-44C9-9CE4-761F6479A2D5}" dt="2024-10-18T02:09:26.849" v="2502" actId="1076"/>
           <ac:spMkLst>
             <pc:docMk/>
             <pc:sldMk cId="95992585" sldId="263"/>
             <ac:spMk id="2" creationId="{B47CBC4C-9364-26BA-A96C-57C98651DF0E}"/>
           </ac:spMkLst>
         </pc:spChg>
+        <pc:spChg chg="add mod">
+          <ac:chgData name="Carolyne Santos de Oliveira" userId="ef751ba60d7f6b41" providerId="LiveId" clId="{2BBE3299-8186-44C9-9CE4-761F6479A2D5}" dt="2024-10-18T01:48:07.748" v="2380" actId="207"/>
+          <ac:spMkLst>
+            <pc:docMk/>
+            <pc:sldMk cId="95992585" sldId="263"/>
+            <ac:spMk id="7" creationId="{AFF1AB49-B0C1-2A2F-5E99-EA519A183C5A}"/>
+          </ac:spMkLst>
+        </pc:spChg>
+        <pc:spChg chg="add del mod">
+          <ac:chgData name="Carolyne Santos de Oliveira" userId="ef751ba60d7f6b41" providerId="LiveId" clId="{2BBE3299-8186-44C9-9CE4-761F6479A2D5}" dt="2024-10-18T01:48:24.366" v="2382" actId="478"/>
+          <ac:spMkLst>
+            <pc:docMk/>
+            <pc:sldMk cId="95992585" sldId="263"/>
+            <ac:spMk id="9" creationId="{66818C81-CAB5-5CC6-0C1B-431397ED21FC}"/>
+          </ac:spMkLst>
+        </pc:spChg>
+        <pc:spChg chg="add mod">
+          <ac:chgData name="Carolyne Santos de Oliveira" userId="ef751ba60d7f6b41" providerId="LiveId" clId="{2BBE3299-8186-44C9-9CE4-761F6479A2D5}" dt="2024-10-18T01:48:43.294" v="2384" actId="1076"/>
+          <ac:spMkLst>
+            <pc:docMk/>
+            <pc:sldMk cId="95992585" sldId="263"/>
+            <ac:spMk id="10" creationId="{7177910C-8E6E-0297-CF9B-728978B981DD}"/>
+          </ac:spMkLst>
+        </pc:spChg>
+        <pc:spChg chg="add mod">
+          <ac:chgData name="Carolyne Santos de Oliveira" userId="ef751ba60d7f6b41" providerId="LiveId" clId="{2BBE3299-8186-44C9-9CE4-761F6479A2D5}" dt="2024-10-18T01:49:27.690" v="2388" actId="207"/>
+          <ac:spMkLst>
+            <pc:docMk/>
+            <pc:sldMk cId="95992585" sldId="263"/>
+            <ac:spMk id="11" creationId="{8D88EB29-0DDF-E475-369D-8A71B86FA9A5}"/>
+          </ac:spMkLst>
+        </pc:spChg>
+        <pc:spChg chg="add mod">
+          <ac:chgData name="Carolyne Santos de Oliveira" userId="ef751ba60d7f6b41" providerId="LiveId" clId="{2BBE3299-8186-44C9-9CE4-761F6479A2D5}" dt="2024-10-18T01:49:38.504" v="2390" actId="1076"/>
+          <ac:spMkLst>
+            <pc:docMk/>
+            <pc:sldMk cId="95992585" sldId="263"/>
+            <ac:spMk id="12" creationId="{E9B5E27E-ABA1-96E6-C155-76522D0D4A37}"/>
+          </ac:spMkLst>
+        </pc:spChg>
+        <pc:spChg chg="add mod">
+          <ac:chgData name="Carolyne Santos de Oliveira" userId="ef751ba60d7f6b41" providerId="LiveId" clId="{2BBE3299-8186-44C9-9CE4-761F6479A2D5}" dt="2024-10-18T01:50:00.783" v="2394" actId="207"/>
+          <ac:spMkLst>
+            <pc:docMk/>
+            <pc:sldMk cId="95992585" sldId="263"/>
+            <ac:spMk id="13" creationId="{998CB402-9332-5503-97DC-3F285A06F0F2}"/>
+          </ac:spMkLst>
+        </pc:spChg>
+        <pc:spChg chg="add mod">
+          <ac:chgData name="Carolyne Santos de Oliveira" userId="ef751ba60d7f6b41" providerId="LiveId" clId="{2BBE3299-8186-44C9-9CE4-761F6479A2D5}" dt="2024-10-18T01:50:27.874" v="2397" actId="1076"/>
+          <ac:spMkLst>
+            <pc:docMk/>
+            <pc:sldMk cId="95992585" sldId="263"/>
+            <ac:spMk id="14" creationId="{5C0C5617-A5A2-B61F-CC75-B78D1321EFA3}"/>
+          </ac:spMkLst>
+        </pc:spChg>
+        <pc:spChg chg="add del mod">
+          <ac:chgData name="Carolyne Santos de Oliveira" userId="ef751ba60d7f6b41" providerId="LiveId" clId="{2BBE3299-8186-44C9-9CE4-761F6479A2D5}" dt="2024-10-18T02:09:15.197" v="2500" actId="478"/>
+          <ac:spMkLst>
+            <pc:docMk/>
+            <pc:sldMk cId="95992585" sldId="263"/>
+            <ac:spMk id="15" creationId="{8671AC85-66CE-0BED-21C0-D45C224AA74B}"/>
+          </ac:spMkLst>
+        </pc:spChg>
         <pc:picChg chg="add del mod">
           <ac:chgData name="Carolyne Santos de Oliveira" userId="ef751ba60d7f6b41" providerId="LiveId" clId="{2BBE3299-8186-44C9-9CE4-761F6479A2D5}" dt="2024-10-15T20:18:42.365" v="2000"/>
           <ac:picMkLst>
@@ -794,6 +1139,22 @@
             <ac:picMk id="4" creationId="{A5931D19-7782-90E2-D50D-219A2E196E7F}"/>
           </ac:picMkLst>
         </pc:picChg>
+        <pc:picChg chg="add mod">
+          <ac:chgData name="Carolyne Santos de Oliveira" userId="ef751ba60d7f6b41" providerId="LiveId" clId="{2BBE3299-8186-44C9-9CE4-761F6479A2D5}" dt="2024-10-18T02:17:02.426" v="2513" actId="1076"/>
+          <ac:picMkLst>
+            <pc:docMk/>
+            <pc:sldMk cId="95992585" sldId="263"/>
+            <ac:picMk id="4" creationId="{ED65B898-8DF0-2A62-5990-4BE0FCF36F32}"/>
+          </ac:picMkLst>
+        </pc:picChg>
+        <pc:picChg chg="add mod modCrop">
+          <ac:chgData name="Carolyne Santos de Oliveira" userId="ef751ba60d7f6b41" providerId="LiveId" clId="{2BBE3299-8186-44C9-9CE4-761F6479A2D5}" dt="2024-10-18T01:39:41.733" v="2346" actId="1076"/>
+          <ac:picMkLst>
+            <pc:docMk/>
+            <pc:sldMk cId="95992585" sldId="263"/>
+            <ac:picMk id="6" creationId="{D900F490-9B23-52E8-EFF8-DB6ED659B3F4}"/>
+          </ac:picMkLst>
+        </pc:picChg>
         <pc:picChg chg="add del mod ord">
           <ac:chgData name="Carolyne Santos de Oliveira" userId="ef751ba60d7f6b41" providerId="LiveId" clId="{2BBE3299-8186-44C9-9CE4-761F6479A2D5}" dt="2024-10-15T20:24:25.802" v="2006"/>
           <ac:picMkLst>
@@ -802,8 +1163,8 @@
             <ac:picMk id="7" creationId="{C16C9027-E4B2-1EE1-4E26-C47CB4D86E74}"/>
           </ac:picMkLst>
         </pc:picChg>
-        <pc:picChg chg="mod">
-          <ac:chgData name="Carolyne Santos de Oliveira" userId="ef751ba60d7f6b41" providerId="LiveId" clId="{2BBE3299-8186-44C9-9CE4-761F6479A2D5}" dt="2024-10-15T19:46:14.124" v="827" actId="1076"/>
+        <pc:picChg chg="del mod">
+          <ac:chgData name="Carolyne Santos de Oliveira" userId="ef751ba60d7f6b41" providerId="LiveId" clId="{2BBE3299-8186-44C9-9CE4-761F6479A2D5}" dt="2024-10-18T01:38:15.787" v="2336" actId="478"/>
           <ac:picMkLst>
             <pc:docMk/>
             <pc:sldMk cId="95992585" sldId="263"/>
@@ -834,19 +1195,75 @@
             <ac:picMk id="12" creationId="{9B0D0749-467F-0830-1A96-EE66E8D243A4}"/>
           </ac:picMkLst>
         </pc:picChg>
+        <pc:picChg chg="add mod">
+          <ac:chgData name="Carolyne Santos de Oliveira" userId="ef751ba60d7f6b41" providerId="LiveId" clId="{2BBE3299-8186-44C9-9CE4-761F6479A2D5}" dt="2024-10-18T02:17:44.023" v="2520" actId="1076"/>
+          <ac:picMkLst>
+            <pc:docMk/>
+            <pc:sldMk cId="95992585" sldId="263"/>
+            <ac:picMk id="17" creationId="{F35BF599-2EED-C8BA-94E7-2EB71300313D}"/>
+          </ac:picMkLst>
+        </pc:picChg>
+        <pc:picChg chg="add mod">
+          <ac:chgData name="Carolyne Santos de Oliveira" userId="ef751ba60d7f6b41" providerId="LiveId" clId="{2BBE3299-8186-44C9-9CE4-761F6479A2D5}" dt="2024-10-18T02:17:41.167" v="2519" actId="1076"/>
+          <ac:picMkLst>
+            <pc:docMk/>
+            <pc:sldMk cId="95992585" sldId="263"/>
+            <ac:picMk id="19" creationId="{7B9829A8-4143-6DE8-D84A-0CDFB7DC9787}"/>
+          </ac:picMkLst>
+        </pc:picChg>
       </pc:sldChg>
       <pc:sldChg chg="addSp delSp modSp mod modTransition setBg delAnim modAnim delDesignElem">
-        <pc:chgData name="Carolyne Santos de Oliveira" userId="ef751ba60d7f6b41" providerId="LiveId" clId="{2BBE3299-8186-44C9-9CE4-761F6479A2D5}" dt="2024-10-15T20:31:22.626" v="2029" actId="478"/>
+        <pc:chgData name="Carolyne Santos de Oliveira" userId="ef751ba60d7f6b41" providerId="LiveId" clId="{2BBE3299-8186-44C9-9CE4-761F6479A2D5}" dt="2024-10-18T02:10:25.438" v="2507"/>
         <pc:sldMkLst>
           <pc:docMk/>
           <pc:sldMk cId="95992585" sldId="264"/>
         </pc:sldMkLst>
-        <pc:spChg chg="add mod">
-          <ac:chgData name="Carolyne Santos de Oliveira" userId="ef751ba60d7f6b41" providerId="LiveId" clId="{2BBE3299-8186-44C9-9CE4-761F6479A2D5}" dt="2024-10-15T20:02:43.028" v="1954" actId="1076"/>
+        <pc:spChg chg="add del mod">
+          <ac:chgData name="Carolyne Santos de Oliveira" userId="ef751ba60d7f6b41" providerId="LiveId" clId="{2BBE3299-8186-44C9-9CE4-761F6479A2D5}" dt="2024-10-18T02:04:09.306" v="2466" actId="478"/>
           <ac:spMkLst>
             <pc:docMk/>
             <pc:sldMk cId="95992585" sldId="264"/>
             <ac:spMk id="2" creationId="{8CE0554F-013D-3589-851A-D70E664485CA}"/>
+          </ac:spMkLst>
+        </pc:spChg>
+        <pc:spChg chg="add mod">
+          <ac:chgData name="Carolyne Santos de Oliveira" userId="ef751ba60d7f6b41" providerId="LiveId" clId="{2BBE3299-8186-44C9-9CE4-761F6479A2D5}" dt="2024-10-18T02:05:02.887" v="2480" actId="1076"/>
+          <ac:spMkLst>
+            <pc:docMk/>
+            <pc:sldMk cId="95992585" sldId="264"/>
+            <ac:spMk id="9" creationId="{FB0F4132-DC47-E7F9-F1A0-9D8581FCB0D1}"/>
+          </ac:spMkLst>
+        </pc:spChg>
+        <pc:spChg chg="add mod">
+          <ac:chgData name="Carolyne Santos de Oliveira" userId="ef751ba60d7f6b41" providerId="LiveId" clId="{2BBE3299-8186-44C9-9CE4-761F6479A2D5}" dt="2024-10-18T02:04:26.212" v="2470" actId="1076"/>
+          <ac:spMkLst>
+            <pc:docMk/>
+            <pc:sldMk cId="95992585" sldId="264"/>
+            <ac:spMk id="10" creationId="{8E32325C-0CDC-036B-E315-FC0FA49630F5}"/>
+          </ac:spMkLst>
+        </pc:spChg>
+        <pc:spChg chg="add mod">
+          <ac:chgData name="Carolyne Santos de Oliveira" userId="ef751ba60d7f6b41" providerId="LiveId" clId="{2BBE3299-8186-44C9-9CE4-761F6479A2D5}" dt="2024-10-18T02:10:22.712" v="2506" actId="1076"/>
+          <ac:spMkLst>
+            <pc:docMk/>
+            <pc:sldMk cId="95992585" sldId="264"/>
+            <ac:spMk id="11" creationId="{BACEA7C9-73AE-7F76-39F4-AB5850CC34A2}"/>
+          </ac:spMkLst>
+        </pc:spChg>
+        <pc:spChg chg="add mod">
+          <ac:chgData name="Carolyne Santos de Oliveira" userId="ef751ba60d7f6b41" providerId="LiveId" clId="{2BBE3299-8186-44C9-9CE4-761F6479A2D5}" dt="2024-10-18T02:05:07.257" v="2481" actId="1076"/>
+          <ac:spMkLst>
+            <pc:docMk/>
+            <pc:sldMk cId="95992585" sldId="264"/>
+            <ac:spMk id="12" creationId="{A1829504-753D-2055-24D5-D1348DD3A200}"/>
+          </ac:spMkLst>
+        </pc:spChg>
+        <pc:spChg chg="add mod">
+          <ac:chgData name="Carolyne Santos de Oliveira" userId="ef751ba60d7f6b41" providerId="LiveId" clId="{2BBE3299-8186-44C9-9CE4-761F6479A2D5}" dt="2024-10-18T02:04:15.763" v="2467" actId="1076"/>
+          <ac:spMkLst>
+            <pc:docMk/>
+            <pc:sldMk cId="95992585" sldId="264"/>
+            <ac:spMk id="13" creationId="{3A7741AB-A93D-C632-5784-B98B081A8D15}"/>
           </ac:spMkLst>
         </pc:spChg>
         <pc:spChg chg="add del">
@@ -881,8 +1298,8 @@
             <ac:spMk id="20" creationId="{A8D57A06-A426-446D-B02C-A2DC6B62E45E}"/>
           </ac:spMkLst>
         </pc:spChg>
-        <pc:picChg chg="add mod">
-          <ac:chgData name="Carolyne Santos de Oliveira" userId="ef751ba60d7f6b41" providerId="LiveId" clId="{2BBE3299-8186-44C9-9CE4-761F6479A2D5}" dt="2024-10-15T19:58:32.011" v="1277" actId="14100"/>
+        <pc:picChg chg="add del mod">
+          <ac:chgData name="Carolyne Santos de Oliveira" userId="ef751ba60d7f6b41" providerId="LiveId" clId="{2BBE3299-8186-44C9-9CE4-761F6479A2D5}" dt="2024-10-18T01:42:35.579" v="2349" actId="478"/>
           <ac:picMkLst>
             <pc:docMk/>
             <pc:sldMk cId="95992585" sldId="264"/>
@@ -890,13 +1307,29 @@
           </ac:picMkLst>
         </pc:picChg>
         <pc:picChg chg="add mod">
-          <ac:chgData name="Carolyne Santos de Oliveira" userId="ef751ba60d7f6b41" providerId="LiveId" clId="{2BBE3299-8186-44C9-9CE4-761F6479A2D5}" dt="2024-10-15T19:58:27.207" v="1275" actId="14100"/>
+          <ac:chgData name="Carolyne Santos de Oliveira" userId="ef751ba60d7f6b41" providerId="LiveId" clId="{2BBE3299-8186-44C9-9CE4-761F6479A2D5}" dt="2024-10-18T02:04:40.094" v="2475" actId="1076"/>
+          <ac:picMkLst>
+            <pc:docMk/>
+            <pc:sldMk cId="95992585" sldId="264"/>
+            <ac:picMk id="5" creationId="{AD3FABF5-101E-15E0-C36E-7BCBCF897284}"/>
+          </ac:picMkLst>
+        </pc:picChg>
+        <pc:picChg chg="add del mod">
+          <ac:chgData name="Carolyne Santos de Oliveira" userId="ef751ba60d7f6b41" providerId="LiveId" clId="{2BBE3299-8186-44C9-9CE4-761F6479A2D5}" dt="2024-10-18T01:42:33.170" v="2348" actId="478"/>
           <ac:picMkLst>
             <pc:docMk/>
             <pc:sldMk cId="95992585" sldId="264"/>
             <ac:picMk id="6" creationId="{2A52372C-042F-E3F6-22BB-530364743BF9}"/>
           </ac:picMkLst>
         </pc:picChg>
+        <pc:picChg chg="add mod">
+          <ac:chgData name="Carolyne Santos de Oliveira" userId="ef751ba60d7f6b41" providerId="LiveId" clId="{2BBE3299-8186-44C9-9CE4-761F6479A2D5}" dt="2024-10-18T02:04:22.298" v="2469" actId="1076"/>
+          <ac:picMkLst>
+            <pc:docMk/>
+            <pc:sldMk cId="95992585" sldId="264"/>
+            <ac:picMk id="8" creationId="{2C896ECB-949F-C60B-B791-26758DD5375E}"/>
+          </ac:picMkLst>
+        </pc:picChg>
         <pc:picChg chg="add del mod">
           <ac:chgData name="Carolyne Santos de Oliveira" userId="ef751ba60d7f6b41" providerId="LiveId" clId="{2BBE3299-8186-44C9-9CE4-761F6479A2D5}" dt="2024-10-15T20:25:23.004" v="2015"/>
           <ac:picMkLst>
@@ -929,21 +1362,125 @@
             <ac:picMk id="12" creationId="{12F7B9FF-CFD7-B79B-7A5D-E3AA49BC16CB}"/>
           </ac:picMkLst>
         </pc:picChg>
+        <pc:picChg chg="add del mod">
+          <ac:chgData name="Carolyne Santos de Oliveira" userId="ef751ba60d7f6b41" providerId="LiveId" clId="{2BBE3299-8186-44C9-9CE4-761F6479A2D5}" dt="2024-10-18T01:58:07.864" v="2436" actId="478"/>
+          <ac:picMkLst>
+            <pc:docMk/>
+            <pc:sldMk cId="95992585" sldId="264"/>
+            <ac:picMk id="15" creationId="{BB782417-3589-80D5-4C61-2B131AD0B90C}"/>
+          </ac:picMkLst>
+        </pc:picChg>
+        <pc:picChg chg="add del mod">
+          <ac:chgData name="Carolyne Santos de Oliveira" userId="ef751ba60d7f6b41" providerId="LiveId" clId="{2BBE3299-8186-44C9-9CE4-761F6479A2D5}" dt="2024-10-18T01:58:14.592" v="2437" actId="478"/>
+          <ac:picMkLst>
+            <pc:docMk/>
+            <pc:sldMk cId="95992585" sldId="264"/>
+            <ac:picMk id="17" creationId="{C317A3A6-8F46-888B-1CB1-F4A5A63F3E91}"/>
+          </ac:picMkLst>
+        </pc:picChg>
+        <pc:picChg chg="add del mod">
+          <ac:chgData name="Carolyne Santos de Oliveira" userId="ef751ba60d7f6b41" providerId="LiveId" clId="{2BBE3299-8186-44C9-9CE4-761F6479A2D5}" dt="2024-10-18T01:57:59.677" v="2435" actId="478"/>
+          <ac:picMkLst>
+            <pc:docMk/>
+            <pc:sldMk cId="95992585" sldId="264"/>
+            <ac:picMk id="19" creationId="{EA2B0D54-8278-AAB9-1F62-44CF95B4F276}"/>
+          </ac:picMkLst>
+        </pc:picChg>
+        <pc:picChg chg="add del mod">
+          <ac:chgData name="Carolyne Santos de Oliveira" userId="ef751ba60d7f6b41" providerId="LiveId" clId="{2BBE3299-8186-44C9-9CE4-761F6479A2D5}" dt="2024-10-18T01:57:54.464" v="2434" actId="478"/>
+          <ac:picMkLst>
+            <pc:docMk/>
+            <pc:sldMk cId="95992585" sldId="264"/>
+            <ac:picMk id="21" creationId="{666DF665-BD8D-219E-6560-EE5092B75C40}"/>
+          </ac:picMkLst>
+        </pc:picChg>
+        <pc:picChg chg="add del mod">
+          <ac:chgData name="Carolyne Santos de Oliveira" userId="ef751ba60d7f6b41" providerId="LiveId" clId="{2BBE3299-8186-44C9-9CE4-761F6479A2D5}" dt="2024-10-18T02:00:16.112" v="2444" actId="478"/>
+          <ac:picMkLst>
+            <pc:docMk/>
+            <pc:sldMk cId="95992585" sldId="264"/>
+            <ac:picMk id="23" creationId="{1FE81E83-8549-180E-6CDA-9004A88CF9F7}"/>
+          </ac:picMkLst>
+        </pc:picChg>
+        <pc:picChg chg="add del mod">
+          <ac:chgData name="Carolyne Santos de Oliveira" userId="ef751ba60d7f6b41" providerId="LiveId" clId="{2BBE3299-8186-44C9-9CE4-761F6479A2D5}" dt="2024-10-18T02:00:14.288" v="2443" actId="478"/>
+          <ac:picMkLst>
+            <pc:docMk/>
+            <pc:sldMk cId="95992585" sldId="264"/>
+            <ac:picMk id="25" creationId="{A3231564-6859-D85C-8A0A-75920A808852}"/>
+          </ac:picMkLst>
+        </pc:picChg>
+        <pc:picChg chg="add mod ord">
+          <ac:chgData name="Carolyne Santos de Oliveira" userId="ef751ba60d7f6b41" providerId="LiveId" clId="{2BBE3299-8186-44C9-9CE4-761F6479A2D5}" dt="2024-10-18T02:04:42.903" v="2476" actId="1076"/>
+          <ac:picMkLst>
+            <pc:docMk/>
+            <pc:sldMk cId="95992585" sldId="264"/>
+            <ac:picMk id="27" creationId="{ED63DE03-9A75-BFDE-BE67-70CBF390507C}"/>
+          </ac:picMkLst>
+        </pc:picChg>
+        <pc:picChg chg="add mod">
+          <ac:chgData name="Carolyne Santos de Oliveira" userId="ef751ba60d7f6b41" providerId="LiveId" clId="{2BBE3299-8186-44C9-9CE4-761F6479A2D5}" dt="2024-10-18T02:05:14.376" v="2483" actId="1076"/>
+          <ac:picMkLst>
+            <pc:docMk/>
+            <pc:sldMk cId="95992585" sldId="264"/>
+            <ac:picMk id="29" creationId="{997E27F6-15ED-3F33-B664-D1758970289F}"/>
+          </ac:picMkLst>
+        </pc:picChg>
+        <pc:picChg chg="add mod ord">
+          <ac:chgData name="Carolyne Santos de Oliveira" userId="ef751ba60d7f6b41" providerId="LiveId" clId="{2BBE3299-8186-44C9-9CE4-761F6479A2D5}" dt="2024-10-18T02:04:50.823" v="2477" actId="1076"/>
+          <ac:picMkLst>
+            <pc:docMk/>
+            <pc:sldMk cId="95992585" sldId="264"/>
+            <ac:picMk id="31" creationId="{DE4172DA-132A-BA16-65E0-AEA07F091AE8}"/>
+          </ac:picMkLst>
+        </pc:picChg>
+        <pc:picChg chg="add mod">
+          <ac:chgData name="Carolyne Santos de Oliveira" userId="ef751ba60d7f6b41" providerId="LiveId" clId="{2BBE3299-8186-44C9-9CE4-761F6479A2D5}" dt="2024-10-18T02:05:11.521" v="2482" actId="1076"/>
+          <ac:picMkLst>
+            <pc:docMk/>
+            <pc:sldMk cId="95992585" sldId="264"/>
+            <ac:picMk id="33" creationId="{48CAAB7E-08A6-FF1F-B01C-6BC60A9A257B}"/>
+          </ac:picMkLst>
+        </pc:picChg>
+        <pc:picChg chg="add mod">
+          <ac:chgData name="Carolyne Santos de Oliveira" userId="ef751ba60d7f6b41" providerId="LiveId" clId="{2BBE3299-8186-44C9-9CE4-761F6479A2D5}" dt="2024-10-18T02:04:56.144" v="2479" actId="1076"/>
+          <ac:picMkLst>
+            <pc:docMk/>
+            <pc:sldMk cId="95992585" sldId="264"/>
+            <ac:picMk id="35" creationId="{D294B73E-0219-DA9B-B824-FFC72E870991}"/>
+          </ac:picMkLst>
+        </pc:picChg>
       </pc:sldChg>
       <pc:sldChg chg="addSp delSp modSp mod ord modTransition delAnim modAnim">
-        <pc:chgData name="Carolyne Santos de Oliveira" userId="ef751ba60d7f6b41" providerId="LiveId" clId="{2BBE3299-8186-44C9-9CE4-761F6479A2D5}" dt="2024-10-15T20:31:14.041" v="2025" actId="478"/>
+        <pc:chgData name="Carolyne Santos de Oliveira" userId="ef751ba60d7f6b41" providerId="LiveId" clId="{2BBE3299-8186-44C9-9CE4-761F6479A2D5}" dt="2024-10-18T01:20:34.807" v="2193" actId="14100"/>
         <pc:sldMkLst>
           <pc:docMk/>
           <pc:sldMk cId="95992585" sldId="265"/>
         </pc:sldMkLst>
         <pc:spChg chg="add mod">
-          <ac:chgData name="Carolyne Santos de Oliveira" userId="ef751ba60d7f6b41" providerId="LiveId" clId="{2BBE3299-8186-44C9-9CE4-761F6479A2D5}" dt="2024-10-15T19:45:27.018" v="823" actId="14100"/>
+          <ac:chgData name="Carolyne Santos de Oliveira" userId="ef751ba60d7f6b41" providerId="LiveId" clId="{2BBE3299-8186-44C9-9CE4-761F6479A2D5}" dt="2024-10-18T00:50:41.078" v="2070" actId="1076"/>
           <ac:spMkLst>
             <pc:docMk/>
             <pc:sldMk cId="95992585" sldId="265"/>
             <ac:spMk id="2" creationId="{69B2898E-91A6-FAA3-82CF-70D732E23F0E}"/>
           </ac:spMkLst>
         </pc:spChg>
+        <pc:picChg chg="add mod">
+          <ac:chgData name="Carolyne Santos de Oliveira" userId="ef751ba60d7f6b41" providerId="LiveId" clId="{2BBE3299-8186-44C9-9CE4-761F6479A2D5}" dt="2024-10-18T00:51:34.266" v="2074" actId="1076"/>
+          <ac:picMkLst>
+            <pc:docMk/>
+            <pc:sldMk cId="95992585" sldId="265"/>
+            <ac:picMk id="4" creationId="{44C2B76B-AB99-C8F7-F7E8-2B2488D34B31}"/>
+          </ac:picMkLst>
+        </pc:picChg>
+        <pc:picChg chg="add del mod">
+          <ac:chgData name="Carolyne Santos de Oliveira" userId="ef751ba60d7f6b41" providerId="LiveId" clId="{2BBE3299-8186-44C9-9CE4-761F6479A2D5}" dt="2024-10-18T01:15:43.230" v="2165" actId="478"/>
+          <ac:picMkLst>
+            <pc:docMk/>
+            <pc:sldMk cId="95992585" sldId="265"/>
+            <ac:picMk id="6" creationId="{D31CCF44-99C9-838C-22F2-CA0D83433597}"/>
+          </ac:picMkLst>
+        </pc:picChg>
         <pc:picChg chg="add del mod">
           <ac:chgData name="Carolyne Santos de Oliveira" userId="ef751ba60d7f6b41" providerId="LiveId" clId="{2BBE3299-8186-44C9-9CE4-761F6479A2D5}" dt="2024-10-15T20:18:42.365" v="2000"/>
           <ac:picMkLst>
@@ -952,14 +1489,30 @@
             <ac:picMk id="8" creationId="{873E3DC9-394D-26AF-0890-C844ECB306A6}"/>
           </ac:picMkLst>
         </pc:picChg>
-        <pc:picChg chg="mod">
-          <ac:chgData name="Carolyne Santos de Oliveira" userId="ef751ba60d7f6b41" providerId="LiveId" clId="{2BBE3299-8186-44C9-9CE4-761F6479A2D5}" dt="2024-10-15T19:41:36.133" v="344" actId="1076"/>
+        <pc:picChg chg="add mod">
+          <ac:chgData name="Carolyne Santos de Oliveira" userId="ef751ba60d7f6b41" providerId="LiveId" clId="{2BBE3299-8186-44C9-9CE4-761F6479A2D5}" dt="2024-10-18T01:20:19.667" v="2190" actId="1076"/>
+          <ac:picMkLst>
+            <pc:docMk/>
+            <pc:sldMk cId="95992585" sldId="265"/>
+            <ac:picMk id="8" creationId="{96AB06B7-9219-8BA8-C54C-D8FB830158D6}"/>
+          </ac:picMkLst>
+        </pc:picChg>
+        <pc:picChg chg="del mod">
+          <ac:chgData name="Carolyne Santos de Oliveira" userId="ef751ba60d7f6b41" providerId="LiveId" clId="{2BBE3299-8186-44C9-9CE4-761F6479A2D5}" dt="2024-10-18T00:48:02.378" v="2048" actId="478"/>
           <ac:picMkLst>
             <pc:docMk/>
             <pc:sldMk cId="95992585" sldId="265"/>
             <ac:picMk id="10" creationId="{7FB8DFFE-7ADC-41A9-A10A-C0FB08E1DDB9}"/>
           </ac:picMkLst>
         </pc:picChg>
+        <pc:picChg chg="add mod">
+          <ac:chgData name="Carolyne Santos de Oliveira" userId="ef751ba60d7f6b41" providerId="LiveId" clId="{2BBE3299-8186-44C9-9CE4-761F6479A2D5}" dt="2024-10-18T01:20:34.807" v="2193" actId="14100"/>
+          <ac:picMkLst>
+            <pc:docMk/>
+            <pc:sldMk cId="95992585" sldId="265"/>
+            <ac:picMk id="11" creationId="{61F25944-C6F9-D24B-D786-4BC65D128136}"/>
+          </ac:picMkLst>
+        </pc:picChg>
         <pc:picChg chg="add del mod ord">
           <ac:chgData name="Carolyne Santos de Oliveira" userId="ef751ba60d7f6b41" providerId="LiveId" clId="{2BBE3299-8186-44C9-9CE4-761F6479A2D5}" dt="2024-10-15T20:19:57.603" v="2001"/>
           <ac:picMkLst>
@@ -1010,7 +1563,7 @@
         </pc:picChg>
       </pc:sldChg>
       <pc:sldChg chg="addSp delSp modSp new mod modTransition delAnim modAnim">
-        <pc:chgData name="Carolyne Santos de Oliveira" userId="ef751ba60d7f6b41" providerId="LiveId" clId="{2BBE3299-8186-44C9-9CE4-761F6479A2D5}" dt="2024-10-15T20:31:25.777" v="2030" actId="478"/>
+        <pc:chgData name="Carolyne Santos de Oliveira" userId="ef751ba60d7f6b41" providerId="LiveId" clId="{2BBE3299-8186-44C9-9CE4-761F6479A2D5}" dt="2024-10-18T02:23:49.149" v="2567" actId="1076"/>
         <pc:sldMkLst>
           <pc:docMk/>
           <pc:sldMk cId="1295976327" sldId="266"/>
@@ -1024,7 +1577,7 @@
           </ac:spMkLst>
         </pc:spChg>
         <pc:spChg chg="mod">
-          <ac:chgData name="Carolyne Santos de Oliveira" userId="ef751ba60d7f6b41" providerId="LiveId" clId="{2BBE3299-8186-44C9-9CE4-761F6479A2D5}" dt="2024-10-15T19:38:29.567" v="338"/>
+          <ac:chgData name="Carolyne Santos de Oliveira" userId="ef751ba60d7f6b41" providerId="LiveId" clId="{2BBE3299-8186-44C9-9CE4-761F6479A2D5}" dt="2024-10-18T02:11:38.371" v="2510" actId="14100"/>
           <ac:spMkLst>
             <pc:docMk/>
             <pc:sldMk cId="1295976327" sldId="266"/>
@@ -1032,6 +1585,14 @@
           </ac:spMkLst>
         </pc:spChg>
         <pc:picChg chg="add del mod">
+          <ac:chgData name="Carolyne Santos de Oliveira" userId="ef751ba60d7f6b41" providerId="LiveId" clId="{2BBE3299-8186-44C9-9CE4-761F6479A2D5}" dt="2024-10-18T02:23:42.564" v="2565" actId="478"/>
+          <ac:picMkLst>
+            <pc:docMk/>
+            <pc:sldMk cId="1295976327" sldId="266"/>
+            <ac:picMk id="5" creationId="{66352A0E-E3C5-B061-2ECA-BFF3746EE13B}"/>
+          </ac:picMkLst>
+        </pc:picChg>
+        <pc:picChg chg="add del mod">
           <ac:chgData name="Carolyne Santos de Oliveira" userId="ef751ba60d7f6b41" providerId="LiveId" clId="{2BBE3299-8186-44C9-9CE4-761F6479A2D5}" dt="2024-10-15T20:25:23.004" v="2015"/>
           <ac:picMkLst>
             <pc:docMk/>
@@ -1039,6 +1600,14 @@
             <ac:picMk id="5" creationId="{7C873351-8765-DCD4-69EB-943F2269E155}"/>
           </ac:picMkLst>
         </pc:picChg>
+        <pc:picChg chg="add del mod">
+          <ac:chgData name="Carolyne Santos de Oliveira" userId="ef751ba60d7f6b41" providerId="LiveId" clId="{2BBE3299-8186-44C9-9CE4-761F6479A2D5}" dt="2024-10-18T02:21:48.018" v="2556" actId="478"/>
+          <ac:picMkLst>
+            <pc:docMk/>
+            <pc:sldMk cId="1295976327" sldId="266"/>
+            <ac:picMk id="7" creationId="{F4471D0D-16DD-19A6-63E3-B1F82BE09FD6}"/>
+          </ac:picMkLst>
+        </pc:picChg>
         <pc:picChg chg="add del mod ord">
           <ac:chgData name="Carolyne Santos de Oliveira" userId="ef751ba60d7f6b41" providerId="LiveId" clId="{2BBE3299-8186-44C9-9CE4-761F6479A2D5}" dt="2024-10-15T20:29:02.687" v="2016"/>
           <ac:picMkLst>
@@ -1048,11 +1617,234 @@
           </ac:picMkLst>
         </pc:picChg>
         <pc:picChg chg="add del mod">
+          <ac:chgData name="Carolyne Santos de Oliveira" userId="ef751ba60d7f6b41" providerId="LiveId" clId="{2BBE3299-8186-44C9-9CE4-761F6479A2D5}" dt="2024-10-18T02:23:31.693" v="2563" actId="478"/>
+          <ac:picMkLst>
+            <pc:docMk/>
+            <pc:sldMk cId="1295976327" sldId="266"/>
+            <ac:picMk id="9" creationId="{2C6BF7B4-CD81-F08E-AB44-77E7D4630679}"/>
+          </ac:picMkLst>
+        </pc:picChg>
+        <pc:picChg chg="add del mod">
           <ac:chgData name="Carolyne Santos de Oliveira" userId="ef751ba60d7f6b41" providerId="LiveId" clId="{2BBE3299-8186-44C9-9CE4-761F6479A2D5}" dt="2024-10-15T20:31:25.777" v="2030" actId="478"/>
           <ac:picMkLst>
             <pc:docMk/>
             <pc:sldMk cId="1295976327" sldId="266"/>
             <ac:picMk id="10" creationId="{68EF8D5D-734F-EB97-F5BA-2F1E426856FB}"/>
+          </ac:picMkLst>
+        </pc:picChg>
+        <pc:picChg chg="add del mod">
+          <ac:chgData name="Carolyne Santos de Oliveira" userId="ef751ba60d7f6b41" providerId="LiveId" clId="{2BBE3299-8186-44C9-9CE4-761F6479A2D5}" dt="2024-10-18T02:20:26.086" v="2546" actId="478"/>
+          <ac:picMkLst>
+            <pc:docMk/>
+            <pc:sldMk cId="1295976327" sldId="266"/>
+            <ac:picMk id="11" creationId="{5FD543E0-5D5B-93DD-534D-45A1822B1A1E}"/>
+          </ac:picMkLst>
+        </pc:picChg>
+        <pc:picChg chg="add del mod">
+          <ac:chgData name="Carolyne Santos de Oliveira" userId="ef751ba60d7f6b41" providerId="LiveId" clId="{2BBE3299-8186-44C9-9CE4-761F6479A2D5}" dt="2024-10-18T02:23:23.812" v="2562" actId="478"/>
+          <ac:picMkLst>
+            <pc:docMk/>
+            <pc:sldMk cId="1295976327" sldId="266"/>
+            <ac:picMk id="13" creationId="{E2B70F58-2DFB-51D7-1E44-3BE1462A6C88}"/>
+          </ac:picMkLst>
+        </pc:picChg>
+        <pc:picChg chg="add del mod">
+          <ac:chgData name="Carolyne Santos de Oliveira" userId="ef751ba60d7f6b41" providerId="LiveId" clId="{2BBE3299-8186-44C9-9CE4-761F6479A2D5}" dt="2024-10-18T02:23:38.435" v="2564" actId="478"/>
+          <ac:picMkLst>
+            <pc:docMk/>
+            <pc:sldMk cId="1295976327" sldId="266"/>
+            <ac:picMk id="15" creationId="{C45B5D45-AA3A-A9C1-6894-1268E54BD4DA}"/>
+          </ac:picMkLst>
+        </pc:picChg>
+        <pc:picChg chg="add mod">
+          <ac:chgData name="Carolyne Santos de Oliveira" userId="ef751ba60d7f6b41" providerId="LiveId" clId="{2BBE3299-8186-44C9-9CE4-761F6479A2D5}" dt="2024-10-18T02:23:49.149" v="2567" actId="1076"/>
+          <ac:picMkLst>
+            <pc:docMk/>
+            <pc:sldMk cId="1295976327" sldId="266"/>
+            <ac:picMk id="17" creationId="{71DB051D-106A-F6FE-5E41-06DDF15F2565}"/>
+          </ac:picMkLst>
+        </pc:picChg>
+        <pc:picChg chg="add mod">
+          <ac:chgData name="Carolyne Santos de Oliveira" userId="ef751ba60d7f6b41" providerId="LiveId" clId="{2BBE3299-8186-44C9-9CE4-761F6479A2D5}" dt="2024-10-18T02:19:59.765" v="2542" actId="1076"/>
+          <ac:picMkLst>
+            <pc:docMk/>
+            <pc:sldMk cId="1295976327" sldId="266"/>
+            <ac:picMk id="19" creationId="{EA3EE42D-17C2-1466-ABD5-FF24C6028F4A}"/>
+          </ac:picMkLst>
+        </pc:picChg>
+        <pc:picChg chg="add mod">
+          <ac:chgData name="Carolyne Santos de Oliveira" userId="ef751ba60d7f6b41" providerId="LiveId" clId="{2BBE3299-8186-44C9-9CE4-761F6479A2D5}" dt="2024-10-18T02:19:40.446" v="2538" actId="1076"/>
+          <ac:picMkLst>
+            <pc:docMk/>
+            <pc:sldMk cId="1295976327" sldId="266"/>
+            <ac:picMk id="21" creationId="{0EA504B3-D33C-9815-0289-EABDF483441F}"/>
+          </ac:picMkLst>
+        </pc:picChg>
+        <pc:picChg chg="add mod">
+          <ac:chgData name="Carolyne Santos de Oliveira" userId="ef751ba60d7f6b41" providerId="LiveId" clId="{2BBE3299-8186-44C9-9CE4-761F6479A2D5}" dt="2024-10-18T02:19:35.212" v="2537" actId="1076"/>
+          <ac:picMkLst>
+            <pc:docMk/>
+            <pc:sldMk cId="1295976327" sldId="266"/>
+            <ac:picMk id="23" creationId="{1752BFF0-5194-DD00-5032-CD1789338D51}"/>
+          </ac:picMkLst>
+        </pc:picChg>
+        <pc:picChg chg="add mod">
+          <ac:chgData name="Carolyne Santos de Oliveira" userId="ef751ba60d7f6b41" providerId="LiveId" clId="{2BBE3299-8186-44C9-9CE4-761F6479A2D5}" dt="2024-10-18T02:19:29.747" v="2536" actId="1076"/>
+          <ac:picMkLst>
+            <pc:docMk/>
+            <pc:sldMk cId="1295976327" sldId="266"/>
+            <ac:picMk id="25" creationId="{6F22E592-7E33-9D0E-F4B0-72952507E740}"/>
+          </ac:picMkLst>
+        </pc:picChg>
+        <pc:picChg chg="add mod">
+          <ac:chgData name="Carolyne Santos de Oliveira" userId="ef751ba60d7f6b41" providerId="LiveId" clId="{2BBE3299-8186-44C9-9CE4-761F6479A2D5}" dt="2024-10-18T02:22:13.973" v="2560" actId="207"/>
+          <ac:picMkLst>
+            <pc:docMk/>
+            <pc:sldMk cId="1295976327" sldId="266"/>
+            <ac:picMk id="27" creationId="{6DDEC0ED-E12F-B68C-40B3-6C5E556E0A38}"/>
+          </ac:picMkLst>
+        </pc:picChg>
+        <pc:picChg chg="add del mod">
+          <ac:chgData name="Carolyne Santos de Oliveira" userId="ef751ba60d7f6b41" providerId="LiveId" clId="{2BBE3299-8186-44C9-9CE4-761F6479A2D5}" dt="2024-10-18T02:21:58.765" v="2557" actId="478"/>
+          <ac:picMkLst>
+            <pc:docMk/>
+            <pc:sldMk cId="1295976327" sldId="266"/>
+            <ac:picMk id="29" creationId="{82FF5183-D7DA-DA22-15F0-3AF8EB1EFE0D}"/>
+          </ac:picMkLst>
+        </pc:picChg>
+        <pc:picChg chg="add del mod">
+          <ac:chgData name="Carolyne Santos de Oliveira" userId="ef751ba60d7f6b41" providerId="LiveId" clId="{2BBE3299-8186-44C9-9CE4-761F6479A2D5}" dt="2024-10-18T02:22:02.585" v="2558" actId="478"/>
+          <ac:picMkLst>
+            <pc:docMk/>
+            <pc:sldMk cId="1295976327" sldId="266"/>
+            <ac:picMk id="30" creationId="{AAE062C2-33B3-0658-95B0-31C6F88D0D13}"/>
+          </ac:picMkLst>
+        </pc:picChg>
+        <pc:picChg chg="add del mod">
+          <ac:chgData name="Carolyne Santos de Oliveira" userId="ef751ba60d7f6b41" providerId="LiveId" clId="{2BBE3299-8186-44C9-9CE4-761F6479A2D5}" dt="2024-10-18T02:22:04.969" v="2559" actId="478"/>
+          <ac:picMkLst>
+            <pc:docMk/>
+            <pc:sldMk cId="1295976327" sldId="266"/>
+            <ac:picMk id="31" creationId="{9DC677AB-BC02-18ED-5703-62686AC2A02F}"/>
+          </ac:picMkLst>
+        </pc:picChg>
+      </pc:sldChg>
+      <pc:sldChg chg="addSp delSp modSp new mod ord modClrScheme chgLayout">
+        <pc:chgData name="Carolyne Santos de Oliveira" userId="ef751ba60d7f6b41" providerId="LiveId" clId="{2BBE3299-8186-44C9-9CE4-761F6479A2D5}" dt="2024-10-18T01:28:53.396" v="2278" actId="1076"/>
+        <pc:sldMkLst>
+          <pc:docMk/>
+          <pc:sldMk cId="1298939025" sldId="267"/>
+        </pc:sldMkLst>
+        <pc:spChg chg="del">
+          <ac:chgData name="Carolyne Santos de Oliveira" userId="ef751ba60d7f6b41" providerId="LiveId" clId="{2BBE3299-8186-44C9-9CE4-761F6479A2D5}" dt="2024-10-18T01:13:47.875" v="2149" actId="478"/>
+          <ac:spMkLst>
+            <pc:docMk/>
+            <pc:sldMk cId="1298939025" sldId="267"/>
+            <ac:spMk id="2" creationId="{A2E43289-9FB7-5D6D-16E0-63C817E718B2}"/>
+          </ac:spMkLst>
+        </pc:spChg>
+        <pc:spChg chg="del">
+          <ac:chgData name="Carolyne Santos de Oliveira" userId="ef751ba60d7f6b41" providerId="LiveId" clId="{2BBE3299-8186-44C9-9CE4-761F6479A2D5}" dt="2024-10-18T01:13:44.484" v="2148" actId="478"/>
+          <ac:spMkLst>
+            <pc:docMk/>
+            <pc:sldMk cId="1298939025" sldId="267"/>
+            <ac:spMk id="3" creationId="{20643F2A-A4FA-1282-8A09-DE8A02471B1E}"/>
+          </ac:spMkLst>
+        </pc:spChg>
+        <pc:spChg chg="add del mod ord">
+          <ac:chgData name="Carolyne Santos de Oliveira" userId="ef751ba60d7f6b41" providerId="LiveId" clId="{2BBE3299-8186-44C9-9CE4-761F6479A2D5}" dt="2024-10-18T01:24:14.709" v="2227" actId="700"/>
+          <ac:spMkLst>
+            <pc:docMk/>
+            <pc:sldMk cId="1298939025" sldId="267"/>
+            <ac:spMk id="16" creationId="{82F82D28-5898-4F99-B2A9-54C226D2FA55}"/>
+          </ac:spMkLst>
+        </pc:spChg>
+        <pc:spChg chg="add del mod ord">
+          <ac:chgData name="Carolyne Santos de Oliveira" userId="ef751ba60d7f6b41" providerId="LiveId" clId="{2BBE3299-8186-44C9-9CE4-761F6479A2D5}" dt="2024-10-18T01:24:14.709" v="2227" actId="700"/>
+          <ac:spMkLst>
+            <pc:docMk/>
+            <pc:sldMk cId="1298939025" sldId="267"/>
+            <ac:spMk id="17" creationId="{B1BFFFCB-24EB-274D-287B-9344602321EE}"/>
+          </ac:spMkLst>
+        </pc:spChg>
+        <pc:spChg chg="add del mod ord">
+          <ac:chgData name="Carolyne Santos de Oliveira" userId="ef751ba60d7f6b41" providerId="LiveId" clId="{2BBE3299-8186-44C9-9CE4-761F6479A2D5}" dt="2024-10-18T01:24:14.709" v="2227" actId="700"/>
+          <ac:spMkLst>
+            <pc:docMk/>
+            <pc:sldMk cId="1298939025" sldId="267"/>
+            <ac:spMk id="18" creationId="{B60D8FE9-7825-2D2A-9D86-54319142B56F}"/>
+          </ac:spMkLst>
+        </pc:spChg>
+        <pc:spChg chg="add del mod ord">
+          <ac:chgData name="Carolyne Santos de Oliveira" userId="ef751ba60d7f6b41" providerId="LiveId" clId="{2BBE3299-8186-44C9-9CE4-761F6479A2D5}" dt="2024-10-18T01:24:29.299" v="2230" actId="478"/>
+          <ac:spMkLst>
+            <pc:docMk/>
+            <pc:sldMk cId="1298939025" sldId="267"/>
+            <ac:spMk id="19" creationId="{A65AC33C-CDDE-51B5-7DEC-BD44A331FF0A}"/>
+          </ac:spMkLst>
+        </pc:spChg>
+        <pc:spChg chg="add del mod ord">
+          <ac:chgData name="Carolyne Santos de Oliveira" userId="ef751ba60d7f6b41" providerId="LiveId" clId="{2BBE3299-8186-44C9-9CE4-761F6479A2D5}" dt="2024-10-18T01:24:24.901" v="2229" actId="478"/>
+          <ac:spMkLst>
+            <pc:docMk/>
+            <pc:sldMk cId="1298939025" sldId="267"/>
+            <ac:spMk id="20" creationId="{0D3FCAE2-578E-41E4-4B20-FAE1484B8E82}"/>
+          </ac:spMkLst>
+        </pc:spChg>
+        <pc:spChg chg="add mod">
+          <ac:chgData name="Carolyne Santos de Oliveira" userId="ef751ba60d7f6b41" providerId="LiveId" clId="{2BBE3299-8186-44C9-9CE4-761F6479A2D5}" dt="2024-10-18T01:28:53.396" v="2278" actId="1076"/>
+          <ac:spMkLst>
+            <pc:docMk/>
+            <pc:sldMk cId="1298939025" sldId="267"/>
+            <ac:spMk id="21" creationId="{69FE7244-B5FF-E2AA-4806-D2C8B76FF332}"/>
+          </ac:spMkLst>
+        </pc:spChg>
+        <pc:picChg chg="add del mod ord">
+          <ac:chgData name="Carolyne Santos de Oliveira" userId="ef751ba60d7f6b41" providerId="LiveId" clId="{2BBE3299-8186-44C9-9CE4-761F6479A2D5}" dt="2024-10-18T01:22:37.476" v="2211" actId="478"/>
+          <ac:picMkLst>
+            <pc:docMk/>
+            <pc:sldMk cId="1298939025" sldId="267"/>
+            <ac:picMk id="5" creationId="{601E27C2-D5B8-3992-93D0-51B41D648E7A}"/>
+          </ac:picMkLst>
+        </pc:picChg>
+        <pc:picChg chg="add mod ord">
+          <ac:chgData name="Carolyne Santos de Oliveira" userId="ef751ba60d7f6b41" providerId="LiveId" clId="{2BBE3299-8186-44C9-9CE4-761F6479A2D5}" dt="2024-10-18T01:27:34.704" v="2254" actId="1076"/>
+          <ac:picMkLst>
+            <pc:docMk/>
+            <pc:sldMk cId="1298939025" sldId="267"/>
+            <ac:picMk id="7" creationId="{8342FEB8-BA88-F60A-DD04-E8D97A88C32D}"/>
+          </ac:picMkLst>
+        </pc:picChg>
+        <pc:picChg chg="add mod">
+          <ac:chgData name="Carolyne Santos de Oliveira" userId="ef751ba60d7f6b41" providerId="LiveId" clId="{2BBE3299-8186-44C9-9CE4-761F6479A2D5}" dt="2024-10-18T01:27:37.594" v="2255" actId="1076"/>
+          <ac:picMkLst>
+            <pc:docMk/>
+            <pc:sldMk cId="1298939025" sldId="267"/>
+            <ac:picMk id="9" creationId="{14F24303-78BC-9243-DE8B-56797383008F}"/>
+          </ac:picMkLst>
+        </pc:picChg>
+        <pc:picChg chg="add mod ord">
+          <ac:chgData name="Carolyne Santos de Oliveira" userId="ef751ba60d7f6b41" providerId="LiveId" clId="{2BBE3299-8186-44C9-9CE4-761F6479A2D5}" dt="2024-10-18T01:27:40.365" v="2256" actId="1076"/>
+          <ac:picMkLst>
+            <pc:docMk/>
+            <pc:sldMk cId="1298939025" sldId="267"/>
+            <ac:picMk id="11" creationId="{8C0EC756-DB08-BE09-27AB-ED6BD962CE19}"/>
+          </ac:picMkLst>
+        </pc:picChg>
+        <pc:picChg chg="add mod">
+          <ac:chgData name="Carolyne Santos de Oliveira" userId="ef751ba60d7f6b41" providerId="LiveId" clId="{2BBE3299-8186-44C9-9CE4-761F6479A2D5}" dt="2024-10-18T01:27:48.160" v="2258" actId="14100"/>
+          <ac:picMkLst>
+            <pc:docMk/>
+            <pc:sldMk cId="1298939025" sldId="267"/>
+            <ac:picMk id="13" creationId="{E5182071-E3F3-FD3A-B7E9-2C7A943A673D}"/>
+          </ac:picMkLst>
+        </pc:picChg>
+        <pc:picChg chg="add mod">
+          <ac:chgData name="Carolyne Santos de Oliveira" userId="ef751ba60d7f6b41" providerId="LiveId" clId="{2BBE3299-8186-44C9-9CE4-761F6479A2D5}" dt="2024-10-18T01:27:32.402" v="2253" actId="1076"/>
+          <ac:picMkLst>
+            <pc:docMk/>
+            <pc:sldMk cId="1298939025" sldId="267"/>
+            <ac:picMk id="15" creationId="{43B4D6CB-F3AB-8B9A-6AA0-CC7387D22BE6}"/>
           </ac:picMkLst>
         </pc:picChg>
       </pc:sldChg>
@@ -1076,6 +1868,157 @@
           <pc:docMk/>
           <pc:sldMk cId="4270752004" sldId="267"/>
         </pc:sldMkLst>
+      </pc:sldChg>
+      <pc:sldChg chg="addSp delSp modSp new mod setBg chgLayout">
+        <pc:chgData name="Carolyne Santos de Oliveira" userId="ef751ba60d7f6b41" providerId="LiveId" clId="{2BBE3299-8186-44C9-9CE4-761F6479A2D5}" dt="2024-10-18T03:51:06.476" v="3305" actId="20577"/>
+        <pc:sldMkLst>
+          <pc:docMk/>
+          <pc:sldMk cId="3991985892" sldId="268"/>
+        </pc:sldMkLst>
+        <pc:spChg chg="del mod ord">
+          <ac:chgData name="Carolyne Santos de Oliveira" userId="ef751ba60d7f6b41" providerId="LiveId" clId="{2BBE3299-8186-44C9-9CE4-761F6479A2D5}" dt="2024-10-18T02:24:10.240" v="2568" actId="700"/>
+          <ac:spMkLst>
+            <pc:docMk/>
+            <pc:sldMk cId="3991985892" sldId="268"/>
+            <ac:spMk id="2" creationId="{0DE90158-4A97-574D-7B5B-3825B6123795}"/>
+          </ac:spMkLst>
+        </pc:spChg>
+        <pc:spChg chg="del mod ord">
+          <ac:chgData name="Carolyne Santos de Oliveira" userId="ef751ba60d7f6b41" providerId="LiveId" clId="{2BBE3299-8186-44C9-9CE4-761F6479A2D5}" dt="2024-10-18T02:24:10.240" v="2568" actId="700"/>
+          <ac:spMkLst>
+            <pc:docMk/>
+            <pc:sldMk cId="3991985892" sldId="268"/>
+            <ac:spMk id="3" creationId="{1A0BEDD0-2C9C-63D0-F46D-8EA36419DBE7}"/>
+          </ac:spMkLst>
+        </pc:spChg>
+        <pc:spChg chg="add del mod ord">
+          <ac:chgData name="Carolyne Santos de Oliveira" userId="ef751ba60d7f6b41" providerId="LiveId" clId="{2BBE3299-8186-44C9-9CE4-761F6479A2D5}" dt="2024-10-18T02:24:22.297" v="2570" actId="478"/>
+          <ac:spMkLst>
+            <pc:docMk/>
+            <pc:sldMk cId="3991985892" sldId="268"/>
+            <ac:spMk id="4" creationId="{91EC1B97-8D70-55A5-8ED9-6E17732ABE7D}"/>
+          </ac:spMkLst>
+        </pc:spChg>
+        <pc:spChg chg="add del mod ord">
+          <ac:chgData name="Carolyne Santos de Oliveira" userId="ef751ba60d7f6b41" providerId="LiveId" clId="{2BBE3299-8186-44C9-9CE4-761F6479A2D5}" dt="2024-10-18T02:24:26.202" v="2571" actId="478"/>
+          <ac:spMkLst>
+            <pc:docMk/>
+            <pc:sldMk cId="3991985892" sldId="268"/>
+            <ac:spMk id="5" creationId="{6B320A7F-C8D9-3271-FB7E-FEE1A46EA2D1}"/>
+          </ac:spMkLst>
+        </pc:spChg>
+        <pc:spChg chg="add mod">
+          <ac:chgData name="Carolyne Santos de Oliveira" userId="ef751ba60d7f6b41" providerId="LiveId" clId="{2BBE3299-8186-44C9-9CE4-761F6479A2D5}" dt="2024-10-18T03:22:53.275" v="2865" actId="123"/>
+          <ac:spMkLst>
+            <pc:docMk/>
+            <pc:sldMk cId="3991985892" sldId="268"/>
+            <ac:spMk id="6" creationId="{C89DF73F-EE5E-4C7A-7F5B-699C74888099}"/>
+          </ac:spMkLst>
+        </pc:spChg>
+        <pc:spChg chg="add mod">
+          <ac:chgData name="Carolyne Santos de Oliveira" userId="ef751ba60d7f6b41" providerId="LiveId" clId="{2BBE3299-8186-44C9-9CE4-761F6479A2D5}" dt="2024-10-18T03:24:34.546" v="2875" actId="1076"/>
+          <ac:spMkLst>
+            <pc:docMk/>
+            <pc:sldMk cId="3991985892" sldId="268"/>
+            <ac:spMk id="7" creationId="{7206DADA-2E88-E62A-FB16-8AB24089D1E0}"/>
+          </ac:spMkLst>
+        </pc:spChg>
+        <pc:spChg chg="add mod">
+          <ac:chgData name="Carolyne Santos de Oliveira" userId="ef751ba60d7f6b41" providerId="LiveId" clId="{2BBE3299-8186-44C9-9CE4-761F6479A2D5}" dt="2024-10-18T03:17:18.577" v="2829" actId="1076"/>
+          <ac:spMkLst>
+            <pc:docMk/>
+            <pc:sldMk cId="3991985892" sldId="268"/>
+            <ac:spMk id="8" creationId="{9D32C565-DC77-1442-640E-B28420AC558C}"/>
+          </ac:spMkLst>
+        </pc:spChg>
+        <pc:spChg chg="add mod">
+          <ac:chgData name="Carolyne Santos de Oliveira" userId="ef751ba60d7f6b41" providerId="LiveId" clId="{2BBE3299-8186-44C9-9CE4-761F6479A2D5}" dt="2024-10-18T03:23:20.913" v="2869" actId="1076"/>
+          <ac:spMkLst>
+            <pc:docMk/>
+            <pc:sldMk cId="3991985892" sldId="268"/>
+            <ac:spMk id="9" creationId="{444DDF54-8CBB-FD97-B621-147B974614F2}"/>
+          </ac:spMkLst>
+        </pc:spChg>
+        <pc:spChg chg="add">
+          <ac:chgData name="Carolyne Santos de Oliveira" userId="ef751ba60d7f6b41" providerId="LiveId" clId="{2BBE3299-8186-44C9-9CE4-761F6479A2D5}" dt="2024-10-18T02:24:16.283" v="2569" actId="26606"/>
+          <ac:spMkLst>
+            <pc:docMk/>
+            <pc:sldMk cId="3991985892" sldId="268"/>
+            <ac:spMk id="10" creationId="{CA3FC43A-F2E5-409E-8C82-7DC3B69EA268}"/>
+          </ac:spMkLst>
+        </pc:spChg>
+        <pc:spChg chg="add mod">
+          <ac:chgData name="Carolyne Santos de Oliveira" userId="ef751ba60d7f6b41" providerId="LiveId" clId="{2BBE3299-8186-44C9-9CE4-761F6479A2D5}" dt="2024-10-18T03:20:58.315" v="2857"/>
+          <ac:spMkLst>
+            <pc:docMk/>
+            <pc:sldMk cId="3991985892" sldId="268"/>
+            <ac:spMk id="11" creationId="{E0FCB454-4988-DA45-B262-564BC8F1E4A6}"/>
+          </ac:spMkLst>
+        </pc:spChg>
+        <pc:spChg chg="add">
+          <ac:chgData name="Carolyne Santos de Oliveira" userId="ef751ba60d7f6b41" providerId="LiveId" clId="{2BBE3299-8186-44C9-9CE4-761F6479A2D5}" dt="2024-10-18T02:24:16.283" v="2569" actId="26606"/>
+          <ac:spMkLst>
+            <pc:docMk/>
+            <pc:sldMk cId="3991985892" sldId="268"/>
+            <ac:spMk id="12" creationId="{1EEBFF7B-A218-4767-9A82-7ADFE8C9390D}"/>
+          </ac:spMkLst>
+        </pc:spChg>
+        <pc:spChg chg="add mod">
+          <ac:chgData name="Carolyne Santos de Oliveira" userId="ef751ba60d7f6b41" providerId="LiveId" clId="{2BBE3299-8186-44C9-9CE4-761F6479A2D5}" dt="2024-10-18T03:23:14.089" v="2867" actId="14100"/>
+          <ac:spMkLst>
+            <pc:docMk/>
+            <pc:sldMk cId="3991985892" sldId="268"/>
+            <ac:spMk id="13" creationId="{DE2DE6FF-0947-DE7E-6F61-E71C65BF5BAE}"/>
+          </ac:spMkLst>
+        </pc:spChg>
+        <pc:spChg chg="add mod">
+          <ac:chgData name="Carolyne Santos de Oliveira" userId="ef751ba60d7f6b41" providerId="LiveId" clId="{2BBE3299-8186-44C9-9CE4-761F6479A2D5}" dt="2024-10-18T03:48:25.517" v="3277" actId="123"/>
+          <ac:spMkLst>
+            <pc:docMk/>
+            <pc:sldMk cId="3991985892" sldId="268"/>
+            <ac:spMk id="14" creationId="{0DD2B717-B444-F5D8-ABE7-C5D02100277C}"/>
+          </ac:spMkLst>
+        </pc:spChg>
+        <pc:spChg chg="add del mod">
+          <ac:chgData name="Carolyne Santos de Oliveira" userId="ef751ba60d7f6b41" providerId="LiveId" clId="{2BBE3299-8186-44C9-9CE4-761F6479A2D5}" dt="2024-10-18T03:37:45.089" v="3241"/>
+          <ac:spMkLst>
+            <pc:docMk/>
+            <pc:sldMk cId="3991985892" sldId="268"/>
+            <ac:spMk id="15" creationId="{24F660D5-063A-6367-11CF-8C5BFA5603A1}"/>
+          </ac:spMkLst>
+        </pc:spChg>
+        <pc:spChg chg="add mod">
+          <ac:chgData name="Carolyne Santos de Oliveira" userId="ef751ba60d7f6b41" providerId="LiveId" clId="{2BBE3299-8186-44C9-9CE4-761F6479A2D5}" dt="2024-10-18T03:51:06.476" v="3305" actId="20577"/>
+          <ac:spMkLst>
+            <pc:docMk/>
+            <pc:sldMk cId="3991985892" sldId="268"/>
+            <ac:spMk id="16" creationId="{53993C49-C626-7797-7D32-6ECE32198F97}"/>
+          </ac:spMkLst>
+        </pc:spChg>
+        <pc:picChg chg="add mod">
+          <ac:chgData name="Carolyne Santos de Oliveira" userId="ef751ba60d7f6b41" providerId="LiveId" clId="{2BBE3299-8186-44C9-9CE4-761F6479A2D5}" dt="2024-10-18T03:24:11.259" v="2873" actId="1440"/>
+          <ac:picMkLst>
+            <pc:docMk/>
+            <pc:sldMk cId="3991985892" sldId="268"/>
+            <ac:picMk id="1026" creationId="{758A234F-B764-9802-B643-D8A2F610E49F}"/>
+          </ac:picMkLst>
+        </pc:picChg>
+        <pc:picChg chg="add mod">
+          <ac:chgData name="Carolyne Santos de Oliveira" userId="ef751ba60d7f6b41" providerId="LiveId" clId="{2BBE3299-8186-44C9-9CE4-761F6479A2D5}" dt="2024-10-18T03:24:11.259" v="2873" actId="1440"/>
+          <ac:picMkLst>
+            <pc:docMk/>
+            <pc:sldMk cId="3991985892" sldId="268"/>
+            <ac:picMk id="1027" creationId="{DA21CF49-099D-3644-47B4-A7BBE26E2D46}"/>
+          </ac:picMkLst>
+        </pc:picChg>
+        <pc:picChg chg="add mod">
+          <ac:chgData name="Carolyne Santos de Oliveira" userId="ef751ba60d7f6b41" providerId="LiveId" clId="{2BBE3299-8186-44C9-9CE4-761F6479A2D5}" dt="2024-10-18T03:24:11.259" v="2873" actId="1440"/>
+          <ac:picMkLst>
+            <pc:docMk/>
+            <pc:sldMk cId="3991985892" sldId="268"/>
+            <ac:picMk id="1028" creationId="{618F9E3B-60D5-4AEC-8F65-4F132B41CF78}"/>
+          </ac:picMkLst>
+        </pc:picChg>
       </pc:sldChg>
     </pc:docChg>
   </pc:docChgLst>
@@ -1164,7 +2107,7 @@
           <a:p>
             <a:fld id="{F953EC67-339F-4550-865A-CF4592047C23}" type="datetimeFigureOut">
               <a:rPr lang="pt-BR" smtClean="0"/>
-              <a:t>15/10/2024</a:t>
+              <a:t>18/10/2024</a:t>
             </a:fld>
             <a:endParaRPr lang="pt-BR"/>
           </a:p>
@@ -1683,7 +2626,7 @@
           <a:p>
             <a:fld id="{EED1C14C-A143-42F5-B247-D0E800131009}" type="datetimeFigureOut">
               <a:rPr lang="en-US" smtClean="0"/>
-              <a:t>10/15/2024</a:t>
+              <a:t>10/18/2024</a:t>
             </a:fld>
             <a:endParaRPr lang="en-US"/>
           </a:p>
@@ -1911,7 +2854,7 @@
           <a:p>
             <a:fld id="{EED1C14C-A143-42F5-B247-D0E800131009}" type="datetimeFigureOut">
               <a:rPr lang="en-US" smtClean="0"/>
-              <a:t>10/15/2024</a:t>
+              <a:t>10/18/2024</a:t>
             </a:fld>
             <a:endParaRPr lang="en-US"/>
           </a:p>
@@ -2091,7 +3034,7 @@
           <a:p>
             <a:fld id="{EED1C14C-A143-42F5-B247-D0E800131009}" type="datetimeFigureOut">
               <a:rPr lang="en-US" smtClean="0"/>
-              <a:t>10/15/2024</a:t>
+              <a:t>10/18/2024</a:t>
             </a:fld>
             <a:endParaRPr lang="en-US"/>
           </a:p>
@@ -2261,7 +3204,7 @@
           <a:p>
             <a:fld id="{EED1C14C-A143-42F5-B247-D0E800131009}" type="datetimeFigureOut">
               <a:rPr lang="en-US" smtClean="0"/>
-              <a:t>10/15/2024</a:t>
+              <a:t>10/18/2024</a:t>
             </a:fld>
             <a:endParaRPr lang="en-US"/>
           </a:p>
@@ -2515,7 +3458,7 @@
           <a:p>
             <a:fld id="{EED1C14C-A143-42F5-B247-D0E800131009}" type="datetimeFigureOut">
               <a:rPr lang="en-US" smtClean="0"/>
-              <a:t>10/15/2024</a:t>
+              <a:t>10/18/2024</a:t>
             </a:fld>
             <a:endParaRPr lang="en-US"/>
           </a:p>
@@ -2841,7 +3784,7 @@
           <a:p>
             <a:fld id="{EED1C14C-A143-42F5-B247-D0E800131009}" type="datetimeFigureOut">
               <a:rPr lang="en-US" smtClean="0"/>
-              <a:t>10/15/2024</a:t>
+              <a:t>10/18/2024</a:t>
             </a:fld>
             <a:endParaRPr lang="en-US"/>
           </a:p>
@@ -3292,7 +4235,7 @@
           <a:p>
             <a:fld id="{EED1C14C-A143-42F5-B247-D0E800131009}" type="datetimeFigureOut">
               <a:rPr lang="en-US" smtClean="0"/>
-              <a:t>10/15/2024</a:t>
+              <a:t>10/18/2024</a:t>
             </a:fld>
             <a:endParaRPr lang="en-US"/>
           </a:p>
@@ -3410,7 +4353,7 @@
           <a:p>
             <a:fld id="{EED1C14C-A143-42F5-B247-D0E800131009}" type="datetimeFigureOut">
               <a:rPr lang="en-US" smtClean="0"/>
-              <a:t>10/15/2024</a:t>
+              <a:t>10/18/2024</a:t>
             </a:fld>
             <a:endParaRPr lang="en-US"/>
           </a:p>
@@ -3505,7 +4448,7 @@
           <a:p>
             <a:fld id="{EED1C14C-A143-42F5-B247-D0E800131009}" type="datetimeFigureOut">
               <a:rPr lang="en-US" smtClean="0"/>
-              <a:t>10/15/2024</a:t>
+              <a:t>10/18/2024</a:t>
             </a:fld>
             <a:endParaRPr lang="en-US"/>
           </a:p>
@@ -3792,7 +4735,7 @@
           <a:p>
             <a:fld id="{EED1C14C-A143-42F5-B247-D0E800131009}" type="datetimeFigureOut">
               <a:rPr lang="en-US" smtClean="0"/>
-              <a:t>10/15/2024</a:t>
+              <a:t>10/18/2024</a:t>
             </a:fld>
             <a:endParaRPr lang="en-US"/>
           </a:p>
@@ -4114,7 +5057,7 @@
           <a:p>
             <a:fld id="{EED1C14C-A143-42F5-B247-D0E800131009}" type="datetimeFigureOut">
               <a:rPr lang="en-US" smtClean="0"/>
-              <a:t>10/15/2024</a:t>
+              <a:t>10/18/2024</a:t>
             </a:fld>
             <a:endParaRPr lang="en-US"/>
           </a:p>
@@ -4368,7 +5311,7 @@
           <a:p>
             <a:fld id="{EED1C14C-A143-42F5-B247-D0E800131009}" type="datetimeFigureOut">
               <a:rPr lang="en-US" smtClean="0"/>
-              <a:t>10/15/2024</a:t>
+              <a:t>10/18/2024</a:t>
             </a:fld>
             <a:endParaRPr lang="en-US"/>
           </a:p>
@@ -4867,6 +5810,78 @@
           <a:chExt cx="0" cy="0"/>
         </a:xfrm>
       </p:grpSpPr>
+      <p:pic>
+        <p:nvPicPr>
+          <p:cNvPr id="11" name="Imagem 10" descr="Garota chorando">
+            <a:extLst>
+              <a:ext uri="{FF2B5EF4-FFF2-40B4-BE49-F238E27FC236}">
+                <a16:creationId xmlns:a16="http://schemas.microsoft.com/office/drawing/2014/main" id="{D5C0C65F-9B4E-AE20-E80A-04022D12576D}"/>
+              </a:ext>
+            </a:extLst>
+          </p:cNvPr>
+          <p:cNvPicPr>
+            <a:picLocks noChangeAspect="1"/>
+          </p:cNvPicPr>
+          <p:nvPr/>
+        </p:nvPicPr>
+        <p:blipFill>
+          <a:blip r:embed="rId3">
+            <a:extLst>
+              <a:ext uri="{28A0092B-C50C-407E-A947-70E740481C1C}">
+                <a14:useLocalDpi xmlns:a14="http://schemas.microsoft.com/office/drawing/2010/main" val="0"/>
+              </a:ext>
+            </a:extLst>
+          </a:blip>
+          <a:stretch>
+            <a:fillRect/>
+          </a:stretch>
+        </p:blipFill>
+        <p:spPr>
+          <a:xfrm>
+            <a:off x="1897800" y="0"/>
+            <a:ext cx="10287000" cy="6858000"/>
+          </a:xfrm>
+          <a:prstGeom prst="rect">
+            <a:avLst/>
+          </a:prstGeom>
+        </p:spPr>
+      </p:pic>
+      <p:pic>
+        <p:nvPicPr>
+          <p:cNvPr id="15" name="Gráfico 14" descr="Mão levantada com preenchimento sólido">
+            <a:extLst>
+              <a:ext uri="{FF2B5EF4-FFF2-40B4-BE49-F238E27FC236}">
+                <a16:creationId xmlns:a16="http://schemas.microsoft.com/office/drawing/2014/main" id="{DCE1C510-AA80-B283-6F0B-5A3DBDE67EB7}"/>
+              </a:ext>
+            </a:extLst>
+          </p:cNvPr>
+          <p:cNvPicPr>
+            <a:picLocks noChangeAspect="1"/>
+          </p:cNvPicPr>
+          <p:nvPr/>
+        </p:nvPicPr>
+        <p:blipFill>
+          <a:blip r:embed="rId4">
+            <a:extLst>
+              <a:ext uri="{96DAC541-7B7A-43D3-8B79-37D633B846F1}">
+                <asvg:svgBlip xmlns:asvg="http://schemas.microsoft.com/office/drawing/2016/SVG/main" r:embed="rId5"/>
+              </a:ext>
+            </a:extLst>
+          </a:blip>
+          <a:stretch>
+            <a:fillRect/>
+          </a:stretch>
+        </p:blipFill>
+        <p:spPr>
+          <a:xfrm>
+            <a:off x="276745" y="-95002"/>
+            <a:ext cx="1828652" cy="1828652"/>
+          </a:xfrm>
+          <a:prstGeom prst="rect">
+            <a:avLst/>
+          </a:prstGeom>
+        </p:spPr>
+      </p:pic>
       <p:sp>
         <p:nvSpPr>
           <p:cNvPr id="9" name="Título 1">
@@ -4885,8 +5900,8 @@
         </p:nvSpPr>
         <p:spPr>
           <a:xfrm>
-            <a:off x="2555631" y="1441938"/>
-            <a:ext cx="7080738" cy="3974124"/>
+            <a:off x="1897800" y="1239050"/>
+            <a:ext cx="5417400" cy="3974124"/>
           </a:xfrm>
         </p:spPr>
         <p:txBody>
@@ -4896,42 +5911,13 @@
           <a:lstStyle/>
           <a:p>
             <a:r>
-              <a:rPr lang="en-US" sz="5400" b="1" dirty="0" err="1"/>
-              <a:t>Estatística</a:t>
-            </a:r>
-            <a:r>
-              <a:rPr lang="en-US" sz="5400" b="1" dirty="0"/>
-              <a:t> Criminal do </a:t>
-            </a:r>
-            <a:r>
-              <a:rPr lang="en-US" sz="5400" b="1" dirty="0" err="1"/>
-              <a:t>Feminicídio</a:t>
-            </a:r>
-            <a:r>
-              <a:rPr lang="en-US" sz="5400" b="1" dirty="0"/>
-              <a:t> </a:t>
-            </a:r>
-            <a:r>
-              <a:rPr lang="en-US" sz="5400" b="1" dirty="0" err="1"/>
-              <a:t>nas</a:t>
-            </a:r>
-            <a:r>
-              <a:rPr lang="en-US" sz="5400" b="1" dirty="0"/>
-              <a:t> </a:t>
-            </a:r>
-            <a:r>
-              <a:rPr lang="en-US" sz="5400" b="1" dirty="0" err="1"/>
-              <a:t>Unidades</a:t>
-            </a:r>
-            <a:r>
-              <a:rPr lang="en-US" sz="5400" b="1" dirty="0"/>
-              <a:t> da </a:t>
-            </a:r>
-            <a:r>
-              <a:rPr lang="en-US" sz="5400" b="1" dirty="0" err="1"/>
-              <a:t>Federação</a:t>
-            </a:r>
-            <a:endParaRPr lang="en-US" sz="5400" b="1" dirty="0"/>
+              <a:rPr lang="en-US" sz="5400" b="1" dirty="0">
+                <a:solidFill>
+                  <a:srgbClr val="C80909"/>
+                </a:solidFill>
+              </a:rPr>
+              <a:t>Estatística Criminal do Feminicídio nas Unidades da Federação</a:t>
+            </a:r>
           </a:p>
         </p:txBody>
       </p:sp>
@@ -4953,13 +5939,13 @@
         </p:nvSpPr>
         <p:spPr>
           <a:xfrm>
-            <a:off x="1627577" y="5416062"/>
-            <a:ext cx="8936846" cy="613838"/>
+            <a:off x="1897800" y="6452224"/>
+            <a:ext cx="3279842" cy="334524"/>
           </a:xfrm>
         </p:spPr>
         <p:txBody>
           <a:bodyPr rtlCol="0">
-            <a:normAutofit/>
+            <a:normAutofit lnSpcReduction="10000"/>
           </a:bodyPr>
           <a:lstStyle/>
           <a:p>
@@ -4967,7 +5953,7 @@
             <a:r>
               <a:rPr lang="pt-BR" sz="1800" dirty="0">
                 <a:solidFill>
-                  <a:schemeClr val="bg1"/>
+                  <a:schemeClr val="tx1"/>
                 </a:solidFill>
               </a:rPr>
               <a:t>Carolyne Santos de Oliveira</a:t>
@@ -4975,6 +5961,42 @@
           </a:p>
         </p:txBody>
       </p:sp>
+      <p:pic>
+        <p:nvPicPr>
+          <p:cNvPr id="13" name="Gráfico 12" descr="Fechar com preenchimento sólido">
+            <a:extLst>
+              <a:ext uri="{FF2B5EF4-FFF2-40B4-BE49-F238E27FC236}">
+                <a16:creationId xmlns:a16="http://schemas.microsoft.com/office/drawing/2014/main" id="{8309C067-6CAF-4CB0-9B0C-7DB044A40A2F}"/>
+              </a:ext>
+            </a:extLst>
+          </p:cNvPr>
+          <p:cNvPicPr>
+            <a:picLocks noChangeAspect="1"/>
+          </p:cNvPicPr>
+          <p:nvPr/>
+        </p:nvPicPr>
+        <p:blipFill>
+          <a:blip r:embed="rId6">
+            <a:extLst>
+              <a:ext uri="{96DAC541-7B7A-43D3-8B79-37D633B846F1}">
+                <asvg:svgBlip xmlns:asvg="http://schemas.microsoft.com/office/drawing/2016/SVG/main" r:embed="rId7"/>
+              </a:ext>
+            </a:extLst>
+          </a:blip>
+          <a:stretch>
+            <a:fillRect/>
+          </a:stretch>
+        </p:blipFill>
+        <p:spPr>
+          <a:xfrm>
+            <a:off x="744831" y="775912"/>
+            <a:ext cx="684884" cy="684884"/>
+          </a:xfrm>
+          <a:prstGeom prst="rect">
+            <a:avLst/>
+          </a:prstGeom>
+        </p:spPr>
+      </p:pic>
     </p:spTree>
     <p:extLst>
       <p:ext uri="{BB962C8B-B14F-4D97-AF65-F5344CB8AC3E}">
@@ -4985,11 +6007,11 @@
   <p:clrMapOvr>
     <a:overrideClrMapping bg1="dk1" tx1="lt1" bg2="dk2" tx2="lt2" accent1="accent1" accent2="accent2" accent3="accent3" accent4="accent4" accent5="accent5" accent6="accent6" hlink="hlink" folHlink="folHlink"/>
   </p:clrMapOvr>
-  <mc:AlternateContent xmlns:mc="http://schemas.openxmlformats.org/markup-compatibility/2006">
-    <mc:Choice xmlns:p14="http://schemas.microsoft.com/office/powerpoint/2010/main" Requires="p14">
+  <mc:AlternateContent xmlns:mc="http://schemas.openxmlformats.org/markup-compatibility/2006" xmlns:p14="http://schemas.microsoft.com/office/powerpoint/2010/main">
+    <mc:Choice Requires="p14">
       <p:transition spd="slow" p14:dur="2000" advTm="15739"/>
     </mc:Choice>
-    <mc:Fallback>
+    <mc:Fallback xmlns="">
       <p:transition spd="slow" advTm="15739"/>
     </mc:Fallback>
   </mc:AlternateContent>
@@ -5005,9 +6027,6 @@
                     <p:cTn id="3" fill="hold">
                       <p:stCondLst>
                         <p:cond delay="indefinite"/>
-                        <p:cond evt="onBegin" delay="0">
-                          <p:tn val="2"/>
-                        </p:cond>
                       </p:stCondLst>
                       <p:childTnLst>
                         <p:par>
@@ -5017,13 +6036,10 @@
                             </p:stCondLst>
                             <p:childTnLst>
                               <p:par>
-                                <p:cTn id="5" presetID="10" presetClass="entr" presetSubtype="0" fill="hold" grpId="0" nodeType="withEffect">
+                                <p:cTn id="5" presetID="2" presetClass="entr" presetSubtype="4" fill="hold" grpId="0" nodeType="clickEffect">
                                   <p:stCondLst>
-                                    <p:cond delay="500"/>
+                                    <p:cond delay="0"/>
                                   </p:stCondLst>
-                                  <p:iterate>
-                                    <p:tmPct val="10000"/>
-                                  </p:iterate>
                                   <p:childTnLst>
                                     <p:set>
                                       <p:cBhvr>
@@ -5043,14 +6059,142 @@
                                         <p:strVal val="visible"/>
                                       </p:to>
                                     </p:set>
-                                    <p:animEffect transition="in" filter="fade">
-                                      <p:cBhvr>
-                                        <p:cTn id="7" dur="700"/>
+                                    <p:anim calcmode="lin" valueType="num">
+                                      <p:cBhvr additive="base">
+                                        <p:cTn id="7" dur="500" fill="hold"/>
                                         <p:tgtEl>
                                           <p:spTgt spid="9"/>
                                         </p:tgtEl>
+                                        <p:attrNameLst>
+                                          <p:attrName>ppt_x</p:attrName>
+                                        </p:attrNameLst>
                                       </p:cBhvr>
-                                    </p:animEffect>
+                                      <p:tavLst>
+                                        <p:tav tm="0">
+                                          <p:val>
+                                            <p:strVal val="#ppt_x"/>
+                                          </p:val>
+                                        </p:tav>
+                                        <p:tav tm="100000">
+                                          <p:val>
+                                            <p:strVal val="#ppt_x"/>
+                                          </p:val>
+                                        </p:tav>
+                                      </p:tavLst>
+                                    </p:anim>
+                                    <p:anim calcmode="lin" valueType="num">
+                                      <p:cBhvr additive="base">
+                                        <p:cTn id="8" dur="500" fill="hold"/>
+                                        <p:tgtEl>
+                                          <p:spTgt spid="9"/>
+                                        </p:tgtEl>
+                                        <p:attrNameLst>
+                                          <p:attrName>ppt_y</p:attrName>
+                                        </p:attrNameLst>
+                                      </p:cBhvr>
+                                      <p:tavLst>
+                                        <p:tav tm="0">
+                                          <p:val>
+                                            <p:strVal val="1+#ppt_h/2"/>
+                                          </p:val>
+                                        </p:tav>
+                                        <p:tav tm="100000">
+                                          <p:val>
+                                            <p:strVal val="#ppt_y"/>
+                                          </p:val>
+                                        </p:tav>
+                                      </p:tavLst>
+                                    </p:anim>
+                                  </p:childTnLst>
+                                </p:cTn>
+                              </p:par>
+                            </p:childTnLst>
+                          </p:cTn>
+                        </p:par>
+                      </p:childTnLst>
+                    </p:cTn>
+                  </p:par>
+                  <p:par>
+                    <p:cTn id="9" fill="hold">
+                      <p:stCondLst>
+                        <p:cond delay="indefinite"/>
+                      </p:stCondLst>
+                      <p:childTnLst>
+                        <p:par>
+                          <p:cTn id="10" fill="hold">
+                            <p:stCondLst>
+                              <p:cond delay="0"/>
+                            </p:stCondLst>
+                            <p:childTnLst>
+                              <p:par>
+                                <p:cTn id="11" presetID="1" presetClass="entr" presetSubtype="0" fill="hold" nodeType="clickEffect">
+                                  <p:stCondLst>
+                                    <p:cond delay="0"/>
+                                  </p:stCondLst>
+                                  <p:childTnLst>
+                                    <p:set>
+                                      <p:cBhvr>
+                                        <p:cTn id="12" dur="1" fill="hold">
+                                          <p:stCondLst>
+                                            <p:cond delay="0"/>
+                                          </p:stCondLst>
+                                        </p:cTn>
+                                        <p:tgtEl>
+                                          <p:spTgt spid="15"/>
+                                        </p:tgtEl>
+                                        <p:attrNameLst>
+                                          <p:attrName>style.visibility</p:attrName>
+                                        </p:attrNameLst>
+                                      </p:cBhvr>
+                                      <p:to>
+                                        <p:strVal val="visible"/>
+                                      </p:to>
+                                    </p:set>
+                                  </p:childTnLst>
+                                </p:cTn>
+                              </p:par>
+                            </p:childTnLst>
+                          </p:cTn>
+                        </p:par>
+                      </p:childTnLst>
+                    </p:cTn>
+                  </p:par>
+                  <p:par>
+                    <p:cTn id="13" fill="hold">
+                      <p:stCondLst>
+                        <p:cond delay="indefinite"/>
+                      </p:stCondLst>
+                      <p:childTnLst>
+                        <p:par>
+                          <p:cTn id="14" fill="hold">
+                            <p:stCondLst>
+                              <p:cond delay="0"/>
+                            </p:stCondLst>
+                            <p:childTnLst>
+                              <p:par>
+                                <p:cTn id="15" presetID="1" presetClass="entr" presetSubtype="0" fill="hold" nodeType="clickEffect">
+                                  <p:stCondLst>
+                                    <p:cond delay="0"/>
+                                  </p:stCondLst>
+                                  <p:childTnLst>
+                                    <p:set>
+                                      <p:cBhvr>
+                                        <p:cTn id="16" dur="1" fill="hold">
+                                          <p:stCondLst>
+                                            <p:cond delay="0"/>
+                                          </p:stCondLst>
+                                        </p:cTn>
+                                        <p:tgtEl>
+                                          <p:spTgt spid="13"/>
+                                        </p:tgtEl>
+                                        <p:attrNameLst>
+                                          <p:attrName>style.visibility</p:attrName>
+                                        </p:attrNameLst>
+                                      </p:cBhvr>
+                                      <p:to>
+                                        <p:strVal val="visible"/>
+                                      </p:to>
+                                    </p:set>
                                   </p:childTnLst>
                                 </p:cTn>
                               </p:par>
@@ -5105,6 +6249,78 @@
           <a:chExt cx="0" cy="0"/>
         </a:xfrm>
       </p:grpSpPr>
+      <p:pic>
+        <p:nvPicPr>
+          <p:cNvPr id="25" name="Imagem 24" descr="Tabela&#10;&#10;Descrição gerada automaticamente">
+            <a:extLst>
+              <a:ext uri="{FF2B5EF4-FFF2-40B4-BE49-F238E27FC236}">
+                <a16:creationId xmlns:a16="http://schemas.microsoft.com/office/drawing/2014/main" id="{FCB3C297-7DBE-AB75-EEA9-3028B3E49E05}"/>
+              </a:ext>
+            </a:extLst>
+          </p:cNvPr>
+          <p:cNvPicPr>
+            <a:picLocks noChangeAspect="1"/>
+          </p:cNvPicPr>
+          <p:nvPr/>
+        </p:nvPicPr>
+        <p:blipFill>
+          <a:blip r:embed="rId2">
+            <a:extLst>
+              <a:ext uri="{28A0092B-C50C-407E-A947-70E740481C1C}">
+                <a14:useLocalDpi xmlns:a14="http://schemas.microsoft.com/office/drawing/2010/main" val="0"/>
+              </a:ext>
+            </a:extLst>
+          </a:blip>
+          <a:stretch>
+            <a:fillRect/>
+          </a:stretch>
+        </p:blipFill>
+        <p:spPr>
+          <a:xfrm>
+            <a:off x="2114060" y="3468199"/>
+            <a:ext cx="2457793" cy="1562318"/>
+          </a:xfrm>
+          <a:prstGeom prst="rect">
+            <a:avLst/>
+          </a:prstGeom>
+        </p:spPr>
+      </p:pic>
+      <p:pic>
+        <p:nvPicPr>
+          <p:cNvPr id="17" name="Gráfico 16" descr="Grupo de mulheres com preenchimento sólido">
+            <a:extLst>
+              <a:ext uri="{FF2B5EF4-FFF2-40B4-BE49-F238E27FC236}">
+                <a16:creationId xmlns:a16="http://schemas.microsoft.com/office/drawing/2014/main" id="{6CED61AE-6A59-6C06-49D3-F1F9B1DF99E3}"/>
+              </a:ext>
+            </a:extLst>
+          </p:cNvPr>
+          <p:cNvPicPr>
+            <a:picLocks noChangeAspect="1"/>
+          </p:cNvPicPr>
+          <p:nvPr/>
+        </p:nvPicPr>
+        <p:blipFill>
+          <a:blip r:embed="rId3">
+            <a:extLst>
+              <a:ext uri="{96DAC541-7B7A-43D3-8B79-37D633B846F1}">
+                <asvg:svgBlip xmlns:asvg="http://schemas.microsoft.com/office/drawing/2016/SVG/main" r:embed="rId4"/>
+              </a:ext>
+            </a:extLst>
+          </a:blip>
+          <a:stretch>
+            <a:fillRect/>
+          </a:stretch>
+        </p:blipFill>
+        <p:spPr>
+          <a:xfrm>
+            <a:off x="9844644" y="89906"/>
+            <a:ext cx="2288696" cy="2288696"/>
+          </a:xfrm>
+          <a:prstGeom prst="rect">
+            <a:avLst/>
+          </a:prstGeom>
+        </p:spPr>
+      </p:pic>
       <p:sp>
         <p:nvSpPr>
           <p:cNvPr id="3" name="Título 1">
@@ -5285,17 +6501,30 @@
           <a:p>
             <a:r>
               <a:rPr lang="pt-BR" dirty="0"/>
-              <a:t>O feminicídio é o assassinato de uma mulher em razão do gênero, frequentemente associado à violência doméstica, discriminação ou desigualdade de gênero. Este estudo busca analisar a evolução do feminicídio nas unidades federativas brasileiras de 2020 a 2024, comparando os números com os homicídios femininos e destacando a porcentagem de feminicídios em relação ao total de homicídios. O objetivo é revelar a gravidade desse crime e seu impacto no contexto da violência de gênero no Brasil.</a:t>
+              <a:t>O feminicídio é o assassinato de uma mulher em razão do gênero, frequentemente associado à violência doméstica, discriminação ou desigualdade de gênero. Este estudo busca analisar a evolução do feminicídio nas unidades federativas brasileiras de 2020 </a:t>
+            </a:r>
+            <a:r>
+              <a:rPr lang="pt-BR"/>
+              <a:t>a 2024.</a:t>
+            </a:r>
+          </a:p>
+          <a:p>
+            <a:endParaRPr lang="pt-BR" dirty="0"/>
+          </a:p>
+          <a:p>
+            <a:r>
+              <a:rPr lang="pt-BR" dirty="0"/>
+              <a:t>A escolha do tema e das bases de dados foi motivada pelo interesse em compreender quais fatores podem impactar diretamente o aumento ou a redução dos casos de feminicídio no Brasil.</a:t>
             </a:r>
           </a:p>
         </p:txBody>
       </p:sp>
       <p:pic>
         <p:nvPicPr>
-          <p:cNvPr id="5" name="slide5" descr="Total Estados/Municípios">
+          <p:cNvPr id="7" name="Imagem 6" descr="Interface gráfica do usuário&#10;&#10;Descrição gerada automaticamente com confiança média">
             <a:extLst>
               <a:ext uri="{FF2B5EF4-FFF2-40B4-BE49-F238E27FC236}">
-                <a16:creationId xmlns:a16="http://schemas.microsoft.com/office/drawing/2014/main" id="{30E6B56A-8215-4DDE-A61B-48BB535B66F4}"/>
+                <a16:creationId xmlns:a16="http://schemas.microsoft.com/office/drawing/2014/main" id="{F6304753-E66D-6534-664A-081AB058892F}"/>
               </a:ext>
             </a:extLst>
           </p:cNvPr>
@@ -5305,7 +6534,7 @@
           <p:nvPr/>
         </p:nvPicPr>
         <p:blipFill>
-          <a:blip r:embed="rId2">
+          <a:blip r:embed="rId5">
             <a:extLst>
               <a:ext uri="{28A0092B-C50C-407E-A947-70E740481C1C}">
                 <a14:useLocalDpi xmlns:a14="http://schemas.microsoft.com/office/drawing/2010/main" val="0"/>
@@ -5318,8 +6547,8 @@
         </p:blipFill>
         <p:spPr>
           <a:xfrm>
-            <a:off x="874645" y="1296285"/>
-            <a:ext cx="5103661" cy="1509845"/>
+            <a:off x="1891202" y="1496890"/>
+            <a:ext cx="3515216" cy="800212"/>
           </a:xfrm>
           <a:prstGeom prst="rect">
             <a:avLst/>
@@ -5328,10 +6557,10 @@
       </p:pic>
       <p:pic>
         <p:nvPicPr>
-          <p:cNvPr id="6" name="Imagem 5">
+          <p:cNvPr id="11" name="Gráfico 10" descr="Mulher com preenchimento sólido">
             <a:extLst>
               <a:ext uri="{FF2B5EF4-FFF2-40B4-BE49-F238E27FC236}">
-                <a16:creationId xmlns:a16="http://schemas.microsoft.com/office/drawing/2014/main" id="{2EE96DF4-9523-3F95-0CB2-61D346A83E9C}"/>
+                <a16:creationId xmlns:a16="http://schemas.microsoft.com/office/drawing/2014/main" id="{4D563472-6CF9-FD57-82F4-BADE4C215B2E}"/>
               </a:ext>
             </a:extLst>
           </p:cNvPr>
@@ -5341,15 +6570,93 @@
           <p:nvPr/>
         </p:nvPicPr>
         <p:blipFill>
-          <a:blip r:embed="rId3"/>
+          <a:blip r:embed="rId6">
+            <a:extLst>
+              <a:ext uri="{96DAC541-7B7A-43D3-8B79-37D633B846F1}">
+                <asvg:svgBlip xmlns:asvg="http://schemas.microsoft.com/office/drawing/2016/SVG/main" r:embed="rId7"/>
+              </a:ext>
+            </a:extLst>
+          </a:blip>
           <a:stretch>
             <a:fillRect/>
           </a:stretch>
         </p:blipFill>
         <p:spPr>
           <a:xfrm>
-            <a:off x="679106" y="3429000"/>
-            <a:ext cx="5494737" cy="2630978"/>
+            <a:off x="3999860" y="4491404"/>
+            <a:ext cx="2119309" cy="2119309"/>
+          </a:xfrm>
+          <a:prstGeom prst="rect">
+            <a:avLst/>
+          </a:prstGeom>
+        </p:spPr>
+      </p:pic>
+      <p:pic>
+        <p:nvPicPr>
+          <p:cNvPr id="13" name="Gráfico 12" descr="Masculino com preenchimento sólido">
+            <a:extLst>
+              <a:ext uri="{FF2B5EF4-FFF2-40B4-BE49-F238E27FC236}">
+                <a16:creationId xmlns:a16="http://schemas.microsoft.com/office/drawing/2014/main" id="{2EEA264F-FBC4-9492-AF7A-DE12C70464CE}"/>
+              </a:ext>
+            </a:extLst>
+          </p:cNvPr>
+          <p:cNvPicPr>
+            <a:picLocks noChangeAspect="1"/>
+          </p:cNvPicPr>
+          <p:nvPr/>
+        </p:nvPicPr>
+        <p:blipFill>
+          <a:blip r:embed="rId8">
+            <a:extLst>
+              <a:ext uri="{96DAC541-7B7A-43D3-8B79-37D633B846F1}">
+                <asvg:svgBlip xmlns:asvg="http://schemas.microsoft.com/office/drawing/2016/SVG/main" r:embed="rId9"/>
+              </a:ext>
+            </a:extLst>
+          </a:blip>
+          <a:stretch>
+            <a:fillRect/>
+          </a:stretch>
+        </p:blipFill>
+        <p:spPr>
+          <a:xfrm>
+            <a:off x="4953268" y="4183197"/>
+            <a:ext cx="2064037" cy="2064037"/>
+          </a:xfrm>
+          <a:prstGeom prst="rect">
+            <a:avLst/>
+          </a:prstGeom>
+        </p:spPr>
+      </p:pic>
+      <p:pic>
+        <p:nvPicPr>
+          <p:cNvPr id="23" name="Gráfico 22" descr="América do Sul com preenchimento sólido">
+            <a:extLst>
+              <a:ext uri="{FF2B5EF4-FFF2-40B4-BE49-F238E27FC236}">
+                <a16:creationId xmlns:a16="http://schemas.microsoft.com/office/drawing/2014/main" id="{C570D941-9C0E-AB3E-B5D1-497A87039C08}"/>
+              </a:ext>
+            </a:extLst>
+          </p:cNvPr>
+          <p:cNvPicPr>
+            <a:picLocks noChangeAspect="1"/>
+          </p:cNvPicPr>
+          <p:nvPr/>
+        </p:nvPicPr>
+        <p:blipFill>
+          <a:blip r:embed="rId10">
+            <a:extLst>
+              <a:ext uri="{96DAC541-7B7A-43D3-8B79-37D633B846F1}">
+                <asvg:svgBlip xmlns:asvg="http://schemas.microsoft.com/office/drawing/2016/SVG/main" r:embed="rId11"/>
+              </a:ext>
+            </a:extLst>
+          </a:blip>
+          <a:stretch>
+            <a:fillRect/>
+          </a:stretch>
+        </p:blipFill>
+        <p:spPr>
+          <a:xfrm>
+            <a:off x="1674990" y="1039690"/>
+            <a:ext cx="914400" cy="914400"/>
           </a:xfrm>
           <a:prstGeom prst="rect">
             <a:avLst/>
@@ -5366,11 +6673,11 @@
   <p:clrMapOvr>
     <a:masterClrMapping/>
   </p:clrMapOvr>
-  <mc:AlternateContent xmlns:mc="http://schemas.openxmlformats.org/markup-compatibility/2006">
-    <mc:Choice xmlns:p14="http://schemas.microsoft.com/office/powerpoint/2010/main" Requires="p14">
+  <mc:AlternateContent xmlns:mc="http://schemas.openxmlformats.org/markup-compatibility/2006" xmlns:p14="http://schemas.microsoft.com/office/powerpoint/2010/main">
+    <mc:Choice Requires="p14">
       <p:transition spd="slow" p14:dur="2000" advTm="10661"/>
     </mc:Choice>
-    <mc:Fallback>
+    <mc:Fallback xmlns="">
       <p:transition spd="slow" advTm="10661"/>
     </mc:Fallback>
   </mc:AlternateContent>
@@ -5394,12 +6701,48 @@
           <a:chExt cx="0" cy="0"/>
         </a:xfrm>
       </p:grpSpPr>
+      <p:sp>
+        <p:nvSpPr>
+          <p:cNvPr id="2" name="CaixaDeTexto 1">
+            <a:extLst>
+              <a:ext uri="{FF2B5EF4-FFF2-40B4-BE49-F238E27FC236}">
+                <a16:creationId xmlns:a16="http://schemas.microsoft.com/office/drawing/2014/main" id="{69B2898E-91A6-FAA3-82CF-70D732E23F0E}"/>
+              </a:ext>
+            </a:extLst>
+          </p:cNvPr>
+          <p:cNvSpPr txBox="1"/>
+          <p:nvPr/>
+        </p:nvSpPr>
+        <p:spPr>
+          <a:xfrm>
+            <a:off x="7423367" y="1337751"/>
+            <a:ext cx="4542183" cy="4524315"/>
+          </a:xfrm>
+          <a:prstGeom prst="rect">
+            <a:avLst/>
+          </a:prstGeom>
+          <a:noFill/>
+        </p:spPr>
+        <p:txBody>
+          <a:bodyPr wrap="square" rtlCol="0">
+            <a:spAutoFit/>
+          </a:bodyPr>
+          <a:lstStyle/>
+          <a:p>
+            <a:pPr algn="just"/>
+            <a:r>
+              <a:rPr lang="pt-BR" dirty="0"/>
+              <a:t>O ano com maior incidência de feminicídios na base de dados é 2023, com um total de 4.417 crimes registrados. No entanto, ao analisarmos os dados de 2024, observamos que estão incompletos, refletindo apenas o primeiro semestre do ano. Um aspecto interessante é a redução dos feminicídios durante o período da pandemia de COVID-19. Esse fenômeno pode ser atribuído a diversos fatores, como a subnotificação dos crimes, mudanças no padrão de violência doméstica devido às medidas de isolamento social, ou dificuldades no acesso a mecanismos de denúncia.</a:t>
+            </a:r>
+          </a:p>
+        </p:txBody>
+      </p:sp>
       <p:pic>
         <p:nvPicPr>
-          <p:cNvPr id="10" name="slide10" descr="Femini/Ano">
+          <p:cNvPr id="4" name="Imagem 3" descr="Gráfico, Gráfico de barras&#10;&#10;Descrição gerada automaticamente">
             <a:extLst>
               <a:ext uri="{FF2B5EF4-FFF2-40B4-BE49-F238E27FC236}">
-                <a16:creationId xmlns:a16="http://schemas.microsoft.com/office/drawing/2014/main" id="{7FB8DFFE-7ADC-41A9-A10A-C0FB08E1DDB9}"/>
+                <a16:creationId xmlns:a16="http://schemas.microsoft.com/office/drawing/2014/main" id="{44C2B76B-AB99-C8F7-F7E8-2B2488D34B31}"/>
               </a:ext>
             </a:extLst>
           </p:cNvPr>
@@ -5422,49 +6765,86 @@
         </p:blipFill>
         <p:spPr>
           <a:xfrm>
-            <a:off x="1201416" y="0"/>
-            <a:ext cx="4740088" cy="6858000"/>
+            <a:off x="956074" y="404981"/>
+            <a:ext cx="2962107" cy="4890627"/>
           </a:xfrm>
           <a:prstGeom prst="rect">
             <a:avLst/>
           </a:prstGeom>
         </p:spPr>
       </p:pic>
-      <p:sp>
-        <p:nvSpPr>
-          <p:cNvPr id="2" name="CaixaDeTexto 1">
+      <p:pic>
+        <p:nvPicPr>
+          <p:cNvPr id="8" name="Imagem 7" descr="Tabela&#10;&#10;Descrição gerada automaticamente">
             <a:extLst>
               <a:ext uri="{FF2B5EF4-FFF2-40B4-BE49-F238E27FC236}">
-                <a16:creationId xmlns:a16="http://schemas.microsoft.com/office/drawing/2014/main" id="{69B2898E-91A6-FAA3-82CF-70D732E23F0E}"/>
+                <a16:creationId xmlns:a16="http://schemas.microsoft.com/office/drawing/2014/main" id="{96AB06B7-9219-8BA8-C54C-D8FB830158D6}"/>
               </a:ext>
             </a:extLst>
           </p:cNvPr>
-          <p:cNvSpPr txBox="1"/>
+          <p:cNvPicPr>
+            <a:picLocks noChangeAspect="1"/>
+          </p:cNvPicPr>
           <p:nvPr/>
-        </p:nvSpPr>
+        </p:nvPicPr>
+        <p:blipFill>
+          <a:blip r:embed="rId3">
+            <a:extLst>
+              <a:ext uri="{28A0092B-C50C-407E-A947-70E740481C1C}">
+                <a14:useLocalDpi xmlns:a14="http://schemas.microsoft.com/office/drawing/2010/main" val="0"/>
+              </a:ext>
+            </a:extLst>
+          </a:blip>
+          <a:stretch>
+            <a:fillRect/>
+          </a:stretch>
+        </p:blipFill>
         <p:spPr>
           <a:xfrm>
-            <a:off x="7156173" y="556592"/>
-            <a:ext cx="4542183" cy="4524315"/>
+            <a:off x="3376524" y="2273272"/>
+            <a:ext cx="3463841" cy="4470428"/>
           </a:xfrm>
           <a:prstGeom prst="rect">
             <a:avLst/>
           </a:prstGeom>
-          <a:noFill/>
         </p:spPr>
-        <p:txBody>
-          <a:bodyPr wrap="square" rtlCol="0">
-            <a:spAutoFit/>
-          </a:bodyPr>
-          <a:lstStyle/>
-          <a:p>
-            <a:r>
-              <a:rPr lang="pt-BR" dirty="0"/>
-              <a:t>O ano com maior incidência de feminicídios na base de dados é 2023, com um total de 4.417 crimes registrados. No entanto, ao analisarmos os dados de 2024, observamos que estão incompletos, refletindo apenas o primeiro semestre do ano. Um aspecto interessante é a redução dos feminicídios durante o período da pandemia de COVID-19. Esse fenômeno pode ser atribuído a diversos fatores, como a subnotificação dos crimes, mudanças no padrão de violência doméstica devido às medidas de isolamento social, ou dificuldades no acesso a mecanismos de denúncia.</a:t>
-            </a:r>
-          </a:p>
-        </p:txBody>
-      </p:sp>
+      </p:pic>
+      <p:pic>
+        <p:nvPicPr>
+          <p:cNvPr id="11" name="Gráfico 10" descr="Grupo de mulheres estrutura de tópicos">
+            <a:extLst>
+              <a:ext uri="{FF2B5EF4-FFF2-40B4-BE49-F238E27FC236}">
+                <a16:creationId xmlns:a16="http://schemas.microsoft.com/office/drawing/2014/main" id="{61F25944-C6F9-D24B-D786-4BC65D128136}"/>
+              </a:ext>
+            </a:extLst>
+          </p:cNvPr>
+          <p:cNvPicPr>
+            <a:picLocks noChangeAspect="1"/>
+          </p:cNvPicPr>
+          <p:nvPr/>
+        </p:nvPicPr>
+        <p:blipFill>
+          <a:blip r:embed="rId4">
+            <a:extLst>
+              <a:ext uri="{96DAC541-7B7A-43D3-8B79-37D633B846F1}">
+                <asvg:svgBlip xmlns:asvg="http://schemas.microsoft.com/office/drawing/2016/SVG/main" r:embed="rId5"/>
+              </a:ext>
+            </a:extLst>
+          </a:blip>
+          <a:stretch>
+            <a:fillRect/>
+          </a:stretch>
+        </p:blipFill>
+        <p:spPr>
+          <a:xfrm>
+            <a:off x="4309782" y="675934"/>
+            <a:ext cx="1737813" cy="1737813"/>
+          </a:xfrm>
+          <a:prstGeom prst="rect">
+            <a:avLst/>
+          </a:prstGeom>
+        </p:spPr>
+      </p:pic>
     </p:spTree>
     <p:extLst>
       <p:ext uri="{BB962C8B-B14F-4D97-AF65-F5344CB8AC3E}">
@@ -5475,11 +6855,11 @@
   <p:clrMapOvr>
     <a:masterClrMapping/>
   </p:clrMapOvr>
-  <mc:AlternateContent xmlns:mc="http://schemas.openxmlformats.org/markup-compatibility/2006">
-    <mc:Choice xmlns:p14="http://schemas.microsoft.com/office/powerpoint/2010/main" Requires="p14">
+  <mc:AlternateContent xmlns:mc="http://schemas.openxmlformats.org/markup-compatibility/2006" xmlns:p14="http://schemas.microsoft.com/office/powerpoint/2010/main">
+    <mc:Choice Requires="p14">
       <p:transition spd="slow" p14:dur="2000" advTm="36182"/>
     </mc:Choice>
-    <mc:Fallback>
+    <mc:Fallback xmlns="">
       <p:transition spd="slow" advTm="36182"/>
     </mc:Fallback>
   </mc:AlternateContent>
@@ -5505,10 +6885,10 @@
       </p:grpSpPr>
       <p:pic>
         <p:nvPicPr>
-          <p:cNvPr id="3" name="slide3" descr="Delegacias Por Estado">
+          <p:cNvPr id="9" name="Imagem 8" descr="Tabela&#10;&#10;Descrição gerada automaticamente">
             <a:extLst>
               <a:ext uri="{FF2B5EF4-FFF2-40B4-BE49-F238E27FC236}">
-                <a16:creationId xmlns:a16="http://schemas.microsoft.com/office/drawing/2014/main" id="{71B38B10-C4A6-4B53-A314-19DDF2E1DCBD}"/>
+                <a16:creationId xmlns:a16="http://schemas.microsoft.com/office/drawing/2014/main" id="{14F24303-78BC-9243-DE8B-56797383008F}"/>
               </a:ext>
             </a:extLst>
           </p:cNvPr>
@@ -5531,8 +6911,80 @@
         </p:blipFill>
         <p:spPr>
           <a:xfrm>
-            <a:off x="654050" y="298450"/>
-            <a:ext cx="7816850" cy="5998978"/>
+            <a:off x="8913815" y="2592287"/>
+            <a:ext cx="2286319" cy="990738"/>
+          </a:xfrm>
+          <a:prstGeom prst="rect">
+            <a:avLst/>
+          </a:prstGeom>
+        </p:spPr>
+      </p:pic>
+      <p:pic>
+        <p:nvPicPr>
+          <p:cNvPr id="13" name="Imagem 12" descr="Tabela&#10;&#10;Descrição gerada automaticamente">
+            <a:extLst>
+              <a:ext uri="{FF2B5EF4-FFF2-40B4-BE49-F238E27FC236}">
+                <a16:creationId xmlns:a16="http://schemas.microsoft.com/office/drawing/2014/main" id="{E5182071-E3F3-FD3A-B7E9-2C7A943A673D}"/>
+              </a:ext>
+            </a:extLst>
+          </p:cNvPr>
+          <p:cNvPicPr>
+            <a:picLocks noChangeAspect="1"/>
+          </p:cNvPicPr>
+          <p:nvPr/>
+        </p:nvPicPr>
+        <p:blipFill>
+          <a:blip r:embed="rId3">
+            <a:extLst>
+              <a:ext uri="{28A0092B-C50C-407E-A947-70E740481C1C}">
+                <a14:useLocalDpi xmlns:a14="http://schemas.microsoft.com/office/drawing/2010/main" val="0"/>
+              </a:ext>
+            </a:extLst>
+          </a:blip>
+          <a:stretch>
+            <a:fillRect/>
+          </a:stretch>
+        </p:blipFill>
+        <p:spPr>
+          <a:xfrm>
+            <a:off x="8913815" y="5360998"/>
+            <a:ext cx="2124370" cy="990738"/>
+          </a:xfrm>
+          <a:prstGeom prst="rect">
+            <a:avLst/>
+          </a:prstGeom>
+        </p:spPr>
+      </p:pic>
+      <p:pic>
+        <p:nvPicPr>
+          <p:cNvPr id="15" name="Imagem 14" descr="Gráfico, Gráfico de barras">
+            <a:extLst>
+              <a:ext uri="{FF2B5EF4-FFF2-40B4-BE49-F238E27FC236}">
+                <a16:creationId xmlns:a16="http://schemas.microsoft.com/office/drawing/2014/main" id="{43B4D6CB-F3AB-8B9A-6AA0-CC7387D22BE6}"/>
+              </a:ext>
+            </a:extLst>
+          </p:cNvPr>
+          <p:cNvPicPr>
+            <a:picLocks noChangeAspect="1"/>
+          </p:cNvPicPr>
+          <p:nvPr/>
+        </p:nvPicPr>
+        <p:blipFill>
+          <a:blip r:embed="rId4">
+            <a:extLst>
+              <a:ext uri="{28A0092B-C50C-407E-A947-70E740481C1C}">
+                <a14:useLocalDpi xmlns:a14="http://schemas.microsoft.com/office/drawing/2010/main" val="0"/>
+              </a:ext>
+            </a:extLst>
+          </a:blip>
+          <a:stretch>
+            <a:fillRect/>
+          </a:stretch>
+        </p:blipFill>
+        <p:spPr>
+          <a:xfrm>
+            <a:off x="1597611" y="1230000"/>
+            <a:ext cx="5445429" cy="5326452"/>
           </a:xfrm>
           <a:prstGeom prst="rect">
             <a:avLst/>
@@ -5541,10 +6993,10 @@
       </p:pic>
       <p:sp>
         <p:nvSpPr>
-          <p:cNvPr id="2" name="CaixaDeTexto 1">
+          <p:cNvPr id="21" name="CaixaDeTexto 20">
             <a:extLst>
               <a:ext uri="{FF2B5EF4-FFF2-40B4-BE49-F238E27FC236}">
-                <a16:creationId xmlns:a16="http://schemas.microsoft.com/office/drawing/2014/main" id="{D34F2A83-9C53-C62D-178F-4FDFC14F55F1}"/>
+                <a16:creationId xmlns:a16="http://schemas.microsoft.com/office/drawing/2014/main" id="{69FE7244-B5FF-E2AA-4806-D2C8B76FF332}"/>
               </a:ext>
             </a:extLst>
           </p:cNvPr>
@@ -5553,8 +7005,8 @@
         </p:nvSpPr>
         <p:spPr>
           <a:xfrm>
-            <a:off x="8890000" y="1498600"/>
-            <a:ext cx="2413000" cy="3693319"/>
+            <a:off x="532262" y="301548"/>
+            <a:ext cx="11259403" cy="646331"/>
           </a:xfrm>
           <a:prstGeom prst="rect">
             <a:avLst/>
@@ -5567,31 +7019,96 @@
           </a:bodyPr>
           <a:lstStyle/>
           <a:p>
+            <a:pPr algn="just"/>
             <a:r>
               <a:rPr lang="pt-BR" dirty="0"/>
-              <a:t>Embora São Paulo tenha a maior quantidade de delegacias especializadas, o fato de Minas Gerais ter o maior número de municípios pode indicar desafios maiores no acesso a serviços de proteção e investigação em áreas mais remotas.</a:t>
+              <a:t>O número geral de homicídios femininos teve um aumento, vemos que o crescimento dos feminicídios foi mais acentuado, especialmente nos últimos dois anos.</a:t>
             </a:r>
           </a:p>
         </p:txBody>
       </p:sp>
+      <p:pic>
+        <p:nvPicPr>
+          <p:cNvPr id="11" name="Imagem 10" descr="Tabela&#10;&#10;Descrição gerada automaticamente">
+            <a:extLst>
+              <a:ext uri="{FF2B5EF4-FFF2-40B4-BE49-F238E27FC236}">
+                <a16:creationId xmlns:a16="http://schemas.microsoft.com/office/drawing/2014/main" id="{8C0EC756-DB08-BE09-27AB-ED6BD962CE19}"/>
+              </a:ext>
+            </a:extLst>
+          </p:cNvPr>
+          <p:cNvPicPr>
+            <a:picLocks noChangeAspect="1"/>
+          </p:cNvPicPr>
+          <p:nvPr/>
+        </p:nvPicPr>
+        <p:blipFill>
+          <a:blip r:embed="rId5">
+            <a:extLst>
+              <a:ext uri="{28A0092B-C50C-407E-A947-70E740481C1C}">
+                <a14:useLocalDpi xmlns:a14="http://schemas.microsoft.com/office/drawing/2010/main" val="0"/>
+              </a:ext>
+            </a:extLst>
+          </a:blip>
+          <a:stretch>
+            <a:fillRect/>
+          </a:stretch>
+        </p:blipFill>
+        <p:spPr>
+          <a:xfrm>
+            <a:off x="7268229" y="3940070"/>
+            <a:ext cx="2124371" cy="990738"/>
+          </a:xfrm>
+          <a:prstGeom prst="rect">
+            <a:avLst/>
+          </a:prstGeom>
+        </p:spPr>
+      </p:pic>
+      <p:pic>
+        <p:nvPicPr>
+          <p:cNvPr id="7" name="Imagem 6" descr="Tabela&#10;&#10;Descrição gerada automaticamente">
+            <a:extLst>
+              <a:ext uri="{FF2B5EF4-FFF2-40B4-BE49-F238E27FC236}">
+                <a16:creationId xmlns:a16="http://schemas.microsoft.com/office/drawing/2014/main" id="{8342FEB8-BA88-F60A-DD04-E8D97A88C32D}"/>
+              </a:ext>
+            </a:extLst>
+          </p:cNvPr>
+          <p:cNvPicPr>
+            <a:picLocks noChangeAspect="1"/>
+          </p:cNvPicPr>
+          <p:nvPr/>
+        </p:nvPicPr>
+        <p:blipFill>
+          <a:blip r:embed="rId6">
+            <a:extLst>
+              <a:ext uri="{28A0092B-C50C-407E-A947-70E740481C1C}">
+                <a14:useLocalDpi xmlns:a14="http://schemas.microsoft.com/office/drawing/2010/main" val="0"/>
+              </a:ext>
+            </a:extLst>
+          </a:blip>
+          <a:stretch>
+            <a:fillRect/>
+          </a:stretch>
+        </p:blipFill>
+        <p:spPr>
+          <a:xfrm>
+            <a:off x="7268229" y="1230000"/>
+            <a:ext cx="2381582" cy="990738"/>
+          </a:xfrm>
+          <a:prstGeom prst="rect">
+            <a:avLst/>
+          </a:prstGeom>
+        </p:spPr>
+      </p:pic>
     </p:spTree>
     <p:extLst>
       <p:ext uri="{BB962C8B-B14F-4D97-AF65-F5344CB8AC3E}">
-        <p14:creationId xmlns:p14="http://schemas.microsoft.com/office/powerpoint/2010/main" val="95992585"/>
+        <p14:creationId xmlns:p14="http://schemas.microsoft.com/office/powerpoint/2010/main" val="1298939025"/>
       </p:ext>
     </p:extLst>
   </p:cSld>
   <p:clrMapOvr>
     <a:masterClrMapping/>
   </p:clrMapOvr>
-  <mc:AlternateContent xmlns:mc="http://schemas.openxmlformats.org/markup-compatibility/2006">
-    <mc:Choice xmlns:p14="http://schemas.microsoft.com/office/powerpoint/2010/main" Requires="p14">
-      <p:transition spd="slow" p14:dur="2000" advTm="26936"/>
-    </mc:Choice>
-    <mc:Fallback>
-      <p:transition spd="slow" advTm="26936"/>
-    </mc:Fallback>
-  </mc:AlternateContent>
 </p:sld>
 </file>
 
@@ -5614,10 +7131,1327 @@
       </p:grpSpPr>
       <p:pic>
         <p:nvPicPr>
-          <p:cNvPr id="6" name="slide6" descr="Total Feminicídio por Estado">
+          <p:cNvPr id="11" name="Gráfico 10" descr="Pesos Desiguais com preenchimento sólido">
             <a:extLst>
               <a:ext uri="{FF2B5EF4-FFF2-40B4-BE49-F238E27FC236}">
-                <a16:creationId xmlns:a16="http://schemas.microsoft.com/office/drawing/2014/main" id="{D58CA76E-8CCB-4440-B24D-FE2253A70425}"/>
+                <a16:creationId xmlns:a16="http://schemas.microsoft.com/office/drawing/2014/main" id="{3CD2FB54-E110-7742-E783-742114C09733}"/>
+              </a:ext>
+            </a:extLst>
+          </p:cNvPr>
+          <p:cNvPicPr>
+            <a:picLocks noChangeAspect="1"/>
+          </p:cNvPicPr>
+          <p:nvPr/>
+        </p:nvPicPr>
+        <p:blipFill>
+          <a:blip r:embed="rId2">
+            <a:extLst>
+              <a:ext uri="{96DAC541-7B7A-43D3-8B79-37D633B846F1}">
+                <asvg:svgBlip xmlns:asvg="http://schemas.microsoft.com/office/drawing/2016/SVG/main" r:embed="rId3"/>
+              </a:ext>
+            </a:extLst>
+          </a:blip>
+          <a:stretch>
+            <a:fillRect/>
+          </a:stretch>
+        </p:blipFill>
+        <p:spPr>
+          <a:xfrm>
+            <a:off x="10424930" y="478554"/>
+            <a:ext cx="1608920" cy="1608920"/>
+          </a:xfrm>
+          <a:prstGeom prst="rect">
+            <a:avLst/>
+          </a:prstGeom>
+        </p:spPr>
+      </p:pic>
+      <p:pic>
+        <p:nvPicPr>
+          <p:cNvPr id="5" name="Imagem 4" descr="Gráfico, Linha do tempo, Gráfico de barras">
+            <a:extLst>
+              <a:ext uri="{FF2B5EF4-FFF2-40B4-BE49-F238E27FC236}">
+                <a16:creationId xmlns:a16="http://schemas.microsoft.com/office/drawing/2014/main" id="{64F60B77-1E58-A39C-567F-0F90CCF00495}"/>
+              </a:ext>
+            </a:extLst>
+          </p:cNvPr>
+          <p:cNvPicPr>
+            <a:picLocks noChangeAspect="1"/>
+          </p:cNvPicPr>
+          <p:nvPr/>
+        </p:nvPicPr>
+        <p:blipFill>
+          <a:blip r:embed="rId4">
+            <a:extLst>
+              <a:ext uri="{28A0092B-C50C-407E-A947-70E740481C1C}">
+                <a14:useLocalDpi xmlns:a14="http://schemas.microsoft.com/office/drawing/2010/main" val="0"/>
+              </a:ext>
+            </a:extLst>
+          </a:blip>
+          <a:stretch>
+            <a:fillRect/>
+          </a:stretch>
+        </p:blipFill>
+        <p:spPr>
+          <a:xfrm>
+            <a:off x="808830" y="1574675"/>
+            <a:ext cx="7104539" cy="4719710"/>
+          </a:xfrm>
+          <a:prstGeom prst="rect">
+            <a:avLst/>
+          </a:prstGeom>
+        </p:spPr>
+      </p:pic>
+      <p:sp>
+        <p:nvSpPr>
+          <p:cNvPr id="2" name="CaixaDeTexto 1">
+            <a:extLst>
+              <a:ext uri="{FF2B5EF4-FFF2-40B4-BE49-F238E27FC236}">
+                <a16:creationId xmlns:a16="http://schemas.microsoft.com/office/drawing/2014/main" id="{D34F2A83-9C53-C62D-178F-4FDFC14F55F1}"/>
+              </a:ext>
+            </a:extLst>
+          </p:cNvPr>
+          <p:cNvSpPr txBox="1"/>
+          <p:nvPr/>
+        </p:nvSpPr>
+        <p:spPr>
+          <a:xfrm>
+            <a:off x="9042010" y="1574675"/>
+            <a:ext cx="2413000" cy="3693319"/>
+          </a:xfrm>
+          <a:prstGeom prst="rect">
+            <a:avLst/>
+          </a:prstGeom>
+          <a:noFill/>
+        </p:spPr>
+        <p:txBody>
+          <a:bodyPr wrap="square" rtlCol="0">
+            <a:spAutoFit/>
+          </a:bodyPr>
+          <a:lstStyle/>
+          <a:p>
+            <a:r>
+              <a:rPr lang="pt-BR" dirty="0"/>
+              <a:t>Embora São Paulo tenha a maior quantidade de delegacias especializadas, o fato de Minas Gerais ter o maior número de municípios pode indicar desafios maiores no acesso a serviços de proteção e investigação em áreas mais remotas.</a:t>
+            </a:r>
+          </a:p>
+        </p:txBody>
+      </p:sp>
+      <p:pic>
+        <p:nvPicPr>
+          <p:cNvPr id="7" name="Gráfico 6" descr="Rota (dois pinos em um caminho) estrutura de tópicos">
+            <a:extLst>
+              <a:ext uri="{FF2B5EF4-FFF2-40B4-BE49-F238E27FC236}">
+                <a16:creationId xmlns:a16="http://schemas.microsoft.com/office/drawing/2014/main" id="{D4315C0F-3711-4712-4867-EDFD2A5EB799}"/>
+              </a:ext>
+            </a:extLst>
+          </p:cNvPr>
+          <p:cNvPicPr>
+            <a:picLocks noChangeAspect="1"/>
+          </p:cNvPicPr>
+          <p:nvPr/>
+        </p:nvPicPr>
+        <p:blipFill>
+          <a:blip r:embed="rId5">
+            <a:extLst>
+              <a:ext uri="{96DAC541-7B7A-43D3-8B79-37D633B846F1}">
+                <asvg:svgBlip xmlns:asvg="http://schemas.microsoft.com/office/drawing/2016/SVG/main" r:embed="rId6"/>
+              </a:ext>
+            </a:extLst>
+          </a:blip>
+          <a:stretch>
+            <a:fillRect/>
+          </a:stretch>
+        </p:blipFill>
+        <p:spPr>
+          <a:xfrm>
+            <a:off x="10722699" y="5393377"/>
+            <a:ext cx="1464623" cy="1464623"/>
+          </a:xfrm>
+          <a:prstGeom prst="rect">
+            <a:avLst/>
+          </a:prstGeom>
+        </p:spPr>
+      </p:pic>
+      <p:pic>
+        <p:nvPicPr>
+          <p:cNvPr id="13" name="Gráfico 12" descr="Gráfico de dispersão com preenchimento sólido">
+            <a:extLst>
+              <a:ext uri="{FF2B5EF4-FFF2-40B4-BE49-F238E27FC236}">
+                <a16:creationId xmlns:a16="http://schemas.microsoft.com/office/drawing/2014/main" id="{66CA2780-7ADF-9A67-956E-7446B40BD825}"/>
+              </a:ext>
+            </a:extLst>
+          </p:cNvPr>
+          <p:cNvPicPr>
+            <a:picLocks noChangeAspect="1"/>
+          </p:cNvPicPr>
+          <p:nvPr/>
+        </p:nvPicPr>
+        <p:blipFill>
+          <a:blip r:embed="rId7">
+            <a:extLst>
+              <a:ext uri="{96DAC541-7B7A-43D3-8B79-37D633B846F1}">
+                <asvg:svgBlip xmlns:asvg="http://schemas.microsoft.com/office/drawing/2016/SVG/main" r:embed="rId8"/>
+              </a:ext>
+            </a:extLst>
+          </a:blip>
+          <a:stretch>
+            <a:fillRect/>
+          </a:stretch>
+        </p:blipFill>
+        <p:spPr>
+          <a:xfrm>
+            <a:off x="1017260" y="154641"/>
+            <a:ext cx="1275464" cy="1275464"/>
+          </a:xfrm>
+          <a:prstGeom prst="rect">
+            <a:avLst/>
+          </a:prstGeom>
+        </p:spPr>
+      </p:pic>
+      <p:sp>
+        <p:nvSpPr>
+          <p:cNvPr id="18" name="Retângulo 17">
+            <a:extLst>
+              <a:ext uri="{FF2B5EF4-FFF2-40B4-BE49-F238E27FC236}">
+                <a16:creationId xmlns:a16="http://schemas.microsoft.com/office/drawing/2014/main" id="{7C3A6EB5-ACE2-07A1-2004-797BE5A20A89}"/>
+              </a:ext>
+            </a:extLst>
+          </p:cNvPr>
+          <p:cNvSpPr/>
+          <p:nvPr/>
+        </p:nvSpPr>
+        <p:spPr>
+          <a:xfrm>
+            <a:off x="736990" y="2321427"/>
+            <a:ext cx="462418" cy="142703"/>
+          </a:xfrm>
+          <a:prstGeom prst="rect">
+            <a:avLst/>
+          </a:prstGeom>
+          <a:noFill/>
+        </p:spPr>
+        <p:style>
+          <a:lnRef idx="2">
+            <a:schemeClr val="accent3"/>
+          </a:lnRef>
+          <a:fillRef idx="1">
+            <a:schemeClr val="lt1"/>
+          </a:fillRef>
+          <a:effectRef idx="0">
+            <a:schemeClr val="accent3"/>
+          </a:effectRef>
+          <a:fontRef idx="minor">
+            <a:schemeClr val="dk1"/>
+          </a:fontRef>
+        </p:style>
+        <p:txBody>
+          <a:bodyPr rtlCol="0" anchor="ctr"/>
+          <a:lstStyle/>
+          <a:p>
+            <a:pPr algn="ctr"/>
+            <a:endParaRPr lang="pt-BR">
+              <a:ln w="0"/>
+              <a:solidFill>
+                <a:schemeClr val="tx1"/>
+              </a:solidFill>
+              <a:effectLst>
+                <a:outerShdw blurRad="38100" dist="19050" dir="2700000" algn="tl" rotWithShape="0">
+                  <a:schemeClr val="dk1">
+                    <a:alpha val="40000"/>
+                  </a:schemeClr>
+                </a:outerShdw>
+              </a:effectLst>
+            </a:endParaRPr>
+          </a:p>
+        </p:txBody>
+      </p:sp>
+      <p:sp>
+        <p:nvSpPr>
+          <p:cNvPr id="19" name="Retângulo 18">
+            <a:extLst>
+              <a:ext uri="{FF2B5EF4-FFF2-40B4-BE49-F238E27FC236}">
+                <a16:creationId xmlns:a16="http://schemas.microsoft.com/office/drawing/2014/main" id="{ADBCB1BE-E2A6-B327-F3DF-E3F5DB2C3B1A}"/>
+              </a:ext>
+            </a:extLst>
+          </p:cNvPr>
+          <p:cNvSpPr/>
+          <p:nvPr/>
+        </p:nvSpPr>
+        <p:spPr>
+          <a:xfrm>
+            <a:off x="736990" y="4457803"/>
+            <a:ext cx="462418" cy="142703"/>
+          </a:xfrm>
+          <a:prstGeom prst="rect">
+            <a:avLst/>
+          </a:prstGeom>
+          <a:noFill/>
+        </p:spPr>
+        <p:style>
+          <a:lnRef idx="2">
+            <a:schemeClr val="accent2"/>
+          </a:lnRef>
+          <a:fillRef idx="1">
+            <a:schemeClr val="lt1"/>
+          </a:fillRef>
+          <a:effectRef idx="0">
+            <a:schemeClr val="accent2"/>
+          </a:effectRef>
+          <a:fontRef idx="minor">
+            <a:schemeClr val="dk1"/>
+          </a:fontRef>
+        </p:style>
+        <p:txBody>
+          <a:bodyPr rtlCol="0" anchor="ctr"/>
+          <a:lstStyle/>
+          <a:p>
+            <a:pPr algn="ctr"/>
+            <a:endParaRPr lang="pt-BR">
+              <a:ln w="0"/>
+              <a:solidFill>
+                <a:schemeClr val="tx1"/>
+              </a:solidFill>
+              <a:effectLst>
+                <a:outerShdw blurRad="38100" dist="19050" dir="2700000" algn="tl" rotWithShape="0">
+                  <a:schemeClr val="dk1">
+                    <a:alpha val="40000"/>
+                  </a:schemeClr>
+                </a:outerShdw>
+              </a:effectLst>
+            </a:endParaRPr>
+          </a:p>
+        </p:txBody>
+      </p:sp>
+      <p:sp>
+        <p:nvSpPr>
+          <p:cNvPr id="20" name="Retângulo 19">
+            <a:extLst>
+              <a:ext uri="{FF2B5EF4-FFF2-40B4-BE49-F238E27FC236}">
+                <a16:creationId xmlns:a16="http://schemas.microsoft.com/office/drawing/2014/main" id="{F5A56FA8-D4A4-4A73-3422-B8DA4763D0F0}"/>
+              </a:ext>
+            </a:extLst>
+          </p:cNvPr>
+          <p:cNvSpPr/>
+          <p:nvPr/>
+        </p:nvSpPr>
+        <p:spPr>
+          <a:xfrm>
+            <a:off x="736990" y="2038505"/>
+            <a:ext cx="462418" cy="142703"/>
+          </a:xfrm>
+          <a:prstGeom prst="rect">
+            <a:avLst/>
+          </a:prstGeom>
+          <a:noFill/>
+        </p:spPr>
+        <p:style>
+          <a:lnRef idx="2">
+            <a:schemeClr val="accent6"/>
+          </a:lnRef>
+          <a:fillRef idx="1">
+            <a:schemeClr val="lt1"/>
+          </a:fillRef>
+          <a:effectRef idx="0">
+            <a:schemeClr val="accent6"/>
+          </a:effectRef>
+          <a:fontRef idx="minor">
+            <a:schemeClr val="dk1"/>
+          </a:fontRef>
+        </p:style>
+        <p:txBody>
+          <a:bodyPr rtlCol="0" anchor="ctr"/>
+          <a:lstStyle/>
+          <a:p>
+            <a:pPr algn="ctr"/>
+            <a:endParaRPr lang="pt-BR">
+              <a:ln w="0"/>
+              <a:solidFill>
+                <a:schemeClr val="tx1"/>
+              </a:solidFill>
+              <a:effectLst>
+                <a:outerShdw blurRad="38100" dist="19050" dir="2700000" algn="tl" rotWithShape="0">
+                  <a:schemeClr val="dk1">
+                    <a:alpha val="40000"/>
+                  </a:schemeClr>
+                </a:outerShdw>
+              </a:effectLst>
+            </a:endParaRPr>
+          </a:p>
+        </p:txBody>
+      </p:sp>
+      <p:cxnSp>
+        <p:nvCxnSpPr>
+          <p:cNvPr id="22" name="Conector reto 21">
+            <a:extLst>
+              <a:ext uri="{FF2B5EF4-FFF2-40B4-BE49-F238E27FC236}">
+                <a16:creationId xmlns:a16="http://schemas.microsoft.com/office/drawing/2014/main" id="{2A902880-C11A-70B1-06B1-960901AD91EE}"/>
+              </a:ext>
+            </a:extLst>
+          </p:cNvPr>
+          <p:cNvCxnSpPr/>
+          <p:nvPr/>
+        </p:nvCxnSpPr>
+        <p:spPr>
+          <a:xfrm>
+            <a:off x="1888177" y="4600506"/>
+            <a:ext cx="0" cy="1420284"/>
+          </a:xfrm>
+          <a:prstGeom prst="line">
+            <a:avLst/>
+          </a:prstGeom>
+        </p:spPr>
+        <p:style>
+          <a:lnRef idx="1">
+            <a:schemeClr val="accent1"/>
+          </a:lnRef>
+          <a:fillRef idx="0">
+            <a:schemeClr val="accent1"/>
+          </a:fillRef>
+          <a:effectRef idx="0">
+            <a:schemeClr val="accent1"/>
+          </a:effectRef>
+          <a:fontRef idx="minor">
+            <a:schemeClr val="tx1"/>
+          </a:fontRef>
+        </p:style>
+      </p:cxnSp>
+      <p:cxnSp>
+        <p:nvCxnSpPr>
+          <p:cNvPr id="24" name="Conector reto 23">
+            <a:extLst>
+              <a:ext uri="{FF2B5EF4-FFF2-40B4-BE49-F238E27FC236}">
+                <a16:creationId xmlns:a16="http://schemas.microsoft.com/office/drawing/2014/main" id="{D03B7513-122D-A546-32CA-6547CFB94B5F}"/>
+              </a:ext>
+            </a:extLst>
+          </p:cNvPr>
+          <p:cNvCxnSpPr/>
+          <p:nvPr/>
+        </p:nvCxnSpPr>
+        <p:spPr>
+          <a:xfrm>
+            <a:off x="7499268" y="2181208"/>
+            <a:ext cx="0" cy="3798018"/>
+          </a:xfrm>
+          <a:prstGeom prst="line">
+            <a:avLst/>
+          </a:prstGeom>
+        </p:spPr>
+        <p:style>
+          <a:lnRef idx="1">
+            <a:schemeClr val="accent1"/>
+          </a:lnRef>
+          <a:fillRef idx="0">
+            <a:schemeClr val="accent1"/>
+          </a:fillRef>
+          <a:effectRef idx="0">
+            <a:schemeClr val="accent1"/>
+          </a:effectRef>
+          <a:fontRef idx="minor">
+            <a:schemeClr val="tx1"/>
+          </a:fontRef>
+        </p:style>
+      </p:cxnSp>
+      <p:cxnSp>
+        <p:nvCxnSpPr>
+          <p:cNvPr id="26" name="Conector reto 25">
+            <a:extLst>
+              <a:ext uri="{FF2B5EF4-FFF2-40B4-BE49-F238E27FC236}">
+                <a16:creationId xmlns:a16="http://schemas.microsoft.com/office/drawing/2014/main" id="{C16DA135-D93B-C5E4-8FDC-2612EF89868D}"/>
+              </a:ext>
+            </a:extLst>
+          </p:cNvPr>
+          <p:cNvCxnSpPr/>
+          <p:nvPr/>
+        </p:nvCxnSpPr>
+        <p:spPr>
+          <a:xfrm>
+            <a:off x="4889249" y="2464130"/>
+            <a:ext cx="0" cy="3515096"/>
+          </a:xfrm>
+          <a:prstGeom prst="line">
+            <a:avLst/>
+          </a:prstGeom>
+        </p:spPr>
+        <p:style>
+          <a:lnRef idx="1">
+            <a:schemeClr val="accent1"/>
+          </a:lnRef>
+          <a:fillRef idx="0">
+            <a:schemeClr val="accent1"/>
+          </a:fillRef>
+          <a:effectRef idx="0">
+            <a:schemeClr val="accent1"/>
+          </a:effectRef>
+          <a:fontRef idx="minor">
+            <a:schemeClr val="tx1"/>
+          </a:fontRef>
+        </p:style>
+      </p:cxnSp>
+      <p:pic>
+        <p:nvPicPr>
+          <p:cNvPr id="14" name="Imagem 13">
+            <a:extLst>
+              <a:ext uri="{FF2B5EF4-FFF2-40B4-BE49-F238E27FC236}">
+                <a16:creationId xmlns:a16="http://schemas.microsoft.com/office/drawing/2014/main" id="{07D40F32-8C24-31F9-3ECE-A7229891A344}"/>
+              </a:ext>
+            </a:extLst>
+          </p:cNvPr>
+          <p:cNvPicPr>
+            <a:picLocks noChangeAspect="1"/>
+          </p:cNvPicPr>
+          <p:nvPr/>
+        </p:nvPicPr>
+        <p:blipFill>
+          <a:blip r:embed="rId9"/>
+          <a:stretch>
+            <a:fillRect/>
+          </a:stretch>
+        </p:blipFill>
+        <p:spPr>
+          <a:xfrm>
+            <a:off x="4475360" y="2959696"/>
+            <a:ext cx="4462659" cy="2523963"/>
+          </a:xfrm>
+          <a:prstGeom prst="rect">
+            <a:avLst/>
+          </a:prstGeom>
+        </p:spPr>
+      </p:pic>
+      <p:sp>
+        <p:nvSpPr>
+          <p:cNvPr id="15" name="Retângulo 14">
+            <a:extLst>
+              <a:ext uri="{FF2B5EF4-FFF2-40B4-BE49-F238E27FC236}">
+                <a16:creationId xmlns:a16="http://schemas.microsoft.com/office/drawing/2014/main" id="{B5B60B7C-E984-DE2E-EF00-459E2E542407}"/>
+              </a:ext>
+            </a:extLst>
+          </p:cNvPr>
+          <p:cNvSpPr/>
+          <p:nvPr/>
+        </p:nvSpPr>
+        <p:spPr>
+          <a:xfrm>
+            <a:off x="4492398" y="3585634"/>
+            <a:ext cx="1056300" cy="159026"/>
+          </a:xfrm>
+          <a:prstGeom prst="rect">
+            <a:avLst/>
+          </a:prstGeom>
+          <a:noFill/>
+        </p:spPr>
+        <p:style>
+          <a:lnRef idx="2">
+            <a:schemeClr val="accent2"/>
+          </a:lnRef>
+          <a:fillRef idx="1">
+            <a:schemeClr val="lt1"/>
+          </a:fillRef>
+          <a:effectRef idx="0">
+            <a:schemeClr val="accent2"/>
+          </a:effectRef>
+          <a:fontRef idx="minor">
+            <a:schemeClr val="dk1"/>
+          </a:fontRef>
+        </p:style>
+        <p:txBody>
+          <a:bodyPr rtlCol="0" anchor="ctr"/>
+          <a:lstStyle/>
+          <a:p>
+            <a:pPr algn="ctr"/>
+            <a:endParaRPr lang="pt-BR">
+              <a:ln w="0"/>
+              <a:solidFill>
+                <a:schemeClr val="tx1"/>
+              </a:solidFill>
+              <a:effectLst>
+                <a:outerShdw blurRad="38100" dist="19050" dir="2700000" algn="tl" rotWithShape="0">
+                  <a:schemeClr val="dk1">
+                    <a:alpha val="40000"/>
+                  </a:schemeClr>
+                </a:outerShdw>
+              </a:effectLst>
+            </a:endParaRPr>
+          </a:p>
+        </p:txBody>
+      </p:sp>
+      <p:sp>
+        <p:nvSpPr>
+          <p:cNvPr id="16" name="Retângulo 15">
+            <a:extLst>
+              <a:ext uri="{FF2B5EF4-FFF2-40B4-BE49-F238E27FC236}">
+                <a16:creationId xmlns:a16="http://schemas.microsoft.com/office/drawing/2014/main" id="{0EB3D87E-B4FC-FA32-C8F5-6DEBC48D04EF}"/>
+              </a:ext>
+            </a:extLst>
+          </p:cNvPr>
+          <p:cNvSpPr/>
+          <p:nvPr/>
+        </p:nvSpPr>
+        <p:spPr>
+          <a:xfrm>
+            <a:off x="4492398" y="3779302"/>
+            <a:ext cx="1056300" cy="159026"/>
+          </a:xfrm>
+          <a:prstGeom prst="rect">
+            <a:avLst/>
+          </a:prstGeom>
+          <a:noFill/>
+        </p:spPr>
+        <p:style>
+          <a:lnRef idx="2">
+            <a:schemeClr val="accent6"/>
+          </a:lnRef>
+          <a:fillRef idx="1">
+            <a:schemeClr val="lt1"/>
+          </a:fillRef>
+          <a:effectRef idx="0">
+            <a:schemeClr val="accent6"/>
+          </a:effectRef>
+          <a:fontRef idx="minor">
+            <a:schemeClr val="dk1"/>
+          </a:fontRef>
+        </p:style>
+        <p:txBody>
+          <a:bodyPr rtlCol="0" anchor="ctr"/>
+          <a:lstStyle/>
+          <a:p>
+            <a:pPr algn="ctr"/>
+            <a:endParaRPr lang="pt-BR">
+              <a:ln w="0"/>
+              <a:solidFill>
+                <a:schemeClr val="tx1"/>
+              </a:solidFill>
+              <a:effectLst>
+                <a:outerShdw blurRad="38100" dist="19050" dir="2700000" algn="tl" rotWithShape="0">
+                  <a:schemeClr val="dk1">
+                    <a:alpha val="40000"/>
+                  </a:schemeClr>
+                </a:outerShdw>
+              </a:effectLst>
+            </a:endParaRPr>
+          </a:p>
+        </p:txBody>
+      </p:sp>
+      <p:sp>
+        <p:nvSpPr>
+          <p:cNvPr id="17" name="Retângulo 16">
+            <a:extLst>
+              <a:ext uri="{FF2B5EF4-FFF2-40B4-BE49-F238E27FC236}">
+                <a16:creationId xmlns:a16="http://schemas.microsoft.com/office/drawing/2014/main" id="{9EA70443-F136-C3C3-3BD1-F45EAFC555F8}"/>
+              </a:ext>
+            </a:extLst>
+          </p:cNvPr>
+          <p:cNvSpPr/>
+          <p:nvPr/>
+        </p:nvSpPr>
+        <p:spPr>
+          <a:xfrm>
+            <a:off x="4492398" y="3975879"/>
+            <a:ext cx="1056300" cy="159026"/>
+          </a:xfrm>
+          <a:prstGeom prst="rect">
+            <a:avLst/>
+          </a:prstGeom>
+          <a:noFill/>
+        </p:spPr>
+        <p:style>
+          <a:lnRef idx="2">
+            <a:schemeClr val="accent3"/>
+          </a:lnRef>
+          <a:fillRef idx="1">
+            <a:schemeClr val="lt1"/>
+          </a:fillRef>
+          <a:effectRef idx="0">
+            <a:schemeClr val="accent3"/>
+          </a:effectRef>
+          <a:fontRef idx="minor">
+            <a:schemeClr val="dk1"/>
+          </a:fontRef>
+        </p:style>
+        <p:txBody>
+          <a:bodyPr rtlCol="0" anchor="ctr"/>
+          <a:lstStyle/>
+          <a:p>
+            <a:pPr algn="ctr"/>
+            <a:endParaRPr lang="pt-BR">
+              <a:ln w="0"/>
+              <a:solidFill>
+                <a:schemeClr val="tx1"/>
+              </a:solidFill>
+              <a:effectLst>
+                <a:outerShdw blurRad="38100" dist="19050" dir="2700000" algn="tl" rotWithShape="0">
+                  <a:schemeClr val="dk1">
+                    <a:alpha val="40000"/>
+                  </a:schemeClr>
+                </a:outerShdw>
+              </a:effectLst>
+            </a:endParaRPr>
+          </a:p>
+        </p:txBody>
+      </p:sp>
+    </p:spTree>
+    <p:extLst>
+      <p:ext uri="{BB962C8B-B14F-4D97-AF65-F5344CB8AC3E}">
+        <p14:creationId xmlns:p14="http://schemas.microsoft.com/office/powerpoint/2010/main" val="95992585"/>
+      </p:ext>
+    </p:extLst>
+  </p:cSld>
+  <p:clrMapOvr>
+    <a:masterClrMapping/>
+  </p:clrMapOvr>
+  <mc:AlternateContent xmlns:mc="http://schemas.openxmlformats.org/markup-compatibility/2006" xmlns:p14="http://schemas.microsoft.com/office/powerpoint/2010/main">
+    <mc:Choice Requires="p14">
+      <p:transition spd="slow" p14:dur="2000" advTm="26936"/>
+    </mc:Choice>
+    <mc:Fallback xmlns="">
+      <p:transition spd="slow" advTm="26936"/>
+    </mc:Fallback>
+  </mc:AlternateContent>
+  <p:timing>
+    <p:tnLst>
+      <p:par>
+        <p:cTn id="1" dur="indefinite" restart="never" nodeType="tmRoot">
+          <p:childTnLst>
+            <p:seq concurrent="1" nextAc="seek">
+              <p:cTn id="2" dur="indefinite" nodeType="mainSeq">
+                <p:childTnLst>
+                  <p:par>
+                    <p:cTn id="3" fill="hold">
+                      <p:stCondLst>
+                        <p:cond delay="indefinite"/>
+                      </p:stCondLst>
+                      <p:childTnLst>
+                        <p:par>
+                          <p:cTn id="4" fill="hold">
+                            <p:stCondLst>
+                              <p:cond delay="0"/>
+                            </p:stCondLst>
+                            <p:childTnLst>
+                              <p:par>
+                                <p:cTn id="5" presetID="2" presetClass="entr" presetSubtype="4" fill="hold" grpId="0" nodeType="clickEffect">
+                                  <p:stCondLst>
+                                    <p:cond delay="0"/>
+                                  </p:stCondLst>
+                                  <p:childTnLst>
+                                    <p:set>
+                                      <p:cBhvr>
+                                        <p:cTn id="6" dur="1" fill="hold">
+                                          <p:stCondLst>
+                                            <p:cond delay="0"/>
+                                          </p:stCondLst>
+                                        </p:cTn>
+                                        <p:tgtEl>
+                                          <p:spTgt spid="15"/>
+                                        </p:tgtEl>
+                                        <p:attrNameLst>
+                                          <p:attrName>style.visibility</p:attrName>
+                                        </p:attrNameLst>
+                                      </p:cBhvr>
+                                      <p:to>
+                                        <p:strVal val="visible"/>
+                                      </p:to>
+                                    </p:set>
+                                    <p:anim calcmode="lin" valueType="num">
+                                      <p:cBhvr additive="base">
+                                        <p:cTn id="7" dur="500" fill="hold"/>
+                                        <p:tgtEl>
+                                          <p:spTgt spid="15"/>
+                                        </p:tgtEl>
+                                        <p:attrNameLst>
+                                          <p:attrName>ppt_x</p:attrName>
+                                        </p:attrNameLst>
+                                      </p:cBhvr>
+                                      <p:tavLst>
+                                        <p:tav tm="0">
+                                          <p:val>
+                                            <p:strVal val="#ppt_x"/>
+                                          </p:val>
+                                        </p:tav>
+                                        <p:tav tm="100000">
+                                          <p:val>
+                                            <p:strVal val="#ppt_x"/>
+                                          </p:val>
+                                        </p:tav>
+                                      </p:tavLst>
+                                    </p:anim>
+                                    <p:anim calcmode="lin" valueType="num">
+                                      <p:cBhvr additive="base">
+                                        <p:cTn id="8" dur="500" fill="hold"/>
+                                        <p:tgtEl>
+                                          <p:spTgt spid="15"/>
+                                        </p:tgtEl>
+                                        <p:attrNameLst>
+                                          <p:attrName>ppt_y</p:attrName>
+                                        </p:attrNameLst>
+                                      </p:cBhvr>
+                                      <p:tavLst>
+                                        <p:tav tm="0">
+                                          <p:val>
+                                            <p:strVal val="1+#ppt_h/2"/>
+                                          </p:val>
+                                        </p:tav>
+                                        <p:tav tm="100000">
+                                          <p:val>
+                                            <p:strVal val="#ppt_y"/>
+                                          </p:val>
+                                        </p:tav>
+                                      </p:tavLst>
+                                    </p:anim>
+                                  </p:childTnLst>
+                                </p:cTn>
+                              </p:par>
+                            </p:childTnLst>
+                          </p:cTn>
+                        </p:par>
+                      </p:childTnLst>
+                    </p:cTn>
+                  </p:par>
+                  <p:par>
+                    <p:cTn id="9" fill="hold">
+                      <p:stCondLst>
+                        <p:cond delay="indefinite"/>
+                      </p:stCondLst>
+                      <p:childTnLst>
+                        <p:par>
+                          <p:cTn id="10" fill="hold">
+                            <p:stCondLst>
+                              <p:cond delay="0"/>
+                            </p:stCondLst>
+                            <p:childTnLst>
+                              <p:par>
+                                <p:cTn id="11" presetID="2" presetClass="entr" presetSubtype="4" fill="hold" grpId="0" nodeType="clickEffect">
+                                  <p:stCondLst>
+                                    <p:cond delay="0"/>
+                                  </p:stCondLst>
+                                  <p:childTnLst>
+                                    <p:set>
+                                      <p:cBhvr>
+                                        <p:cTn id="12" dur="1" fill="hold">
+                                          <p:stCondLst>
+                                            <p:cond delay="0"/>
+                                          </p:stCondLst>
+                                        </p:cTn>
+                                        <p:tgtEl>
+                                          <p:spTgt spid="16"/>
+                                        </p:tgtEl>
+                                        <p:attrNameLst>
+                                          <p:attrName>style.visibility</p:attrName>
+                                        </p:attrNameLst>
+                                      </p:cBhvr>
+                                      <p:to>
+                                        <p:strVal val="visible"/>
+                                      </p:to>
+                                    </p:set>
+                                    <p:anim calcmode="lin" valueType="num">
+                                      <p:cBhvr additive="base">
+                                        <p:cTn id="13" dur="500" fill="hold"/>
+                                        <p:tgtEl>
+                                          <p:spTgt spid="16"/>
+                                        </p:tgtEl>
+                                        <p:attrNameLst>
+                                          <p:attrName>ppt_x</p:attrName>
+                                        </p:attrNameLst>
+                                      </p:cBhvr>
+                                      <p:tavLst>
+                                        <p:tav tm="0">
+                                          <p:val>
+                                            <p:strVal val="#ppt_x"/>
+                                          </p:val>
+                                        </p:tav>
+                                        <p:tav tm="100000">
+                                          <p:val>
+                                            <p:strVal val="#ppt_x"/>
+                                          </p:val>
+                                        </p:tav>
+                                      </p:tavLst>
+                                    </p:anim>
+                                    <p:anim calcmode="lin" valueType="num">
+                                      <p:cBhvr additive="base">
+                                        <p:cTn id="14" dur="500" fill="hold"/>
+                                        <p:tgtEl>
+                                          <p:spTgt spid="16"/>
+                                        </p:tgtEl>
+                                        <p:attrNameLst>
+                                          <p:attrName>ppt_y</p:attrName>
+                                        </p:attrNameLst>
+                                      </p:cBhvr>
+                                      <p:tavLst>
+                                        <p:tav tm="0">
+                                          <p:val>
+                                            <p:strVal val="1+#ppt_h/2"/>
+                                          </p:val>
+                                        </p:tav>
+                                        <p:tav tm="100000">
+                                          <p:val>
+                                            <p:strVal val="#ppt_y"/>
+                                          </p:val>
+                                        </p:tav>
+                                      </p:tavLst>
+                                    </p:anim>
+                                  </p:childTnLst>
+                                </p:cTn>
+                              </p:par>
+                            </p:childTnLst>
+                          </p:cTn>
+                        </p:par>
+                      </p:childTnLst>
+                    </p:cTn>
+                  </p:par>
+                  <p:par>
+                    <p:cTn id="15" fill="hold">
+                      <p:stCondLst>
+                        <p:cond delay="indefinite"/>
+                      </p:stCondLst>
+                      <p:childTnLst>
+                        <p:par>
+                          <p:cTn id="16" fill="hold">
+                            <p:stCondLst>
+                              <p:cond delay="0"/>
+                            </p:stCondLst>
+                            <p:childTnLst>
+                              <p:par>
+                                <p:cTn id="17" presetID="2" presetClass="entr" presetSubtype="4" fill="hold" grpId="0" nodeType="clickEffect">
+                                  <p:stCondLst>
+                                    <p:cond delay="0"/>
+                                  </p:stCondLst>
+                                  <p:childTnLst>
+                                    <p:set>
+                                      <p:cBhvr>
+                                        <p:cTn id="18" dur="1" fill="hold">
+                                          <p:stCondLst>
+                                            <p:cond delay="0"/>
+                                          </p:stCondLst>
+                                        </p:cTn>
+                                        <p:tgtEl>
+                                          <p:spTgt spid="17"/>
+                                        </p:tgtEl>
+                                        <p:attrNameLst>
+                                          <p:attrName>style.visibility</p:attrName>
+                                        </p:attrNameLst>
+                                      </p:cBhvr>
+                                      <p:to>
+                                        <p:strVal val="visible"/>
+                                      </p:to>
+                                    </p:set>
+                                    <p:anim calcmode="lin" valueType="num">
+                                      <p:cBhvr additive="base">
+                                        <p:cTn id="19" dur="500" fill="hold"/>
+                                        <p:tgtEl>
+                                          <p:spTgt spid="17"/>
+                                        </p:tgtEl>
+                                        <p:attrNameLst>
+                                          <p:attrName>ppt_x</p:attrName>
+                                        </p:attrNameLst>
+                                      </p:cBhvr>
+                                      <p:tavLst>
+                                        <p:tav tm="0">
+                                          <p:val>
+                                            <p:strVal val="#ppt_x"/>
+                                          </p:val>
+                                        </p:tav>
+                                        <p:tav tm="100000">
+                                          <p:val>
+                                            <p:strVal val="#ppt_x"/>
+                                          </p:val>
+                                        </p:tav>
+                                      </p:tavLst>
+                                    </p:anim>
+                                    <p:anim calcmode="lin" valueType="num">
+                                      <p:cBhvr additive="base">
+                                        <p:cTn id="20" dur="500" fill="hold"/>
+                                        <p:tgtEl>
+                                          <p:spTgt spid="17"/>
+                                        </p:tgtEl>
+                                        <p:attrNameLst>
+                                          <p:attrName>ppt_y</p:attrName>
+                                        </p:attrNameLst>
+                                      </p:cBhvr>
+                                      <p:tavLst>
+                                        <p:tav tm="0">
+                                          <p:val>
+                                            <p:strVal val="1+#ppt_h/2"/>
+                                          </p:val>
+                                        </p:tav>
+                                        <p:tav tm="100000">
+                                          <p:val>
+                                            <p:strVal val="#ppt_y"/>
+                                          </p:val>
+                                        </p:tav>
+                                      </p:tavLst>
+                                    </p:anim>
+                                  </p:childTnLst>
+                                </p:cTn>
+                              </p:par>
+                            </p:childTnLst>
+                          </p:cTn>
+                        </p:par>
+                      </p:childTnLst>
+                    </p:cTn>
+                  </p:par>
+                  <p:par>
+                    <p:cTn id="21" fill="hold">
+                      <p:stCondLst>
+                        <p:cond delay="indefinite"/>
+                      </p:stCondLst>
+                      <p:childTnLst>
+                        <p:par>
+                          <p:cTn id="22" fill="hold">
+                            <p:stCondLst>
+                              <p:cond delay="0"/>
+                            </p:stCondLst>
+                            <p:childTnLst>
+                              <p:par>
+                                <p:cTn id="23" presetID="2" presetClass="entr" presetSubtype="4" fill="hold" grpId="0" nodeType="clickEffect">
+                                  <p:stCondLst>
+                                    <p:cond delay="0"/>
+                                  </p:stCondLst>
+                                  <p:childTnLst>
+                                    <p:set>
+                                      <p:cBhvr>
+                                        <p:cTn id="24" dur="1" fill="hold">
+                                          <p:stCondLst>
+                                            <p:cond delay="0"/>
+                                          </p:stCondLst>
+                                        </p:cTn>
+                                        <p:tgtEl>
+                                          <p:spTgt spid="18"/>
+                                        </p:tgtEl>
+                                        <p:attrNameLst>
+                                          <p:attrName>style.visibility</p:attrName>
+                                        </p:attrNameLst>
+                                      </p:cBhvr>
+                                      <p:to>
+                                        <p:strVal val="visible"/>
+                                      </p:to>
+                                    </p:set>
+                                    <p:anim calcmode="lin" valueType="num">
+                                      <p:cBhvr additive="base">
+                                        <p:cTn id="25" dur="500" fill="hold"/>
+                                        <p:tgtEl>
+                                          <p:spTgt spid="18"/>
+                                        </p:tgtEl>
+                                        <p:attrNameLst>
+                                          <p:attrName>ppt_x</p:attrName>
+                                        </p:attrNameLst>
+                                      </p:cBhvr>
+                                      <p:tavLst>
+                                        <p:tav tm="0">
+                                          <p:val>
+                                            <p:strVal val="#ppt_x"/>
+                                          </p:val>
+                                        </p:tav>
+                                        <p:tav tm="100000">
+                                          <p:val>
+                                            <p:strVal val="#ppt_x"/>
+                                          </p:val>
+                                        </p:tav>
+                                      </p:tavLst>
+                                    </p:anim>
+                                    <p:anim calcmode="lin" valueType="num">
+                                      <p:cBhvr additive="base">
+                                        <p:cTn id="26" dur="500" fill="hold"/>
+                                        <p:tgtEl>
+                                          <p:spTgt spid="18"/>
+                                        </p:tgtEl>
+                                        <p:attrNameLst>
+                                          <p:attrName>ppt_y</p:attrName>
+                                        </p:attrNameLst>
+                                      </p:cBhvr>
+                                      <p:tavLst>
+                                        <p:tav tm="0">
+                                          <p:val>
+                                            <p:strVal val="1+#ppt_h/2"/>
+                                          </p:val>
+                                        </p:tav>
+                                        <p:tav tm="100000">
+                                          <p:val>
+                                            <p:strVal val="#ppt_y"/>
+                                          </p:val>
+                                        </p:tav>
+                                      </p:tavLst>
+                                    </p:anim>
+                                  </p:childTnLst>
+                                </p:cTn>
+                              </p:par>
+                            </p:childTnLst>
+                          </p:cTn>
+                        </p:par>
+                      </p:childTnLst>
+                    </p:cTn>
+                  </p:par>
+                  <p:par>
+                    <p:cTn id="27" fill="hold">
+                      <p:stCondLst>
+                        <p:cond delay="indefinite"/>
+                      </p:stCondLst>
+                      <p:childTnLst>
+                        <p:par>
+                          <p:cTn id="28" fill="hold">
+                            <p:stCondLst>
+                              <p:cond delay="0"/>
+                            </p:stCondLst>
+                            <p:childTnLst>
+                              <p:par>
+                                <p:cTn id="29" presetID="2" presetClass="entr" presetSubtype="4" fill="hold" grpId="0" nodeType="clickEffect">
+                                  <p:stCondLst>
+                                    <p:cond delay="0"/>
+                                  </p:stCondLst>
+                                  <p:childTnLst>
+                                    <p:set>
+                                      <p:cBhvr>
+                                        <p:cTn id="30" dur="1" fill="hold">
+                                          <p:stCondLst>
+                                            <p:cond delay="0"/>
+                                          </p:stCondLst>
+                                        </p:cTn>
+                                        <p:tgtEl>
+                                          <p:spTgt spid="19"/>
+                                        </p:tgtEl>
+                                        <p:attrNameLst>
+                                          <p:attrName>style.visibility</p:attrName>
+                                        </p:attrNameLst>
+                                      </p:cBhvr>
+                                      <p:to>
+                                        <p:strVal val="visible"/>
+                                      </p:to>
+                                    </p:set>
+                                    <p:anim calcmode="lin" valueType="num">
+                                      <p:cBhvr additive="base">
+                                        <p:cTn id="31" dur="500" fill="hold"/>
+                                        <p:tgtEl>
+                                          <p:spTgt spid="19"/>
+                                        </p:tgtEl>
+                                        <p:attrNameLst>
+                                          <p:attrName>ppt_x</p:attrName>
+                                        </p:attrNameLst>
+                                      </p:cBhvr>
+                                      <p:tavLst>
+                                        <p:tav tm="0">
+                                          <p:val>
+                                            <p:strVal val="#ppt_x"/>
+                                          </p:val>
+                                        </p:tav>
+                                        <p:tav tm="100000">
+                                          <p:val>
+                                            <p:strVal val="#ppt_x"/>
+                                          </p:val>
+                                        </p:tav>
+                                      </p:tavLst>
+                                    </p:anim>
+                                    <p:anim calcmode="lin" valueType="num">
+                                      <p:cBhvr additive="base">
+                                        <p:cTn id="32" dur="500" fill="hold"/>
+                                        <p:tgtEl>
+                                          <p:spTgt spid="19"/>
+                                        </p:tgtEl>
+                                        <p:attrNameLst>
+                                          <p:attrName>ppt_y</p:attrName>
+                                        </p:attrNameLst>
+                                      </p:cBhvr>
+                                      <p:tavLst>
+                                        <p:tav tm="0">
+                                          <p:val>
+                                            <p:strVal val="1+#ppt_h/2"/>
+                                          </p:val>
+                                        </p:tav>
+                                        <p:tav tm="100000">
+                                          <p:val>
+                                            <p:strVal val="#ppt_y"/>
+                                          </p:val>
+                                        </p:tav>
+                                      </p:tavLst>
+                                    </p:anim>
+                                  </p:childTnLst>
+                                </p:cTn>
+                              </p:par>
+                            </p:childTnLst>
+                          </p:cTn>
+                        </p:par>
+                      </p:childTnLst>
+                    </p:cTn>
+                  </p:par>
+                  <p:par>
+                    <p:cTn id="33" fill="hold">
+                      <p:stCondLst>
+                        <p:cond delay="indefinite"/>
+                      </p:stCondLst>
+                      <p:childTnLst>
+                        <p:par>
+                          <p:cTn id="34" fill="hold">
+                            <p:stCondLst>
+                              <p:cond delay="0"/>
+                            </p:stCondLst>
+                            <p:childTnLst>
+                              <p:par>
+                                <p:cTn id="35" presetID="2" presetClass="entr" presetSubtype="4" fill="hold" grpId="0" nodeType="clickEffect">
+                                  <p:stCondLst>
+                                    <p:cond delay="0"/>
+                                  </p:stCondLst>
+                                  <p:childTnLst>
+                                    <p:set>
+                                      <p:cBhvr>
+                                        <p:cTn id="36" dur="1" fill="hold">
+                                          <p:stCondLst>
+                                            <p:cond delay="0"/>
+                                          </p:stCondLst>
+                                        </p:cTn>
+                                        <p:tgtEl>
+                                          <p:spTgt spid="20"/>
+                                        </p:tgtEl>
+                                        <p:attrNameLst>
+                                          <p:attrName>style.visibility</p:attrName>
+                                        </p:attrNameLst>
+                                      </p:cBhvr>
+                                      <p:to>
+                                        <p:strVal val="visible"/>
+                                      </p:to>
+                                    </p:set>
+                                    <p:anim calcmode="lin" valueType="num">
+                                      <p:cBhvr additive="base">
+                                        <p:cTn id="37" dur="500" fill="hold"/>
+                                        <p:tgtEl>
+                                          <p:spTgt spid="20"/>
+                                        </p:tgtEl>
+                                        <p:attrNameLst>
+                                          <p:attrName>ppt_x</p:attrName>
+                                        </p:attrNameLst>
+                                      </p:cBhvr>
+                                      <p:tavLst>
+                                        <p:tav tm="0">
+                                          <p:val>
+                                            <p:strVal val="#ppt_x"/>
+                                          </p:val>
+                                        </p:tav>
+                                        <p:tav tm="100000">
+                                          <p:val>
+                                            <p:strVal val="#ppt_x"/>
+                                          </p:val>
+                                        </p:tav>
+                                      </p:tavLst>
+                                    </p:anim>
+                                    <p:anim calcmode="lin" valueType="num">
+                                      <p:cBhvr additive="base">
+                                        <p:cTn id="38" dur="500" fill="hold"/>
+                                        <p:tgtEl>
+                                          <p:spTgt spid="20"/>
+                                        </p:tgtEl>
+                                        <p:attrNameLst>
+                                          <p:attrName>ppt_y</p:attrName>
+                                        </p:attrNameLst>
+                                      </p:cBhvr>
+                                      <p:tavLst>
+                                        <p:tav tm="0">
+                                          <p:val>
+                                            <p:strVal val="1+#ppt_h/2"/>
+                                          </p:val>
+                                        </p:tav>
+                                        <p:tav tm="100000">
+                                          <p:val>
+                                            <p:strVal val="#ppt_y"/>
+                                          </p:val>
+                                        </p:tav>
+                                      </p:tavLst>
+                                    </p:anim>
+                                  </p:childTnLst>
+                                </p:cTn>
+                              </p:par>
+                            </p:childTnLst>
+                          </p:cTn>
+                        </p:par>
+                      </p:childTnLst>
+                    </p:cTn>
+                  </p:par>
+                </p:childTnLst>
+              </p:cTn>
+              <p:prevCondLst>
+                <p:cond evt="onPrev" delay="0">
+                  <p:tgtEl>
+                    <p:sldTgt/>
+                  </p:tgtEl>
+                </p:cond>
+              </p:prevCondLst>
+              <p:nextCondLst>
+                <p:cond evt="onNext" delay="0">
+                  <p:tgtEl>
+                    <p:sldTgt/>
+                  </p:tgtEl>
+                </p:cond>
+              </p:nextCondLst>
+            </p:seq>
+          </p:childTnLst>
+        </p:cTn>
+      </p:par>
+    </p:tnLst>
+    <p:bldLst>
+      <p:bldP spid="18" grpId="0" animBg="1"/>
+      <p:bldP spid="19" grpId="0" animBg="1"/>
+      <p:bldP spid="20" grpId="0" animBg="1"/>
+      <p:bldP spid="15" grpId="0" animBg="1"/>
+      <p:bldP spid="16" grpId="0" animBg="1"/>
+      <p:bldP spid="17" grpId="0" animBg="1"/>
+    </p:bldLst>
+  </p:timing>
+</p:sld>
+</file>
+
+<file path=ppt/slides/slide6.xml><?xml version="1.0" encoding="utf-8"?>
+<p:sld xmlns:a="http://schemas.openxmlformats.org/drawingml/2006/main" xmlns:r="http://schemas.openxmlformats.org/officeDocument/2006/relationships" xmlns:p="http://schemas.openxmlformats.org/presentationml/2006/main">
+  <p:cSld>
+    <p:spTree>
+      <p:nvGrpSpPr>
+        <p:cNvPr id="1" name=""/>
+        <p:cNvGrpSpPr/>
+        <p:nvPr/>
+      </p:nvGrpSpPr>
+      <p:grpSpPr>
+        <a:xfrm>
+          <a:off x="0" y="0"/>
+          <a:ext cx="0" cy="0"/>
+          <a:chOff x="0" y="0"/>
+          <a:chExt cx="0" cy="0"/>
+        </a:xfrm>
+      </p:grpSpPr>
+      <p:sp>
+        <p:nvSpPr>
+          <p:cNvPr id="2" name="CaixaDeTexto 1">
+            <a:extLst>
+              <a:ext uri="{FF2B5EF4-FFF2-40B4-BE49-F238E27FC236}">
+                <a16:creationId xmlns:a16="http://schemas.microsoft.com/office/drawing/2014/main" id="{B47CBC4C-9364-26BA-A96C-57C98651DF0E}"/>
+              </a:ext>
+            </a:extLst>
+          </p:cNvPr>
+          <p:cNvSpPr txBox="1"/>
+          <p:nvPr/>
+        </p:nvSpPr>
+        <p:spPr>
+          <a:xfrm>
+            <a:off x="500270" y="260004"/>
+            <a:ext cx="4502426" cy="1754326"/>
+          </a:xfrm>
+          <a:prstGeom prst="rect">
+            <a:avLst/>
+          </a:prstGeom>
+          <a:noFill/>
+        </p:spPr>
+        <p:txBody>
+          <a:bodyPr wrap="square" rtlCol="0">
+            <a:spAutoFit/>
+          </a:bodyPr>
+          <a:lstStyle/>
+          <a:p>
+            <a:pPr algn="just"/>
+            <a:r>
+              <a:rPr lang="pt-BR" dirty="0"/>
+              <a:t>Quando analisamos o Índice de Desenvolvimento Humano (IDH) dos estados, observamos que aqueles com melhores indicadores também estão entre os que registram os maiores números de feminicídios. </a:t>
+            </a:r>
+          </a:p>
+        </p:txBody>
+      </p:sp>
+      <p:pic>
+        <p:nvPicPr>
+          <p:cNvPr id="4" name="Imagem 3" descr="Tabela&#10;&#10;Descrição gerada automaticamente">
+            <a:extLst>
+              <a:ext uri="{FF2B5EF4-FFF2-40B4-BE49-F238E27FC236}">
+                <a16:creationId xmlns:a16="http://schemas.microsoft.com/office/drawing/2014/main" id="{ED65B898-8DF0-2A62-5990-4BE0FCF36F32}"/>
               </a:ext>
             </a:extLst>
           </p:cNvPr>
@@ -5640,8 +8474,43 @@
         </p:blipFill>
         <p:spPr>
           <a:xfrm>
-            <a:off x="598487" y="552450"/>
-            <a:ext cx="7605713" cy="5753100"/>
+            <a:off x="5002696" y="702048"/>
+            <a:ext cx="3848637" cy="5753903"/>
+          </a:xfrm>
+          <a:prstGeom prst="rect">
+            <a:avLst/>
+          </a:prstGeom>
+        </p:spPr>
+      </p:pic>
+      <p:pic>
+        <p:nvPicPr>
+          <p:cNvPr id="6" name="Imagem 5" descr="Tabela&#10;&#10;Descrição gerada automaticamente">
+            <a:extLst>
+              <a:ext uri="{FF2B5EF4-FFF2-40B4-BE49-F238E27FC236}">
+                <a16:creationId xmlns:a16="http://schemas.microsoft.com/office/drawing/2014/main" id="{D900F490-9B23-52E8-EFF8-DB6ED659B3F4}"/>
+              </a:ext>
+            </a:extLst>
+          </p:cNvPr>
+          <p:cNvPicPr>
+            <a:picLocks noChangeAspect="1"/>
+          </p:cNvPicPr>
+          <p:nvPr/>
+        </p:nvPicPr>
+        <p:blipFill>
+          <a:blip r:embed="rId3">
+            <a:extLst>
+              <a:ext uri="{28A0092B-C50C-407E-A947-70E740481C1C}">
+                <a14:useLocalDpi xmlns:a14="http://schemas.microsoft.com/office/drawing/2010/main" val="0"/>
+              </a:ext>
+            </a:extLst>
+          </a:blip>
+          <a:srcRect b="56161"/>
+          <a:stretch/>
+        </p:blipFill>
+        <p:spPr>
+          <a:xfrm>
+            <a:off x="7663587" y="1840817"/>
+            <a:ext cx="4458322" cy="2522456"/>
           </a:xfrm>
           <a:prstGeom prst="rect">
             <a:avLst/>
@@ -5650,39 +8519,418 @@
       </p:pic>
       <p:sp>
         <p:nvSpPr>
-          <p:cNvPr id="2" name="CaixaDeTexto 1">
+          <p:cNvPr id="7" name="Retângulo 6">
             <a:extLst>
               <a:ext uri="{FF2B5EF4-FFF2-40B4-BE49-F238E27FC236}">
-                <a16:creationId xmlns:a16="http://schemas.microsoft.com/office/drawing/2014/main" id="{56826DD7-4ACF-E409-2E2E-37FC88A4D7B3}"/>
+                <a16:creationId xmlns:a16="http://schemas.microsoft.com/office/drawing/2014/main" id="{AFF1AB49-B0C1-2A2F-5E99-EA519A183C5A}"/>
               </a:ext>
             </a:extLst>
           </p:cNvPr>
-          <p:cNvSpPr txBox="1"/>
+          <p:cNvSpPr/>
           <p:nvPr/>
         </p:nvSpPr>
         <p:spPr>
           <a:xfrm>
-            <a:off x="8547100" y="698500"/>
-            <a:ext cx="3136900" cy="2862322"/>
+            <a:off x="5039700" y="1537252"/>
+            <a:ext cx="1056300" cy="159026"/>
           </a:xfrm>
           <a:prstGeom prst="rect">
             <a:avLst/>
           </a:prstGeom>
           <a:noFill/>
         </p:spPr>
+        <p:style>
+          <a:lnRef idx="2">
+            <a:schemeClr val="accent6"/>
+          </a:lnRef>
+          <a:fillRef idx="1">
+            <a:schemeClr val="lt1"/>
+          </a:fillRef>
+          <a:effectRef idx="0">
+            <a:schemeClr val="accent6"/>
+          </a:effectRef>
+          <a:fontRef idx="minor">
+            <a:schemeClr val="dk1"/>
+          </a:fontRef>
+        </p:style>
         <p:txBody>
-          <a:bodyPr wrap="square" rtlCol="0">
-            <a:spAutoFit/>
-          </a:bodyPr>
+          <a:bodyPr rtlCol="0" anchor="ctr"/>
           <a:lstStyle/>
           <a:p>
-            <a:r>
-              <a:rPr lang="pt-BR" dirty="0"/>
-              <a:t>O Rio de Janeiro, conhecido por seus altos índices de violência, também lidera em feminicídios. Isso ressalta a necessidade urgente de políticas públicas voltadas à prevenção e proteção das mulheres em regiões urbanas complexas.</a:t>
-            </a:r>
+            <a:pPr algn="ctr"/>
+            <a:endParaRPr lang="pt-BR">
+              <a:ln w="0"/>
+              <a:solidFill>
+                <a:schemeClr val="tx1"/>
+              </a:solidFill>
+              <a:effectLst>
+                <a:outerShdw blurRad="38100" dist="19050" dir="2700000" algn="tl" rotWithShape="0">
+                  <a:schemeClr val="dk1">
+                    <a:alpha val="40000"/>
+                  </a:schemeClr>
+                </a:outerShdw>
+              </a:effectLst>
+            </a:endParaRPr>
           </a:p>
         </p:txBody>
       </p:sp>
+      <p:sp>
+        <p:nvSpPr>
+          <p:cNvPr id="10" name="Retângulo 9">
+            <a:extLst>
+              <a:ext uri="{FF2B5EF4-FFF2-40B4-BE49-F238E27FC236}">
+                <a16:creationId xmlns:a16="http://schemas.microsoft.com/office/drawing/2014/main" id="{7177910C-8E6E-0297-CF9B-728978B981DD}"/>
+              </a:ext>
+            </a:extLst>
+          </p:cNvPr>
+          <p:cNvSpPr/>
+          <p:nvPr/>
+        </p:nvSpPr>
+        <p:spPr>
+          <a:xfrm>
+            <a:off x="7603952" y="3213652"/>
+            <a:ext cx="1056300" cy="159026"/>
+          </a:xfrm>
+          <a:prstGeom prst="rect">
+            <a:avLst/>
+          </a:prstGeom>
+          <a:noFill/>
+        </p:spPr>
+        <p:style>
+          <a:lnRef idx="2">
+            <a:schemeClr val="accent6"/>
+          </a:lnRef>
+          <a:fillRef idx="1">
+            <a:schemeClr val="lt1"/>
+          </a:fillRef>
+          <a:effectRef idx="0">
+            <a:schemeClr val="accent6"/>
+          </a:effectRef>
+          <a:fontRef idx="minor">
+            <a:schemeClr val="dk1"/>
+          </a:fontRef>
+        </p:style>
+        <p:txBody>
+          <a:bodyPr rtlCol="0" anchor="ctr"/>
+          <a:lstStyle/>
+          <a:p>
+            <a:pPr algn="ctr"/>
+            <a:endParaRPr lang="pt-BR">
+              <a:ln w="0"/>
+              <a:solidFill>
+                <a:schemeClr val="tx1"/>
+              </a:solidFill>
+              <a:effectLst>
+                <a:outerShdw blurRad="38100" dist="19050" dir="2700000" algn="tl" rotWithShape="0">
+                  <a:schemeClr val="dk1">
+                    <a:alpha val="40000"/>
+                  </a:schemeClr>
+                </a:outerShdw>
+              </a:effectLst>
+            </a:endParaRPr>
+          </a:p>
+        </p:txBody>
+      </p:sp>
+      <p:sp>
+        <p:nvSpPr>
+          <p:cNvPr id="11" name="Retângulo 10">
+            <a:extLst>
+              <a:ext uri="{FF2B5EF4-FFF2-40B4-BE49-F238E27FC236}">
+                <a16:creationId xmlns:a16="http://schemas.microsoft.com/office/drawing/2014/main" id="{8D88EB29-0DDF-E475-369D-8A71B86FA9A5}"/>
+              </a:ext>
+            </a:extLst>
+          </p:cNvPr>
+          <p:cNvSpPr/>
+          <p:nvPr/>
+        </p:nvSpPr>
+        <p:spPr>
+          <a:xfrm>
+            <a:off x="5039700" y="1702904"/>
+            <a:ext cx="1056300" cy="159026"/>
+          </a:xfrm>
+          <a:prstGeom prst="rect">
+            <a:avLst/>
+          </a:prstGeom>
+          <a:noFill/>
+        </p:spPr>
+        <p:style>
+          <a:lnRef idx="2">
+            <a:schemeClr val="accent3"/>
+          </a:lnRef>
+          <a:fillRef idx="1">
+            <a:schemeClr val="lt1"/>
+          </a:fillRef>
+          <a:effectRef idx="0">
+            <a:schemeClr val="accent3"/>
+          </a:effectRef>
+          <a:fontRef idx="minor">
+            <a:schemeClr val="dk1"/>
+          </a:fontRef>
+        </p:style>
+        <p:txBody>
+          <a:bodyPr rtlCol="0" anchor="ctr"/>
+          <a:lstStyle/>
+          <a:p>
+            <a:pPr algn="ctr"/>
+            <a:endParaRPr lang="pt-BR">
+              <a:ln w="0"/>
+              <a:solidFill>
+                <a:schemeClr val="tx1"/>
+              </a:solidFill>
+              <a:effectLst>
+                <a:outerShdw blurRad="38100" dist="19050" dir="2700000" algn="tl" rotWithShape="0">
+                  <a:schemeClr val="dk1">
+                    <a:alpha val="40000"/>
+                  </a:schemeClr>
+                </a:outerShdw>
+              </a:effectLst>
+            </a:endParaRPr>
+          </a:p>
+        </p:txBody>
+      </p:sp>
+      <p:sp>
+        <p:nvSpPr>
+          <p:cNvPr id="12" name="Retângulo 11">
+            <a:extLst>
+              <a:ext uri="{FF2B5EF4-FFF2-40B4-BE49-F238E27FC236}">
+                <a16:creationId xmlns:a16="http://schemas.microsoft.com/office/drawing/2014/main" id="{E9B5E27E-ABA1-96E6-C155-76522D0D4A37}"/>
+              </a:ext>
+            </a:extLst>
+          </p:cNvPr>
+          <p:cNvSpPr/>
+          <p:nvPr/>
+        </p:nvSpPr>
+        <p:spPr>
+          <a:xfrm>
+            <a:off x="7603952" y="3405810"/>
+            <a:ext cx="1056300" cy="159026"/>
+          </a:xfrm>
+          <a:prstGeom prst="rect">
+            <a:avLst/>
+          </a:prstGeom>
+          <a:noFill/>
+        </p:spPr>
+        <p:style>
+          <a:lnRef idx="2">
+            <a:schemeClr val="accent3"/>
+          </a:lnRef>
+          <a:fillRef idx="1">
+            <a:schemeClr val="lt1"/>
+          </a:fillRef>
+          <a:effectRef idx="0">
+            <a:schemeClr val="accent3"/>
+          </a:effectRef>
+          <a:fontRef idx="minor">
+            <a:schemeClr val="dk1"/>
+          </a:fontRef>
+        </p:style>
+        <p:txBody>
+          <a:bodyPr rtlCol="0" anchor="ctr"/>
+          <a:lstStyle/>
+          <a:p>
+            <a:pPr algn="ctr"/>
+            <a:endParaRPr lang="pt-BR">
+              <a:ln w="0"/>
+              <a:solidFill>
+                <a:schemeClr val="tx1"/>
+              </a:solidFill>
+              <a:effectLst>
+                <a:outerShdw blurRad="38100" dist="19050" dir="2700000" algn="tl" rotWithShape="0">
+                  <a:schemeClr val="dk1">
+                    <a:alpha val="40000"/>
+                  </a:schemeClr>
+                </a:outerShdw>
+              </a:effectLst>
+            </a:endParaRPr>
+          </a:p>
+        </p:txBody>
+      </p:sp>
+      <p:sp>
+        <p:nvSpPr>
+          <p:cNvPr id="13" name="Retângulo 12">
+            <a:extLst>
+              <a:ext uri="{FF2B5EF4-FFF2-40B4-BE49-F238E27FC236}">
+                <a16:creationId xmlns:a16="http://schemas.microsoft.com/office/drawing/2014/main" id="{998CB402-9332-5503-97DC-3F285A06F0F2}"/>
+              </a:ext>
+            </a:extLst>
+          </p:cNvPr>
+          <p:cNvSpPr/>
+          <p:nvPr/>
+        </p:nvSpPr>
+        <p:spPr>
+          <a:xfrm>
+            <a:off x="5039700" y="1934817"/>
+            <a:ext cx="1056300" cy="159026"/>
+          </a:xfrm>
+          <a:prstGeom prst="rect">
+            <a:avLst/>
+          </a:prstGeom>
+          <a:noFill/>
+        </p:spPr>
+        <p:style>
+          <a:lnRef idx="2">
+            <a:schemeClr val="accent2"/>
+          </a:lnRef>
+          <a:fillRef idx="1">
+            <a:schemeClr val="lt1"/>
+          </a:fillRef>
+          <a:effectRef idx="0">
+            <a:schemeClr val="accent2"/>
+          </a:effectRef>
+          <a:fontRef idx="minor">
+            <a:schemeClr val="dk1"/>
+          </a:fontRef>
+        </p:style>
+        <p:txBody>
+          <a:bodyPr rtlCol="0" anchor="ctr"/>
+          <a:lstStyle/>
+          <a:p>
+            <a:pPr algn="ctr"/>
+            <a:endParaRPr lang="pt-BR">
+              <a:ln w="0"/>
+              <a:solidFill>
+                <a:schemeClr val="tx1"/>
+              </a:solidFill>
+              <a:effectLst>
+                <a:outerShdw blurRad="38100" dist="19050" dir="2700000" algn="tl" rotWithShape="0">
+                  <a:schemeClr val="dk1">
+                    <a:alpha val="40000"/>
+                  </a:schemeClr>
+                </a:outerShdw>
+              </a:effectLst>
+            </a:endParaRPr>
+          </a:p>
+        </p:txBody>
+      </p:sp>
+      <p:sp>
+        <p:nvSpPr>
+          <p:cNvPr id="14" name="Retângulo 13">
+            <a:extLst>
+              <a:ext uri="{FF2B5EF4-FFF2-40B4-BE49-F238E27FC236}">
+                <a16:creationId xmlns:a16="http://schemas.microsoft.com/office/drawing/2014/main" id="{5C0C5617-A5A2-B61F-CC75-B78D1321EFA3}"/>
+              </a:ext>
+            </a:extLst>
+          </p:cNvPr>
+          <p:cNvSpPr/>
+          <p:nvPr/>
+        </p:nvSpPr>
+        <p:spPr>
+          <a:xfrm>
+            <a:off x="7597325" y="2691851"/>
+            <a:ext cx="1056300" cy="159026"/>
+          </a:xfrm>
+          <a:prstGeom prst="rect">
+            <a:avLst/>
+          </a:prstGeom>
+          <a:noFill/>
+        </p:spPr>
+        <p:style>
+          <a:lnRef idx="2">
+            <a:schemeClr val="accent2"/>
+          </a:lnRef>
+          <a:fillRef idx="1">
+            <a:schemeClr val="lt1"/>
+          </a:fillRef>
+          <a:effectRef idx="0">
+            <a:schemeClr val="accent2"/>
+          </a:effectRef>
+          <a:fontRef idx="minor">
+            <a:schemeClr val="dk1"/>
+          </a:fontRef>
+        </p:style>
+        <p:txBody>
+          <a:bodyPr rtlCol="0" anchor="ctr"/>
+          <a:lstStyle/>
+          <a:p>
+            <a:pPr algn="ctr"/>
+            <a:endParaRPr lang="pt-BR">
+              <a:ln w="0"/>
+              <a:solidFill>
+                <a:schemeClr val="tx1"/>
+              </a:solidFill>
+              <a:effectLst>
+                <a:outerShdw blurRad="38100" dist="19050" dir="2700000" algn="tl" rotWithShape="0">
+                  <a:schemeClr val="dk1">
+                    <a:alpha val="40000"/>
+                  </a:schemeClr>
+                </a:outerShdw>
+              </a:effectLst>
+            </a:endParaRPr>
+          </a:p>
+        </p:txBody>
+      </p:sp>
+      <p:pic>
+        <p:nvPicPr>
+          <p:cNvPr id="17" name="Gráfico 16" descr="Gráfico linear com preenchimento sólido">
+            <a:extLst>
+              <a:ext uri="{FF2B5EF4-FFF2-40B4-BE49-F238E27FC236}">
+                <a16:creationId xmlns:a16="http://schemas.microsoft.com/office/drawing/2014/main" id="{F35BF599-2EED-C8BA-94E7-2EB71300313D}"/>
+              </a:ext>
+            </a:extLst>
+          </p:cNvPr>
+          <p:cNvPicPr>
+            <a:picLocks noChangeAspect="1"/>
+          </p:cNvPicPr>
+          <p:nvPr/>
+        </p:nvPicPr>
+        <p:blipFill>
+          <a:blip r:embed="rId4">
+            <a:extLst>
+              <a:ext uri="{96DAC541-7B7A-43D3-8B79-37D633B846F1}">
+                <asvg:svgBlip xmlns:asvg="http://schemas.microsoft.com/office/drawing/2016/SVG/main" r:embed="rId5"/>
+              </a:ext>
+            </a:extLst>
+          </a:blip>
+          <a:stretch>
+            <a:fillRect/>
+          </a:stretch>
+        </p:blipFill>
+        <p:spPr>
+          <a:xfrm>
+            <a:off x="2973392" y="2648240"/>
+            <a:ext cx="1289850" cy="1289850"/>
+          </a:xfrm>
+          <a:prstGeom prst="rect">
+            <a:avLst/>
+          </a:prstGeom>
+        </p:spPr>
+      </p:pic>
+      <p:pic>
+        <p:nvPicPr>
+          <p:cNvPr id="19" name="Gráfico 18" descr="Crescimento Comercial com preenchimento sólido">
+            <a:extLst>
+              <a:ext uri="{FF2B5EF4-FFF2-40B4-BE49-F238E27FC236}">
+                <a16:creationId xmlns:a16="http://schemas.microsoft.com/office/drawing/2014/main" id="{7B9829A8-4143-6DE8-D84A-0CDFB7DC9787}"/>
+              </a:ext>
+            </a:extLst>
+          </p:cNvPr>
+          <p:cNvPicPr>
+            <a:picLocks noChangeAspect="1"/>
+          </p:cNvPicPr>
+          <p:nvPr/>
+        </p:nvPicPr>
+        <p:blipFill>
+          <a:blip r:embed="rId6">
+            <a:extLst>
+              <a:ext uri="{96DAC541-7B7A-43D3-8B79-37D633B846F1}">
+                <asvg:svgBlip xmlns:asvg="http://schemas.microsoft.com/office/drawing/2016/SVG/main" r:embed="rId7"/>
+              </a:ext>
+            </a:extLst>
+          </a:blip>
+          <a:stretch>
+            <a:fillRect/>
+          </a:stretch>
+        </p:blipFill>
+        <p:spPr>
+          <a:xfrm>
+            <a:off x="1133672" y="4481105"/>
+            <a:ext cx="1704530" cy="1704530"/>
+          </a:xfrm>
+          <a:prstGeom prst="rect">
+            <a:avLst/>
+          </a:prstGeom>
+        </p:spPr>
+      </p:pic>
     </p:spTree>
     <p:extLst>
       <p:ext uri="{BB962C8B-B14F-4D97-AF65-F5344CB8AC3E}">
@@ -5693,123 +8941,598 @@
   <p:clrMapOvr>
     <a:masterClrMapping/>
   </p:clrMapOvr>
-  <mc:AlternateContent xmlns:mc="http://schemas.openxmlformats.org/markup-compatibility/2006">
-    <mc:Choice xmlns:p14="http://schemas.microsoft.com/office/powerpoint/2010/main" Requires="p14">
-      <p:transition spd="slow" p14:dur="2000" advTm="34718"/>
-    </mc:Choice>
-    <mc:Fallback>
-      <p:transition spd="slow" advTm="34718"/>
-    </mc:Fallback>
-  </mc:AlternateContent>
-</p:sld>
-</file>
-
-<file path=ppt/slides/slide6.xml><?xml version="1.0" encoding="utf-8"?>
-<p:sld xmlns:a="http://schemas.openxmlformats.org/drawingml/2006/main" xmlns:r="http://schemas.openxmlformats.org/officeDocument/2006/relationships" xmlns:p="http://schemas.openxmlformats.org/presentationml/2006/main">
-  <p:cSld>
-    <p:spTree>
-      <p:nvGrpSpPr>
-        <p:cNvPr id="1" name=""/>
-        <p:cNvGrpSpPr/>
-        <p:nvPr/>
-      </p:nvGrpSpPr>
-      <p:grpSpPr>
-        <a:xfrm>
-          <a:off x="0" y="0"/>
-          <a:ext cx="0" cy="0"/>
-          <a:chOff x="0" y="0"/>
-          <a:chExt cx="0" cy="0"/>
-        </a:xfrm>
-      </p:grpSpPr>
-      <p:pic>
-        <p:nvPicPr>
-          <p:cNvPr id="8" name="slide8" descr="IDH">
-            <a:extLst>
-              <a:ext uri="{FF2B5EF4-FFF2-40B4-BE49-F238E27FC236}">
-                <a16:creationId xmlns:a16="http://schemas.microsoft.com/office/drawing/2014/main" id="{A951C7D7-0F86-466F-8A03-3662D19C8098}"/>
-              </a:ext>
-            </a:extLst>
-          </p:cNvPr>
-          <p:cNvPicPr>
-            <a:picLocks noChangeAspect="1"/>
-          </p:cNvPicPr>
-          <p:nvPr/>
-        </p:nvPicPr>
-        <p:blipFill>
-          <a:blip r:embed="rId2">
-            <a:extLst>
-              <a:ext uri="{28A0092B-C50C-407E-A947-70E740481C1C}">
-                <a14:useLocalDpi xmlns:a14="http://schemas.microsoft.com/office/drawing/2010/main" val="0"/>
-              </a:ext>
-            </a:extLst>
-          </a:blip>
-          <a:stretch>
-            <a:fillRect/>
-          </a:stretch>
-        </p:blipFill>
-        <p:spPr>
-          <a:xfrm>
-            <a:off x="7192410" y="552450"/>
-            <a:ext cx="3571875" cy="5753100"/>
-          </a:xfrm>
-          <a:prstGeom prst="rect">
-            <a:avLst/>
-          </a:prstGeom>
-        </p:spPr>
-      </p:pic>
-      <p:sp>
-        <p:nvSpPr>
-          <p:cNvPr id="2" name="CaixaDeTexto 1">
-            <a:extLst>
-              <a:ext uri="{FF2B5EF4-FFF2-40B4-BE49-F238E27FC236}">
-                <a16:creationId xmlns:a16="http://schemas.microsoft.com/office/drawing/2014/main" id="{B47CBC4C-9364-26BA-A96C-57C98651DF0E}"/>
-              </a:ext>
-            </a:extLst>
-          </p:cNvPr>
-          <p:cNvSpPr txBox="1"/>
-          <p:nvPr/>
-        </p:nvSpPr>
-        <p:spPr>
-          <a:xfrm>
-            <a:off x="1500809" y="1023730"/>
-            <a:ext cx="4502426" cy="4247317"/>
-          </a:xfrm>
-          <a:prstGeom prst="rect">
-            <a:avLst/>
-          </a:prstGeom>
-          <a:noFill/>
-        </p:spPr>
-        <p:txBody>
-          <a:bodyPr wrap="square" rtlCol="0">
-            <a:spAutoFit/>
-          </a:bodyPr>
-          <a:lstStyle/>
-          <a:p>
-            <a:r>
-              <a:rPr lang="pt-BR" dirty="0"/>
-              <a:t>Quando analisamos o Índice de Desenvolvimento Humano (IDH) dos estados, observamos que aqueles com melhores indicadores de desenvolvimento humano — conforme dados do IBGE — também estão entre os que registram os maiores números de feminicídios. Isso sugere que o IDH elevado, que normalmente indica melhor qualidade de vida e acesso a serviços, não é um fator determinante para a redução dos feminicídios, evidenciando que a violência de gênero persiste independentemente do desenvolvimento socioeconômico da região</a:t>
-            </a:r>
-          </a:p>
-        </p:txBody>
-      </p:sp>
-    </p:spTree>
-    <p:extLst>
-      <p:ext uri="{BB962C8B-B14F-4D97-AF65-F5344CB8AC3E}">
-        <p14:creationId xmlns:p14="http://schemas.microsoft.com/office/powerpoint/2010/main" val="95992585"/>
-      </p:ext>
-    </p:extLst>
-  </p:cSld>
-  <p:clrMapOvr>
-    <a:masterClrMapping/>
-  </p:clrMapOvr>
-  <mc:AlternateContent xmlns:mc="http://schemas.openxmlformats.org/markup-compatibility/2006">
-    <mc:Choice xmlns:p14="http://schemas.microsoft.com/office/powerpoint/2010/main" Requires="p14">
+  <mc:AlternateContent xmlns:mc="http://schemas.openxmlformats.org/markup-compatibility/2006" xmlns:p14="http://schemas.microsoft.com/office/powerpoint/2010/main">
+    <mc:Choice Requires="p14">
       <p:transition spd="slow" p14:dur="2000" advTm="31838"/>
     </mc:Choice>
-    <mc:Fallback>
+    <mc:Fallback xmlns="">
       <p:transition spd="slow" advTm="31838"/>
     </mc:Fallback>
   </mc:AlternateContent>
+  <p:timing>
+    <p:tnLst>
+      <p:par>
+        <p:cTn id="1" dur="indefinite" restart="never" nodeType="tmRoot">
+          <p:childTnLst>
+            <p:seq concurrent="1" nextAc="seek">
+              <p:cTn id="2" dur="indefinite" nodeType="mainSeq">
+                <p:childTnLst>
+                  <p:par>
+                    <p:cTn id="3" fill="hold">
+                      <p:stCondLst>
+                        <p:cond delay="indefinite"/>
+                      </p:stCondLst>
+                      <p:childTnLst>
+                        <p:par>
+                          <p:cTn id="4" fill="hold">
+                            <p:stCondLst>
+                              <p:cond delay="0"/>
+                            </p:stCondLst>
+                            <p:childTnLst>
+                              <p:par>
+                                <p:cTn id="5" presetID="2" presetClass="entr" presetSubtype="4" fill="hold" grpId="0" nodeType="clickEffect">
+                                  <p:stCondLst>
+                                    <p:cond delay="0"/>
+                                  </p:stCondLst>
+                                  <p:childTnLst>
+                                    <p:set>
+                                      <p:cBhvr>
+                                        <p:cTn id="6" dur="1" fill="hold">
+                                          <p:stCondLst>
+                                            <p:cond delay="0"/>
+                                          </p:stCondLst>
+                                        </p:cTn>
+                                        <p:tgtEl>
+                                          <p:spTgt spid="7"/>
+                                        </p:tgtEl>
+                                        <p:attrNameLst>
+                                          <p:attrName>style.visibility</p:attrName>
+                                        </p:attrNameLst>
+                                      </p:cBhvr>
+                                      <p:to>
+                                        <p:strVal val="visible"/>
+                                      </p:to>
+                                    </p:set>
+                                    <p:anim calcmode="lin" valueType="num">
+                                      <p:cBhvr additive="base">
+                                        <p:cTn id="7" dur="500" fill="hold"/>
+                                        <p:tgtEl>
+                                          <p:spTgt spid="7"/>
+                                        </p:tgtEl>
+                                        <p:attrNameLst>
+                                          <p:attrName>ppt_x</p:attrName>
+                                        </p:attrNameLst>
+                                      </p:cBhvr>
+                                      <p:tavLst>
+                                        <p:tav tm="0">
+                                          <p:val>
+                                            <p:strVal val="#ppt_x"/>
+                                          </p:val>
+                                        </p:tav>
+                                        <p:tav tm="100000">
+                                          <p:val>
+                                            <p:strVal val="#ppt_x"/>
+                                          </p:val>
+                                        </p:tav>
+                                      </p:tavLst>
+                                    </p:anim>
+                                    <p:anim calcmode="lin" valueType="num">
+                                      <p:cBhvr additive="base">
+                                        <p:cTn id="8" dur="500" fill="hold"/>
+                                        <p:tgtEl>
+                                          <p:spTgt spid="7"/>
+                                        </p:tgtEl>
+                                        <p:attrNameLst>
+                                          <p:attrName>ppt_y</p:attrName>
+                                        </p:attrNameLst>
+                                      </p:cBhvr>
+                                      <p:tavLst>
+                                        <p:tav tm="0">
+                                          <p:val>
+                                            <p:strVal val="1+#ppt_h/2"/>
+                                          </p:val>
+                                        </p:tav>
+                                        <p:tav tm="100000">
+                                          <p:val>
+                                            <p:strVal val="#ppt_y"/>
+                                          </p:val>
+                                        </p:tav>
+                                      </p:tavLst>
+                                    </p:anim>
+                                  </p:childTnLst>
+                                </p:cTn>
+                              </p:par>
+                            </p:childTnLst>
+                          </p:cTn>
+                        </p:par>
+                      </p:childTnLst>
+                    </p:cTn>
+                  </p:par>
+                  <p:par>
+                    <p:cTn id="9" fill="hold">
+                      <p:stCondLst>
+                        <p:cond delay="indefinite"/>
+                      </p:stCondLst>
+                      <p:childTnLst>
+                        <p:par>
+                          <p:cTn id="10" fill="hold">
+                            <p:stCondLst>
+                              <p:cond delay="0"/>
+                            </p:stCondLst>
+                            <p:childTnLst>
+                              <p:par>
+                                <p:cTn id="11" presetID="2" presetClass="entr" presetSubtype="4" fill="hold" grpId="0" nodeType="clickEffect">
+                                  <p:stCondLst>
+                                    <p:cond delay="0"/>
+                                  </p:stCondLst>
+                                  <p:childTnLst>
+                                    <p:set>
+                                      <p:cBhvr>
+                                        <p:cTn id="12" dur="1" fill="hold">
+                                          <p:stCondLst>
+                                            <p:cond delay="0"/>
+                                          </p:stCondLst>
+                                        </p:cTn>
+                                        <p:tgtEl>
+                                          <p:spTgt spid="10"/>
+                                        </p:tgtEl>
+                                        <p:attrNameLst>
+                                          <p:attrName>style.visibility</p:attrName>
+                                        </p:attrNameLst>
+                                      </p:cBhvr>
+                                      <p:to>
+                                        <p:strVal val="visible"/>
+                                      </p:to>
+                                    </p:set>
+                                    <p:anim calcmode="lin" valueType="num">
+                                      <p:cBhvr additive="base">
+                                        <p:cTn id="13" dur="500" fill="hold"/>
+                                        <p:tgtEl>
+                                          <p:spTgt spid="10"/>
+                                        </p:tgtEl>
+                                        <p:attrNameLst>
+                                          <p:attrName>ppt_x</p:attrName>
+                                        </p:attrNameLst>
+                                      </p:cBhvr>
+                                      <p:tavLst>
+                                        <p:tav tm="0">
+                                          <p:val>
+                                            <p:strVal val="#ppt_x"/>
+                                          </p:val>
+                                        </p:tav>
+                                        <p:tav tm="100000">
+                                          <p:val>
+                                            <p:strVal val="#ppt_x"/>
+                                          </p:val>
+                                        </p:tav>
+                                      </p:tavLst>
+                                    </p:anim>
+                                    <p:anim calcmode="lin" valueType="num">
+                                      <p:cBhvr additive="base">
+                                        <p:cTn id="14" dur="500" fill="hold"/>
+                                        <p:tgtEl>
+                                          <p:spTgt spid="10"/>
+                                        </p:tgtEl>
+                                        <p:attrNameLst>
+                                          <p:attrName>ppt_y</p:attrName>
+                                        </p:attrNameLst>
+                                      </p:cBhvr>
+                                      <p:tavLst>
+                                        <p:tav tm="0">
+                                          <p:val>
+                                            <p:strVal val="1+#ppt_h/2"/>
+                                          </p:val>
+                                        </p:tav>
+                                        <p:tav tm="100000">
+                                          <p:val>
+                                            <p:strVal val="#ppt_y"/>
+                                          </p:val>
+                                        </p:tav>
+                                      </p:tavLst>
+                                    </p:anim>
+                                  </p:childTnLst>
+                                </p:cTn>
+                              </p:par>
+                            </p:childTnLst>
+                          </p:cTn>
+                        </p:par>
+                      </p:childTnLst>
+                    </p:cTn>
+                  </p:par>
+                  <p:par>
+                    <p:cTn id="15" fill="hold">
+                      <p:stCondLst>
+                        <p:cond delay="indefinite"/>
+                      </p:stCondLst>
+                      <p:childTnLst>
+                        <p:par>
+                          <p:cTn id="16" fill="hold">
+                            <p:stCondLst>
+                              <p:cond delay="0"/>
+                            </p:stCondLst>
+                            <p:childTnLst>
+                              <p:par>
+                                <p:cTn id="17" presetID="2" presetClass="entr" presetSubtype="4" fill="hold" grpId="0" nodeType="clickEffect">
+                                  <p:stCondLst>
+                                    <p:cond delay="0"/>
+                                  </p:stCondLst>
+                                  <p:childTnLst>
+                                    <p:set>
+                                      <p:cBhvr>
+                                        <p:cTn id="18" dur="1" fill="hold">
+                                          <p:stCondLst>
+                                            <p:cond delay="0"/>
+                                          </p:stCondLst>
+                                        </p:cTn>
+                                        <p:tgtEl>
+                                          <p:spTgt spid="11"/>
+                                        </p:tgtEl>
+                                        <p:attrNameLst>
+                                          <p:attrName>style.visibility</p:attrName>
+                                        </p:attrNameLst>
+                                      </p:cBhvr>
+                                      <p:to>
+                                        <p:strVal val="visible"/>
+                                      </p:to>
+                                    </p:set>
+                                    <p:anim calcmode="lin" valueType="num">
+                                      <p:cBhvr additive="base">
+                                        <p:cTn id="19" dur="500" fill="hold"/>
+                                        <p:tgtEl>
+                                          <p:spTgt spid="11"/>
+                                        </p:tgtEl>
+                                        <p:attrNameLst>
+                                          <p:attrName>ppt_x</p:attrName>
+                                        </p:attrNameLst>
+                                      </p:cBhvr>
+                                      <p:tavLst>
+                                        <p:tav tm="0">
+                                          <p:val>
+                                            <p:strVal val="#ppt_x"/>
+                                          </p:val>
+                                        </p:tav>
+                                        <p:tav tm="100000">
+                                          <p:val>
+                                            <p:strVal val="#ppt_x"/>
+                                          </p:val>
+                                        </p:tav>
+                                      </p:tavLst>
+                                    </p:anim>
+                                    <p:anim calcmode="lin" valueType="num">
+                                      <p:cBhvr additive="base">
+                                        <p:cTn id="20" dur="500" fill="hold"/>
+                                        <p:tgtEl>
+                                          <p:spTgt spid="11"/>
+                                        </p:tgtEl>
+                                        <p:attrNameLst>
+                                          <p:attrName>ppt_y</p:attrName>
+                                        </p:attrNameLst>
+                                      </p:cBhvr>
+                                      <p:tavLst>
+                                        <p:tav tm="0">
+                                          <p:val>
+                                            <p:strVal val="1+#ppt_h/2"/>
+                                          </p:val>
+                                        </p:tav>
+                                        <p:tav tm="100000">
+                                          <p:val>
+                                            <p:strVal val="#ppt_y"/>
+                                          </p:val>
+                                        </p:tav>
+                                      </p:tavLst>
+                                    </p:anim>
+                                  </p:childTnLst>
+                                </p:cTn>
+                              </p:par>
+                            </p:childTnLst>
+                          </p:cTn>
+                        </p:par>
+                      </p:childTnLst>
+                    </p:cTn>
+                  </p:par>
+                  <p:par>
+                    <p:cTn id="21" fill="hold">
+                      <p:stCondLst>
+                        <p:cond delay="indefinite"/>
+                      </p:stCondLst>
+                      <p:childTnLst>
+                        <p:par>
+                          <p:cTn id="22" fill="hold">
+                            <p:stCondLst>
+                              <p:cond delay="0"/>
+                            </p:stCondLst>
+                            <p:childTnLst>
+                              <p:par>
+                                <p:cTn id="23" presetID="2" presetClass="entr" presetSubtype="4" fill="hold" grpId="0" nodeType="clickEffect">
+                                  <p:stCondLst>
+                                    <p:cond delay="0"/>
+                                  </p:stCondLst>
+                                  <p:childTnLst>
+                                    <p:set>
+                                      <p:cBhvr>
+                                        <p:cTn id="24" dur="1" fill="hold">
+                                          <p:stCondLst>
+                                            <p:cond delay="0"/>
+                                          </p:stCondLst>
+                                        </p:cTn>
+                                        <p:tgtEl>
+                                          <p:spTgt spid="12"/>
+                                        </p:tgtEl>
+                                        <p:attrNameLst>
+                                          <p:attrName>style.visibility</p:attrName>
+                                        </p:attrNameLst>
+                                      </p:cBhvr>
+                                      <p:to>
+                                        <p:strVal val="visible"/>
+                                      </p:to>
+                                    </p:set>
+                                    <p:anim calcmode="lin" valueType="num">
+                                      <p:cBhvr additive="base">
+                                        <p:cTn id="25" dur="500" fill="hold"/>
+                                        <p:tgtEl>
+                                          <p:spTgt spid="12"/>
+                                        </p:tgtEl>
+                                        <p:attrNameLst>
+                                          <p:attrName>ppt_x</p:attrName>
+                                        </p:attrNameLst>
+                                      </p:cBhvr>
+                                      <p:tavLst>
+                                        <p:tav tm="0">
+                                          <p:val>
+                                            <p:strVal val="#ppt_x"/>
+                                          </p:val>
+                                        </p:tav>
+                                        <p:tav tm="100000">
+                                          <p:val>
+                                            <p:strVal val="#ppt_x"/>
+                                          </p:val>
+                                        </p:tav>
+                                      </p:tavLst>
+                                    </p:anim>
+                                    <p:anim calcmode="lin" valueType="num">
+                                      <p:cBhvr additive="base">
+                                        <p:cTn id="26" dur="500" fill="hold"/>
+                                        <p:tgtEl>
+                                          <p:spTgt spid="12"/>
+                                        </p:tgtEl>
+                                        <p:attrNameLst>
+                                          <p:attrName>ppt_y</p:attrName>
+                                        </p:attrNameLst>
+                                      </p:cBhvr>
+                                      <p:tavLst>
+                                        <p:tav tm="0">
+                                          <p:val>
+                                            <p:strVal val="1+#ppt_h/2"/>
+                                          </p:val>
+                                        </p:tav>
+                                        <p:tav tm="100000">
+                                          <p:val>
+                                            <p:strVal val="#ppt_y"/>
+                                          </p:val>
+                                        </p:tav>
+                                      </p:tavLst>
+                                    </p:anim>
+                                  </p:childTnLst>
+                                </p:cTn>
+                              </p:par>
+                            </p:childTnLst>
+                          </p:cTn>
+                        </p:par>
+                      </p:childTnLst>
+                    </p:cTn>
+                  </p:par>
+                  <p:par>
+                    <p:cTn id="27" fill="hold">
+                      <p:stCondLst>
+                        <p:cond delay="indefinite"/>
+                      </p:stCondLst>
+                      <p:childTnLst>
+                        <p:par>
+                          <p:cTn id="28" fill="hold">
+                            <p:stCondLst>
+                              <p:cond delay="0"/>
+                            </p:stCondLst>
+                            <p:childTnLst>
+                              <p:par>
+                                <p:cTn id="29" presetID="2" presetClass="entr" presetSubtype="4" fill="hold" grpId="0" nodeType="clickEffect">
+                                  <p:stCondLst>
+                                    <p:cond delay="0"/>
+                                  </p:stCondLst>
+                                  <p:childTnLst>
+                                    <p:set>
+                                      <p:cBhvr>
+                                        <p:cTn id="30" dur="1" fill="hold">
+                                          <p:stCondLst>
+                                            <p:cond delay="0"/>
+                                          </p:stCondLst>
+                                        </p:cTn>
+                                        <p:tgtEl>
+                                          <p:spTgt spid="13"/>
+                                        </p:tgtEl>
+                                        <p:attrNameLst>
+                                          <p:attrName>style.visibility</p:attrName>
+                                        </p:attrNameLst>
+                                      </p:cBhvr>
+                                      <p:to>
+                                        <p:strVal val="visible"/>
+                                      </p:to>
+                                    </p:set>
+                                    <p:anim calcmode="lin" valueType="num">
+                                      <p:cBhvr additive="base">
+                                        <p:cTn id="31" dur="500" fill="hold"/>
+                                        <p:tgtEl>
+                                          <p:spTgt spid="13"/>
+                                        </p:tgtEl>
+                                        <p:attrNameLst>
+                                          <p:attrName>ppt_x</p:attrName>
+                                        </p:attrNameLst>
+                                      </p:cBhvr>
+                                      <p:tavLst>
+                                        <p:tav tm="0">
+                                          <p:val>
+                                            <p:strVal val="#ppt_x"/>
+                                          </p:val>
+                                        </p:tav>
+                                        <p:tav tm="100000">
+                                          <p:val>
+                                            <p:strVal val="#ppt_x"/>
+                                          </p:val>
+                                        </p:tav>
+                                      </p:tavLst>
+                                    </p:anim>
+                                    <p:anim calcmode="lin" valueType="num">
+                                      <p:cBhvr additive="base">
+                                        <p:cTn id="32" dur="500" fill="hold"/>
+                                        <p:tgtEl>
+                                          <p:spTgt spid="13"/>
+                                        </p:tgtEl>
+                                        <p:attrNameLst>
+                                          <p:attrName>ppt_y</p:attrName>
+                                        </p:attrNameLst>
+                                      </p:cBhvr>
+                                      <p:tavLst>
+                                        <p:tav tm="0">
+                                          <p:val>
+                                            <p:strVal val="1+#ppt_h/2"/>
+                                          </p:val>
+                                        </p:tav>
+                                        <p:tav tm="100000">
+                                          <p:val>
+                                            <p:strVal val="#ppt_y"/>
+                                          </p:val>
+                                        </p:tav>
+                                      </p:tavLst>
+                                    </p:anim>
+                                  </p:childTnLst>
+                                </p:cTn>
+                              </p:par>
+                            </p:childTnLst>
+                          </p:cTn>
+                        </p:par>
+                      </p:childTnLst>
+                    </p:cTn>
+                  </p:par>
+                  <p:par>
+                    <p:cTn id="33" fill="hold">
+                      <p:stCondLst>
+                        <p:cond delay="indefinite"/>
+                      </p:stCondLst>
+                      <p:childTnLst>
+                        <p:par>
+                          <p:cTn id="34" fill="hold">
+                            <p:stCondLst>
+                              <p:cond delay="0"/>
+                            </p:stCondLst>
+                            <p:childTnLst>
+                              <p:par>
+                                <p:cTn id="35" presetID="2" presetClass="entr" presetSubtype="4" fill="hold" grpId="0" nodeType="clickEffect">
+                                  <p:stCondLst>
+                                    <p:cond delay="0"/>
+                                  </p:stCondLst>
+                                  <p:childTnLst>
+                                    <p:set>
+                                      <p:cBhvr>
+                                        <p:cTn id="36" dur="1" fill="hold">
+                                          <p:stCondLst>
+                                            <p:cond delay="0"/>
+                                          </p:stCondLst>
+                                        </p:cTn>
+                                        <p:tgtEl>
+                                          <p:spTgt spid="14"/>
+                                        </p:tgtEl>
+                                        <p:attrNameLst>
+                                          <p:attrName>style.visibility</p:attrName>
+                                        </p:attrNameLst>
+                                      </p:cBhvr>
+                                      <p:to>
+                                        <p:strVal val="visible"/>
+                                      </p:to>
+                                    </p:set>
+                                    <p:anim calcmode="lin" valueType="num">
+                                      <p:cBhvr additive="base">
+                                        <p:cTn id="37" dur="500" fill="hold"/>
+                                        <p:tgtEl>
+                                          <p:spTgt spid="14"/>
+                                        </p:tgtEl>
+                                        <p:attrNameLst>
+                                          <p:attrName>ppt_x</p:attrName>
+                                        </p:attrNameLst>
+                                      </p:cBhvr>
+                                      <p:tavLst>
+                                        <p:tav tm="0">
+                                          <p:val>
+                                            <p:strVal val="#ppt_x"/>
+                                          </p:val>
+                                        </p:tav>
+                                        <p:tav tm="100000">
+                                          <p:val>
+                                            <p:strVal val="#ppt_x"/>
+                                          </p:val>
+                                        </p:tav>
+                                      </p:tavLst>
+                                    </p:anim>
+                                    <p:anim calcmode="lin" valueType="num">
+                                      <p:cBhvr additive="base">
+                                        <p:cTn id="38" dur="500" fill="hold"/>
+                                        <p:tgtEl>
+                                          <p:spTgt spid="14"/>
+                                        </p:tgtEl>
+                                        <p:attrNameLst>
+                                          <p:attrName>ppt_y</p:attrName>
+                                        </p:attrNameLst>
+                                      </p:cBhvr>
+                                      <p:tavLst>
+                                        <p:tav tm="0">
+                                          <p:val>
+                                            <p:strVal val="1+#ppt_h/2"/>
+                                          </p:val>
+                                        </p:tav>
+                                        <p:tav tm="100000">
+                                          <p:val>
+                                            <p:strVal val="#ppt_y"/>
+                                          </p:val>
+                                        </p:tav>
+                                      </p:tavLst>
+                                    </p:anim>
+                                  </p:childTnLst>
+                                </p:cTn>
+                              </p:par>
+                            </p:childTnLst>
+                          </p:cTn>
+                        </p:par>
+                      </p:childTnLst>
+                    </p:cTn>
+                  </p:par>
+                </p:childTnLst>
+              </p:cTn>
+              <p:prevCondLst>
+                <p:cond evt="onPrev" delay="0">
+                  <p:tgtEl>
+                    <p:sldTgt/>
+                  </p:tgtEl>
+                </p:cond>
+              </p:prevCondLst>
+              <p:nextCondLst>
+                <p:cond evt="onNext" delay="0">
+                  <p:tgtEl>
+                    <p:sldTgt/>
+                  </p:tgtEl>
+                </p:cond>
+              </p:nextCondLst>
+            </p:seq>
+          </p:childTnLst>
+        </p:cTn>
+      </p:par>
+    </p:tnLst>
+    <p:bldLst>
+      <p:bldP spid="7" grpId="0" animBg="1"/>
+      <p:bldP spid="10" grpId="0" animBg="1"/>
+      <p:bldP spid="11" grpId="0" animBg="1"/>
+      <p:bldP spid="12" grpId="0" animBg="1"/>
+      <p:bldP spid="13" grpId="0" animBg="1"/>
+      <p:bldP spid="14" grpId="0" animBg="1"/>
+    </p:bldLst>
+  </p:timing>
 </p:sld>
 </file>
 
@@ -5838,47 +9561,12 @@
           <a:chExt cx="0" cy="0"/>
         </a:xfrm>
       </p:grpSpPr>
-      <p:sp>
-        <p:nvSpPr>
-          <p:cNvPr id="2" name="CaixaDeTexto 1">
+      <p:pic>
+        <p:nvPicPr>
+          <p:cNvPr id="31" name="Gráfico 30" descr="Escrivaninha de Home Office estrutura de tópicos">
             <a:extLst>
               <a:ext uri="{FF2B5EF4-FFF2-40B4-BE49-F238E27FC236}">
-                <a16:creationId xmlns:a16="http://schemas.microsoft.com/office/drawing/2014/main" id="{8CE0554F-013D-3589-851A-D70E664485CA}"/>
-              </a:ext>
-            </a:extLst>
-          </p:cNvPr>
-          <p:cNvSpPr txBox="1"/>
-          <p:nvPr/>
-        </p:nvSpPr>
-        <p:spPr>
-          <a:xfrm>
-            <a:off x="7334017" y="455560"/>
-            <a:ext cx="4424636" cy="5632311"/>
-          </a:xfrm>
-          <a:prstGeom prst="rect">
-            <a:avLst/>
-          </a:prstGeom>
-          <a:noFill/>
-        </p:spPr>
-        <p:txBody>
-          <a:bodyPr wrap="square" rtlCol="0">
-            <a:spAutoFit/>
-          </a:bodyPr>
-          <a:lstStyle/>
-          <a:p>
-            <a:r>
-              <a:rPr lang="pt-BR" dirty="0"/>
-              <a:t>Analisando a relação entre a taxa de desemprego e a taxa de feminicídios, percebemos que as regiões com os maiores índices de desemprego, como o Nordeste e o Norte, aparecem apenas em segundo e último lugar, respectivamente, na tabela de feminicídios. Isso sugere que a taxa de empregabilidade feminina não está diretamente ligada ao número de feminicídios. No entanto, o desemprego pode desempenhar um papel crucial quando falamos da independência econômica das mulheres, especialmente aquelas vítimas de crimes passionais. A falta de autonomia financeira pode dificultar a saída de relacionamentos abusivos, o que, indiretamente, pode contribuir para a perpetuação da violência de gênero.</a:t>
-            </a:r>
-          </a:p>
-        </p:txBody>
-      </p:sp>
-      <p:pic>
-        <p:nvPicPr>
-          <p:cNvPr id="4" name="Imagem 3" descr="Uma imagem contendo Gráfico&#10;&#10;Descrição gerada automaticamente">
-            <a:extLst>
-              <a:ext uri="{FF2B5EF4-FFF2-40B4-BE49-F238E27FC236}">
-                <a16:creationId xmlns:a16="http://schemas.microsoft.com/office/drawing/2014/main" id="{4310BAF1-8A25-7086-23EF-00B4D2A388E3}"/>
+                <a16:creationId xmlns:a16="http://schemas.microsoft.com/office/drawing/2014/main" id="{DE4172DA-132A-BA16-65E0-AEA07F091AE8}"/>
               </a:ext>
             </a:extLst>
           </p:cNvPr>
@@ -5889,6 +9577,42 @@
         </p:nvPicPr>
         <p:blipFill>
           <a:blip r:embed="rId2">
+            <a:extLst>
+              <a:ext uri="{96DAC541-7B7A-43D3-8B79-37D633B846F1}">
+                <asvg:svgBlip xmlns:asvg="http://schemas.microsoft.com/office/drawing/2016/SVG/main" r:embed="rId3"/>
+              </a:ext>
+            </a:extLst>
+          </a:blip>
+          <a:stretch>
+            <a:fillRect/>
+          </a:stretch>
+        </p:blipFill>
+        <p:spPr>
+          <a:xfrm>
+            <a:off x="11139999" y="72187"/>
+            <a:ext cx="914400" cy="914400"/>
+          </a:xfrm>
+          <a:prstGeom prst="rect">
+            <a:avLst/>
+          </a:prstGeom>
+        </p:spPr>
+      </p:pic>
+      <p:pic>
+        <p:nvPicPr>
+          <p:cNvPr id="5" name="Imagem 4" descr="Gráfico, Gráfico de cascata&#10;&#10;Descrição gerada automaticamente">
+            <a:extLst>
+              <a:ext uri="{FF2B5EF4-FFF2-40B4-BE49-F238E27FC236}">
+                <a16:creationId xmlns:a16="http://schemas.microsoft.com/office/drawing/2014/main" id="{AD3FABF5-101E-15E0-C36E-7BCBCF897284}"/>
+              </a:ext>
+            </a:extLst>
+          </p:cNvPr>
+          <p:cNvPicPr>
+            <a:picLocks noChangeAspect="1"/>
+          </p:cNvPicPr>
+          <p:nvPr/>
+        </p:nvPicPr>
+        <p:blipFill>
+          <a:blip r:embed="rId4">
             <a:extLst>
               <a:ext uri="{28A0092B-C50C-407E-A947-70E740481C1C}">
                 <a14:useLocalDpi xmlns:a14="http://schemas.microsoft.com/office/drawing/2010/main" val="0"/>
@@ -5901,8 +9625,8 @@
         </p:blipFill>
         <p:spPr>
           <a:xfrm>
-            <a:off x="2645665" y="3429000"/>
-            <a:ext cx="4320666" cy="2658871"/>
+            <a:off x="1963408" y="824627"/>
+            <a:ext cx="3886742" cy="1829055"/>
           </a:xfrm>
           <a:prstGeom prst="rect">
             <a:avLst/>
@@ -5911,10 +9635,10 @@
       </p:pic>
       <p:pic>
         <p:nvPicPr>
-          <p:cNvPr id="6" name="Imagem 5" descr="Tabela">
+          <p:cNvPr id="8" name="Imagem 7" descr="Gráfico&#10;&#10;Descrição gerada automaticamente">
             <a:extLst>
               <a:ext uri="{FF2B5EF4-FFF2-40B4-BE49-F238E27FC236}">
-                <a16:creationId xmlns:a16="http://schemas.microsoft.com/office/drawing/2014/main" id="{2A52372C-042F-E3F6-22BB-530364743BF9}"/>
+                <a16:creationId xmlns:a16="http://schemas.microsoft.com/office/drawing/2014/main" id="{2C896ECB-949F-C60B-B791-26758DD5375E}"/>
               </a:ext>
             </a:extLst>
           </p:cNvPr>
@@ -5924,7 +9648,7 @@
           <p:nvPr/>
         </p:nvPicPr>
         <p:blipFill>
-          <a:blip r:embed="rId3">
+          <a:blip r:embed="rId5">
             <a:extLst>
               <a:ext uri="{28A0092B-C50C-407E-A947-70E740481C1C}">
                 <a14:useLocalDpi xmlns:a14="http://schemas.microsoft.com/office/drawing/2010/main" val="0"/>
@@ -5937,8 +9661,424 @@
         </p:blipFill>
         <p:spPr>
           <a:xfrm>
-            <a:off x="1366820" y="652920"/>
-            <a:ext cx="3863548" cy="2377568"/>
+            <a:off x="6659751" y="2901460"/>
+            <a:ext cx="3791479" cy="1779104"/>
+          </a:xfrm>
+          <a:prstGeom prst="rect">
+            <a:avLst/>
+          </a:prstGeom>
+        </p:spPr>
+      </p:pic>
+      <p:sp>
+        <p:nvSpPr>
+          <p:cNvPr id="9" name="Retângulo 8">
+            <a:extLst>
+              <a:ext uri="{FF2B5EF4-FFF2-40B4-BE49-F238E27FC236}">
+                <a16:creationId xmlns:a16="http://schemas.microsoft.com/office/drawing/2014/main" id="{FB0F4132-DC47-E7F9-F1A0-9D8581FCB0D1}"/>
+              </a:ext>
+            </a:extLst>
+          </p:cNvPr>
+          <p:cNvSpPr/>
+          <p:nvPr/>
+        </p:nvSpPr>
+        <p:spPr>
+          <a:xfrm>
+            <a:off x="1999233" y="1728828"/>
+            <a:ext cx="1056300" cy="159026"/>
+          </a:xfrm>
+          <a:prstGeom prst="rect">
+            <a:avLst/>
+          </a:prstGeom>
+          <a:noFill/>
+        </p:spPr>
+        <p:style>
+          <a:lnRef idx="2">
+            <a:schemeClr val="accent2"/>
+          </a:lnRef>
+          <a:fillRef idx="1">
+            <a:schemeClr val="lt1"/>
+          </a:fillRef>
+          <a:effectRef idx="0">
+            <a:schemeClr val="accent2"/>
+          </a:effectRef>
+          <a:fontRef idx="minor">
+            <a:schemeClr val="dk1"/>
+          </a:fontRef>
+        </p:style>
+        <p:txBody>
+          <a:bodyPr rtlCol="0" anchor="ctr"/>
+          <a:lstStyle/>
+          <a:p>
+            <a:pPr algn="ctr"/>
+            <a:endParaRPr lang="pt-BR">
+              <a:ln w="0"/>
+              <a:solidFill>
+                <a:schemeClr val="tx1"/>
+              </a:solidFill>
+              <a:effectLst>
+                <a:outerShdw blurRad="38100" dist="19050" dir="2700000" algn="tl" rotWithShape="0">
+                  <a:schemeClr val="dk1">
+                    <a:alpha val="40000"/>
+                  </a:schemeClr>
+                </a:outerShdw>
+              </a:effectLst>
+            </a:endParaRPr>
+          </a:p>
+        </p:txBody>
+      </p:sp>
+      <p:sp>
+        <p:nvSpPr>
+          <p:cNvPr id="10" name="Retângulo 9">
+            <a:extLst>
+              <a:ext uri="{FF2B5EF4-FFF2-40B4-BE49-F238E27FC236}">
+                <a16:creationId xmlns:a16="http://schemas.microsoft.com/office/drawing/2014/main" id="{8E32325C-0CDC-036B-E315-FC0FA49630F5}"/>
+              </a:ext>
+            </a:extLst>
+          </p:cNvPr>
+          <p:cNvSpPr/>
+          <p:nvPr/>
+        </p:nvSpPr>
+        <p:spPr>
+          <a:xfrm>
+            <a:off x="6687675" y="3832762"/>
+            <a:ext cx="1056300" cy="159026"/>
+          </a:xfrm>
+          <a:prstGeom prst="rect">
+            <a:avLst/>
+          </a:prstGeom>
+          <a:noFill/>
+        </p:spPr>
+        <p:style>
+          <a:lnRef idx="2">
+            <a:schemeClr val="accent2"/>
+          </a:lnRef>
+          <a:fillRef idx="1">
+            <a:schemeClr val="lt1"/>
+          </a:fillRef>
+          <a:effectRef idx="0">
+            <a:schemeClr val="accent2"/>
+          </a:effectRef>
+          <a:fontRef idx="minor">
+            <a:schemeClr val="dk1"/>
+          </a:fontRef>
+        </p:style>
+        <p:txBody>
+          <a:bodyPr rtlCol="0" anchor="ctr"/>
+          <a:lstStyle/>
+          <a:p>
+            <a:pPr algn="ctr"/>
+            <a:endParaRPr lang="pt-BR">
+              <a:ln w="0"/>
+              <a:solidFill>
+                <a:schemeClr val="tx1"/>
+              </a:solidFill>
+              <a:effectLst>
+                <a:outerShdw blurRad="38100" dist="19050" dir="2700000" algn="tl" rotWithShape="0">
+                  <a:schemeClr val="dk1">
+                    <a:alpha val="40000"/>
+                  </a:schemeClr>
+                </a:outerShdw>
+              </a:effectLst>
+            </a:endParaRPr>
+          </a:p>
+        </p:txBody>
+      </p:sp>
+      <p:sp>
+        <p:nvSpPr>
+          <p:cNvPr id="11" name="Retângulo 10">
+            <a:extLst>
+              <a:ext uri="{FF2B5EF4-FFF2-40B4-BE49-F238E27FC236}">
+                <a16:creationId xmlns:a16="http://schemas.microsoft.com/office/drawing/2014/main" id="{BACEA7C9-73AE-7F76-39F4-AB5850CC34A2}"/>
+              </a:ext>
+            </a:extLst>
+          </p:cNvPr>
+          <p:cNvSpPr/>
+          <p:nvPr/>
+        </p:nvSpPr>
+        <p:spPr>
+          <a:xfrm>
+            <a:off x="6687675" y="4477651"/>
+            <a:ext cx="1056300" cy="159026"/>
+          </a:xfrm>
+          <a:prstGeom prst="rect">
+            <a:avLst/>
+          </a:prstGeom>
+          <a:noFill/>
+        </p:spPr>
+        <p:style>
+          <a:lnRef idx="2">
+            <a:schemeClr val="accent6"/>
+          </a:lnRef>
+          <a:fillRef idx="1">
+            <a:schemeClr val="lt1"/>
+          </a:fillRef>
+          <a:effectRef idx="0">
+            <a:schemeClr val="accent6"/>
+          </a:effectRef>
+          <a:fontRef idx="minor">
+            <a:schemeClr val="dk1"/>
+          </a:fontRef>
+        </p:style>
+        <p:txBody>
+          <a:bodyPr rtlCol="0" anchor="ctr"/>
+          <a:lstStyle/>
+          <a:p>
+            <a:pPr algn="ctr"/>
+            <a:endParaRPr lang="pt-BR">
+              <a:ln w="0"/>
+              <a:solidFill>
+                <a:schemeClr val="tx1"/>
+              </a:solidFill>
+              <a:effectLst>
+                <a:outerShdw blurRad="38100" dist="19050" dir="2700000" algn="tl" rotWithShape="0">
+                  <a:schemeClr val="dk1">
+                    <a:alpha val="40000"/>
+                  </a:schemeClr>
+                </a:outerShdw>
+              </a:effectLst>
+            </a:endParaRPr>
+          </a:p>
+        </p:txBody>
+      </p:sp>
+      <p:sp>
+        <p:nvSpPr>
+          <p:cNvPr id="12" name="Retângulo 11">
+            <a:extLst>
+              <a:ext uri="{FF2B5EF4-FFF2-40B4-BE49-F238E27FC236}">
+                <a16:creationId xmlns:a16="http://schemas.microsoft.com/office/drawing/2014/main" id="{A1829504-753D-2055-24D5-D1348DD3A200}"/>
+              </a:ext>
+            </a:extLst>
+          </p:cNvPr>
+          <p:cNvSpPr/>
+          <p:nvPr/>
+        </p:nvSpPr>
+        <p:spPr>
+          <a:xfrm>
+            <a:off x="1999233" y="1900987"/>
+            <a:ext cx="1056300" cy="159026"/>
+          </a:xfrm>
+          <a:prstGeom prst="rect">
+            <a:avLst/>
+          </a:prstGeom>
+          <a:noFill/>
+        </p:spPr>
+        <p:style>
+          <a:lnRef idx="2">
+            <a:schemeClr val="accent6"/>
+          </a:lnRef>
+          <a:fillRef idx="1">
+            <a:schemeClr val="lt1"/>
+          </a:fillRef>
+          <a:effectRef idx="0">
+            <a:schemeClr val="accent6"/>
+          </a:effectRef>
+          <a:fontRef idx="minor">
+            <a:schemeClr val="dk1"/>
+          </a:fontRef>
+        </p:style>
+        <p:txBody>
+          <a:bodyPr rtlCol="0" anchor="ctr"/>
+          <a:lstStyle/>
+          <a:p>
+            <a:pPr algn="ctr"/>
+            <a:endParaRPr lang="pt-BR">
+              <a:ln w="0"/>
+              <a:solidFill>
+                <a:schemeClr val="tx1"/>
+              </a:solidFill>
+              <a:effectLst>
+                <a:outerShdw blurRad="38100" dist="19050" dir="2700000" algn="tl" rotWithShape="0">
+                  <a:schemeClr val="dk1">
+                    <a:alpha val="40000"/>
+                  </a:schemeClr>
+                </a:outerShdw>
+              </a:effectLst>
+            </a:endParaRPr>
+          </a:p>
+        </p:txBody>
+      </p:sp>
+      <p:sp>
+        <p:nvSpPr>
+          <p:cNvPr id="13" name="CaixaDeTexto 12">
+            <a:extLst>
+              <a:ext uri="{FF2B5EF4-FFF2-40B4-BE49-F238E27FC236}">
+                <a16:creationId xmlns:a16="http://schemas.microsoft.com/office/drawing/2014/main" id="{3A7741AB-A93D-C632-5784-B98B081A8D15}"/>
+              </a:ext>
+            </a:extLst>
+          </p:cNvPr>
+          <p:cNvSpPr txBox="1"/>
+          <p:nvPr/>
+        </p:nvSpPr>
+        <p:spPr>
+          <a:xfrm>
+            <a:off x="3058706" y="5113806"/>
+            <a:ext cx="6429161" cy="1477328"/>
+          </a:xfrm>
+          <a:prstGeom prst="rect">
+            <a:avLst/>
+          </a:prstGeom>
+          <a:noFill/>
+        </p:spPr>
+        <p:txBody>
+          <a:bodyPr wrap="square" rtlCol="0">
+            <a:spAutoFit/>
+          </a:bodyPr>
+          <a:lstStyle/>
+          <a:p>
+            <a:pPr algn="just"/>
+            <a:r>
+              <a:rPr lang="pt-BR" dirty="0"/>
+              <a:t>Analisando a relação entre a taxa de desemprego por </a:t>
+            </a:r>
+            <a:r>
+              <a:rPr lang="en-US" dirty="0"/>
+              <a:t>região</a:t>
+            </a:r>
+            <a:r>
+              <a:rPr lang="pt-BR" dirty="0"/>
+              <a:t> e a taxa de feminicídios, percebemos que as regiões com os maiores índices de desemprego, como o Nordeste e o Norte, aparecem em segundo e último lugar, respectivamente, na tabela de feminicídios.</a:t>
+            </a:r>
+          </a:p>
+        </p:txBody>
+      </p:sp>
+      <p:pic>
+        <p:nvPicPr>
+          <p:cNvPr id="27" name="Gráfico 26" descr="Gráfico de barras com tendência ascendente estrutura de tópicos">
+            <a:extLst>
+              <a:ext uri="{FF2B5EF4-FFF2-40B4-BE49-F238E27FC236}">
+                <a16:creationId xmlns:a16="http://schemas.microsoft.com/office/drawing/2014/main" id="{ED63DE03-9A75-BFDE-BE67-70CBF390507C}"/>
+              </a:ext>
+            </a:extLst>
+          </p:cNvPr>
+          <p:cNvPicPr>
+            <a:picLocks noChangeAspect="1"/>
+          </p:cNvPicPr>
+          <p:nvPr/>
+        </p:nvPicPr>
+        <p:blipFill>
+          <a:blip r:embed="rId6">
+            <a:extLst>
+              <a:ext uri="{96DAC541-7B7A-43D3-8B79-37D633B846F1}">
+                <asvg:svgBlip xmlns:asvg="http://schemas.microsoft.com/office/drawing/2016/SVG/main" r:embed="rId7"/>
+              </a:ext>
+            </a:extLst>
+          </a:blip>
+          <a:stretch>
+            <a:fillRect/>
+          </a:stretch>
+        </p:blipFill>
+        <p:spPr>
+          <a:xfrm>
+            <a:off x="464182" y="72187"/>
+            <a:ext cx="914400" cy="914400"/>
+          </a:xfrm>
+          <a:prstGeom prst="rect">
+            <a:avLst/>
+          </a:prstGeom>
+        </p:spPr>
+      </p:pic>
+      <p:pic>
+        <p:nvPicPr>
+          <p:cNvPr id="29" name="Gráfico 28" descr="Funcionária de escritório com preenchimento sólido">
+            <a:extLst>
+              <a:ext uri="{FF2B5EF4-FFF2-40B4-BE49-F238E27FC236}">
+                <a16:creationId xmlns:a16="http://schemas.microsoft.com/office/drawing/2014/main" id="{997E27F6-15ED-3F33-B664-D1758970289F}"/>
+              </a:ext>
+            </a:extLst>
+          </p:cNvPr>
+          <p:cNvPicPr>
+            <a:picLocks noChangeAspect="1"/>
+          </p:cNvPicPr>
+          <p:nvPr/>
+        </p:nvPicPr>
+        <p:blipFill>
+          <a:blip r:embed="rId8">
+            <a:extLst>
+              <a:ext uri="{96DAC541-7B7A-43D3-8B79-37D633B846F1}">
+                <asvg:svgBlip xmlns:asvg="http://schemas.microsoft.com/office/drawing/2016/SVG/main" r:embed="rId9"/>
+              </a:ext>
+            </a:extLst>
+          </a:blip>
+          <a:stretch>
+            <a:fillRect/>
+          </a:stretch>
+        </p:blipFill>
+        <p:spPr>
+          <a:xfrm>
+            <a:off x="4367323" y="3245147"/>
+            <a:ext cx="914400" cy="914400"/>
+          </a:xfrm>
+          <a:prstGeom prst="rect">
+            <a:avLst/>
+          </a:prstGeom>
+        </p:spPr>
+      </p:pic>
+      <p:pic>
+        <p:nvPicPr>
+          <p:cNvPr id="33" name="Gráfico 32" descr="Camisa social com preenchimento sólido">
+            <a:extLst>
+              <a:ext uri="{FF2B5EF4-FFF2-40B4-BE49-F238E27FC236}">
+                <a16:creationId xmlns:a16="http://schemas.microsoft.com/office/drawing/2014/main" id="{48CAAB7E-08A6-FF1F-B01C-6BC60A9A257B}"/>
+              </a:ext>
+            </a:extLst>
+          </p:cNvPr>
+          <p:cNvPicPr>
+            <a:picLocks noChangeAspect="1"/>
+          </p:cNvPicPr>
+          <p:nvPr/>
+        </p:nvPicPr>
+        <p:blipFill>
+          <a:blip r:embed="rId10">
+            <a:extLst>
+              <a:ext uri="{96DAC541-7B7A-43D3-8B79-37D633B846F1}">
+                <asvg:svgBlip xmlns:asvg="http://schemas.microsoft.com/office/drawing/2016/SVG/main" r:embed="rId11"/>
+              </a:ext>
+            </a:extLst>
+          </a:blip>
+          <a:stretch>
+            <a:fillRect/>
+          </a:stretch>
+        </p:blipFill>
+        <p:spPr>
+          <a:xfrm>
+            <a:off x="828476" y="5785916"/>
+            <a:ext cx="914400" cy="914400"/>
+          </a:xfrm>
+          <a:prstGeom prst="rect">
+            <a:avLst/>
+          </a:prstGeom>
+        </p:spPr>
+      </p:pic>
+      <p:pic>
+        <p:nvPicPr>
+          <p:cNvPr id="35" name="Gráfico 34" descr="Funcionária de construção com preenchimento sólido">
+            <a:extLst>
+              <a:ext uri="{FF2B5EF4-FFF2-40B4-BE49-F238E27FC236}">
+                <a16:creationId xmlns:a16="http://schemas.microsoft.com/office/drawing/2014/main" id="{D294B73E-0219-DA9B-B824-FFC72E870991}"/>
+              </a:ext>
+            </a:extLst>
+          </p:cNvPr>
+          <p:cNvPicPr>
+            <a:picLocks noChangeAspect="1"/>
+          </p:cNvPicPr>
+          <p:nvPr/>
+        </p:nvPicPr>
+        <p:blipFill>
+          <a:blip r:embed="rId12">
+            <a:extLst>
+              <a:ext uri="{96DAC541-7B7A-43D3-8B79-37D633B846F1}">
+                <asvg:svgBlip xmlns:asvg="http://schemas.microsoft.com/office/drawing/2016/SVG/main" r:embed="rId13"/>
+              </a:ext>
+            </a:extLst>
+          </a:blip>
+          <a:stretch>
+            <a:fillRect/>
+          </a:stretch>
+        </p:blipFill>
+        <p:spPr>
+          <a:xfrm>
+            <a:off x="8223233" y="986587"/>
+            <a:ext cx="914400" cy="914400"/>
           </a:xfrm>
           <a:prstGeom prst="rect">
             <a:avLst/>
@@ -5955,14 +10095,446 @@
   <p:clrMapOvr>
     <a:masterClrMapping/>
   </p:clrMapOvr>
-  <mc:AlternateContent xmlns:mc="http://schemas.openxmlformats.org/markup-compatibility/2006">
-    <mc:Choice xmlns:p14="http://schemas.microsoft.com/office/powerpoint/2010/main" Requires="p14">
+  <mc:AlternateContent xmlns:mc="http://schemas.openxmlformats.org/markup-compatibility/2006" xmlns:p14="http://schemas.microsoft.com/office/powerpoint/2010/main">
+    <mc:Choice Requires="p14">
       <p:transition spd="slow" p14:dur="2000" advTm="37003"/>
     </mc:Choice>
-    <mc:Fallback>
+    <mc:Fallback xmlns="">
       <p:transition spd="slow" advTm="37003"/>
     </mc:Fallback>
   </mc:AlternateContent>
+  <p:timing>
+    <p:tnLst>
+      <p:par>
+        <p:cTn id="1" dur="indefinite" restart="never" nodeType="tmRoot">
+          <p:childTnLst>
+            <p:seq concurrent="1" nextAc="seek">
+              <p:cTn id="2" dur="indefinite" nodeType="mainSeq">
+                <p:childTnLst>
+                  <p:par>
+                    <p:cTn id="3" fill="hold">
+                      <p:stCondLst>
+                        <p:cond delay="indefinite"/>
+                      </p:stCondLst>
+                      <p:childTnLst>
+                        <p:par>
+                          <p:cTn id="4" fill="hold">
+                            <p:stCondLst>
+                              <p:cond delay="0"/>
+                            </p:stCondLst>
+                            <p:childTnLst>
+                              <p:par>
+                                <p:cTn id="5" presetID="42" presetClass="entr" presetSubtype="0" fill="hold" grpId="0" nodeType="clickEffect">
+                                  <p:stCondLst>
+                                    <p:cond delay="0"/>
+                                  </p:stCondLst>
+                                  <p:childTnLst>
+                                    <p:set>
+                                      <p:cBhvr>
+                                        <p:cTn id="6" dur="1" fill="hold">
+                                          <p:stCondLst>
+                                            <p:cond delay="0"/>
+                                          </p:stCondLst>
+                                        </p:cTn>
+                                        <p:tgtEl>
+                                          <p:spTgt spid="9"/>
+                                        </p:tgtEl>
+                                        <p:attrNameLst>
+                                          <p:attrName>style.visibility</p:attrName>
+                                        </p:attrNameLst>
+                                      </p:cBhvr>
+                                      <p:to>
+                                        <p:strVal val="visible"/>
+                                      </p:to>
+                                    </p:set>
+                                    <p:animEffect transition="in" filter="fade">
+                                      <p:cBhvr>
+                                        <p:cTn id="7" dur="1000"/>
+                                        <p:tgtEl>
+                                          <p:spTgt spid="9"/>
+                                        </p:tgtEl>
+                                      </p:cBhvr>
+                                    </p:animEffect>
+                                    <p:anim calcmode="lin" valueType="num">
+                                      <p:cBhvr>
+                                        <p:cTn id="8" dur="1000" fill="hold"/>
+                                        <p:tgtEl>
+                                          <p:spTgt spid="9"/>
+                                        </p:tgtEl>
+                                        <p:attrNameLst>
+                                          <p:attrName>ppt_x</p:attrName>
+                                        </p:attrNameLst>
+                                      </p:cBhvr>
+                                      <p:tavLst>
+                                        <p:tav tm="0">
+                                          <p:val>
+                                            <p:strVal val="#ppt_x"/>
+                                          </p:val>
+                                        </p:tav>
+                                        <p:tav tm="100000">
+                                          <p:val>
+                                            <p:strVal val="#ppt_x"/>
+                                          </p:val>
+                                        </p:tav>
+                                      </p:tavLst>
+                                    </p:anim>
+                                    <p:anim calcmode="lin" valueType="num">
+                                      <p:cBhvr>
+                                        <p:cTn id="9" dur="1000" fill="hold"/>
+                                        <p:tgtEl>
+                                          <p:spTgt spid="9"/>
+                                        </p:tgtEl>
+                                        <p:attrNameLst>
+                                          <p:attrName>ppt_y</p:attrName>
+                                        </p:attrNameLst>
+                                      </p:cBhvr>
+                                      <p:tavLst>
+                                        <p:tav tm="0">
+                                          <p:val>
+                                            <p:strVal val="#ppt_y+.1"/>
+                                          </p:val>
+                                        </p:tav>
+                                        <p:tav tm="100000">
+                                          <p:val>
+                                            <p:strVal val="#ppt_y"/>
+                                          </p:val>
+                                        </p:tav>
+                                      </p:tavLst>
+                                    </p:anim>
+                                  </p:childTnLst>
+                                </p:cTn>
+                              </p:par>
+                            </p:childTnLst>
+                          </p:cTn>
+                        </p:par>
+                      </p:childTnLst>
+                    </p:cTn>
+                  </p:par>
+                  <p:par>
+                    <p:cTn id="10" fill="hold">
+                      <p:stCondLst>
+                        <p:cond delay="indefinite"/>
+                      </p:stCondLst>
+                      <p:childTnLst>
+                        <p:par>
+                          <p:cTn id="11" fill="hold">
+                            <p:stCondLst>
+                              <p:cond delay="0"/>
+                            </p:stCondLst>
+                            <p:childTnLst>
+                              <p:par>
+                                <p:cTn id="12" presetID="42" presetClass="entr" presetSubtype="0" fill="hold" grpId="0" nodeType="clickEffect">
+                                  <p:stCondLst>
+                                    <p:cond delay="0"/>
+                                  </p:stCondLst>
+                                  <p:childTnLst>
+                                    <p:set>
+                                      <p:cBhvr>
+                                        <p:cTn id="13" dur="1" fill="hold">
+                                          <p:stCondLst>
+                                            <p:cond delay="0"/>
+                                          </p:stCondLst>
+                                        </p:cTn>
+                                        <p:tgtEl>
+                                          <p:spTgt spid="10"/>
+                                        </p:tgtEl>
+                                        <p:attrNameLst>
+                                          <p:attrName>style.visibility</p:attrName>
+                                        </p:attrNameLst>
+                                      </p:cBhvr>
+                                      <p:to>
+                                        <p:strVal val="visible"/>
+                                      </p:to>
+                                    </p:set>
+                                    <p:animEffect transition="in" filter="fade">
+                                      <p:cBhvr>
+                                        <p:cTn id="14" dur="1000"/>
+                                        <p:tgtEl>
+                                          <p:spTgt spid="10"/>
+                                        </p:tgtEl>
+                                      </p:cBhvr>
+                                    </p:animEffect>
+                                    <p:anim calcmode="lin" valueType="num">
+                                      <p:cBhvr>
+                                        <p:cTn id="15" dur="1000" fill="hold"/>
+                                        <p:tgtEl>
+                                          <p:spTgt spid="10"/>
+                                        </p:tgtEl>
+                                        <p:attrNameLst>
+                                          <p:attrName>ppt_x</p:attrName>
+                                        </p:attrNameLst>
+                                      </p:cBhvr>
+                                      <p:tavLst>
+                                        <p:tav tm="0">
+                                          <p:val>
+                                            <p:strVal val="#ppt_x"/>
+                                          </p:val>
+                                        </p:tav>
+                                        <p:tav tm="100000">
+                                          <p:val>
+                                            <p:strVal val="#ppt_x"/>
+                                          </p:val>
+                                        </p:tav>
+                                      </p:tavLst>
+                                    </p:anim>
+                                    <p:anim calcmode="lin" valueType="num">
+                                      <p:cBhvr>
+                                        <p:cTn id="16" dur="1000" fill="hold"/>
+                                        <p:tgtEl>
+                                          <p:spTgt spid="10"/>
+                                        </p:tgtEl>
+                                        <p:attrNameLst>
+                                          <p:attrName>ppt_y</p:attrName>
+                                        </p:attrNameLst>
+                                      </p:cBhvr>
+                                      <p:tavLst>
+                                        <p:tav tm="0">
+                                          <p:val>
+                                            <p:strVal val="#ppt_y+.1"/>
+                                          </p:val>
+                                        </p:tav>
+                                        <p:tav tm="100000">
+                                          <p:val>
+                                            <p:strVal val="#ppt_y"/>
+                                          </p:val>
+                                        </p:tav>
+                                      </p:tavLst>
+                                    </p:anim>
+                                  </p:childTnLst>
+                                </p:cTn>
+                              </p:par>
+                            </p:childTnLst>
+                          </p:cTn>
+                        </p:par>
+                      </p:childTnLst>
+                    </p:cTn>
+                  </p:par>
+                  <p:par>
+                    <p:cTn id="17" fill="hold">
+                      <p:stCondLst>
+                        <p:cond delay="indefinite"/>
+                      </p:stCondLst>
+                      <p:childTnLst>
+                        <p:par>
+                          <p:cTn id="18" fill="hold">
+                            <p:stCondLst>
+                              <p:cond delay="0"/>
+                            </p:stCondLst>
+                            <p:childTnLst>
+                              <p:par>
+                                <p:cTn id="19" presetID="42" presetClass="entr" presetSubtype="0" fill="hold" grpId="0" nodeType="clickEffect">
+                                  <p:stCondLst>
+                                    <p:cond delay="0"/>
+                                  </p:stCondLst>
+                                  <p:childTnLst>
+                                    <p:set>
+                                      <p:cBhvr>
+                                        <p:cTn id="20" dur="1" fill="hold">
+                                          <p:stCondLst>
+                                            <p:cond delay="0"/>
+                                          </p:stCondLst>
+                                        </p:cTn>
+                                        <p:tgtEl>
+                                          <p:spTgt spid="12"/>
+                                        </p:tgtEl>
+                                        <p:attrNameLst>
+                                          <p:attrName>style.visibility</p:attrName>
+                                        </p:attrNameLst>
+                                      </p:cBhvr>
+                                      <p:to>
+                                        <p:strVal val="visible"/>
+                                      </p:to>
+                                    </p:set>
+                                    <p:animEffect transition="in" filter="fade">
+                                      <p:cBhvr>
+                                        <p:cTn id="21" dur="1000"/>
+                                        <p:tgtEl>
+                                          <p:spTgt spid="12"/>
+                                        </p:tgtEl>
+                                      </p:cBhvr>
+                                    </p:animEffect>
+                                    <p:anim calcmode="lin" valueType="num">
+                                      <p:cBhvr>
+                                        <p:cTn id="22" dur="1000" fill="hold"/>
+                                        <p:tgtEl>
+                                          <p:spTgt spid="12"/>
+                                        </p:tgtEl>
+                                        <p:attrNameLst>
+                                          <p:attrName>ppt_x</p:attrName>
+                                        </p:attrNameLst>
+                                      </p:cBhvr>
+                                      <p:tavLst>
+                                        <p:tav tm="0">
+                                          <p:val>
+                                            <p:strVal val="#ppt_x"/>
+                                          </p:val>
+                                        </p:tav>
+                                        <p:tav tm="100000">
+                                          <p:val>
+                                            <p:strVal val="#ppt_x"/>
+                                          </p:val>
+                                        </p:tav>
+                                      </p:tavLst>
+                                    </p:anim>
+                                    <p:anim calcmode="lin" valueType="num">
+                                      <p:cBhvr>
+                                        <p:cTn id="23" dur="1000" fill="hold"/>
+                                        <p:tgtEl>
+                                          <p:spTgt spid="12"/>
+                                        </p:tgtEl>
+                                        <p:attrNameLst>
+                                          <p:attrName>ppt_y</p:attrName>
+                                        </p:attrNameLst>
+                                      </p:cBhvr>
+                                      <p:tavLst>
+                                        <p:tav tm="0">
+                                          <p:val>
+                                            <p:strVal val="#ppt_y+.1"/>
+                                          </p:val>
+                                        </p:tav>
+                                        <p:tav tm="100000">
+                                          <p:val>
+                                            <p:strVal val="#ppt_y"/>
+                                          </p:val>
+                                        </p:tav>
+                                      </p:tavLst>
+                                    </p:anim>
+                                  </p:childTnLst>
+                                </p:cTn>
+                              </p:par>
+                            </p:childTnLst>
+                          </p:cTn>
+                        </p:par>
+                      </p:childTnLst>
+                    </p:cTn>
+                  </p:par>
+                  <p:par>
+                    <p:cTn id="24" fill="hold">
+                      <p:stCondLst>
+                        <p:cond delay="indefinite"/>
+                      </p:stCondLst>
+                      <p:childTnLst>
+                        <p:par>
+                          <p:cTn id="25" fill="hold">
+                            <p:stCondLst>
+                              <p:cond delay="0"/>
+                            </p:stCondLst>
+                            <p:childTnLst>
+                              <p:par>
+                                <p:cTn id="26" presetID="42" presetClass="entr" presetSubtype="0" fill="hold" grpId="0" nodeType="clickEffect">
+                                  <p:stCondLst>
+                                    <p:cond delay="0"/>
+                                  </p:stCondLst>
+                                  <p:childTnLst>
+                                    <p:set>
+                                      <p:cBhvr>
+                                        <p:cTn id="27" dur="1" fill="hold">
+                                          <p:stCondLst>
+                                            <p:cond delay="0"/>
+                                          </p:stCondLst>
+                                        </p:cTn>
+                                        <p:tgtEl>
+                                          <p:spTgt spid="11"/>
+                                        </p:tgtEl>
+                                        <p:attrNameLst>
+                                          <p:attrName>style.visibility</p:attrName>
+                                        </p:attrNameLst>
+                                      </p:cBhvr>
+                                      <p:to>
+                                        <p:strVal val="visible"/>
+                                      </p:to>
+                                    </p:set>
+                                    <p:animEffect transition="in" filter="fade">
+                                      <p:cBhvr>
+                                        <p:cTn id="28" dur="1000"/>
+                                        <p:tgtEl>
+                                          <p:spTgt spid="11"/>
+                                        </p:tgtEl>
+                                      </p:cBhvr>
+                                    </p:animEffect>
+                                    <p:anim calcmode="lin" valueType="num">
+                                      <p:cBhvr>
+                                        <p:cTn id="29" dur="1000" fill="hold"/>
+                                        <p:tgtEl>
+                                          <p:spTgt spid="11"/>
+                                        </p:tgtEl>
+                                        <p:attrNameLst>
+                                          <p:attrName>ppt_x</p:attrName>
+                                        </p:attrNameLst>
+                                      </p:cBhvr>
+                                      <p:tavLst>
+                                        <p:tav tm="0">
+                                          <p:val>
+                                            <p:strVal val="#ppt_x"/>
+                                          </p:val>
+                                        </p:tav>
+                                        <p:tav tm="100000">
+                                          <p:val>
+                                            <p:strVal val="#ppt_x"/>
+                                          </p:val>
+                                        </p:tav>
+                                      </p:tavLst>
+                                    </p:anim>
+                                    <p:anim calcmode="lin" valueType="num">
+                                      <p:cBhvr>
+                                        <p:cTn id="30" dur="1000" fill="hold"/>
+                                        <p:tgtEl>
+                                          <p:spTgt spid="11"/>
+                                        </p:tgtEl>
+                                        <p:attrNameLst>
+                                          <p:attrName>ppt_y</p:attrName>
+                                        </p:attrNameLst>
+                                      </p:cBhvr>
+                                      <p:tavLst>
+                                        <p:tav tm="0">
+                                          <p:val>
+                                            <p:strVal val="#ppt_y+.1"/>
+                                          </p:val>
+                                        </p:tav>
+                                        <p:tav tm="100000">
+                                          <p:val>
+                                            <p:strVal val="#ppt_y"/>
+                                          </p:val>
+                                        </p:tav>
+                                      </p:tavLst>
+                                    </p:anim>
+                                  </p:childTnLst>
+                                </p:cTn>
+                              </p:par>
+                            </p:childTnLst>
+                          </p:cTn>
+                        </p:par>
+                      </p:childTnLst>
+                    </p:cTn>
+                  </p:par>
+                </p:childTnLst>
+              </p:cTn>
+              <p:prevCondLst>
+                <p:cond evt="onPrev" delay="0">
+                  <p:tgtEl>
+                    <p:sldTgt/>
+                  </p:tgtEl>
+                </p:cond>
+              </p:prevCondLst>
+              <p:nextCondLst>
+                <p:cond evt="onNext" delay="0">
+                  <p:tgtEl>
+                    <p:sldTgt/>
+                  </p:tgtEl>
+                </p:cond>
+              </p:nextCondLst>
+            </p:seq>
+          </p:childTnLst>
+        </p:cTn>
+      </p:par>
+    </p:tnLst>
+    <p:bldLst>
+      <p:bldP spid="9" grpId="0" animBg="1"/>
+      <p:bldP spid="10" grpId="0" animBg="1"/>
+      <p:bldP spid="11" grpId="0" animBg="1"/>
+      <p:bldP spid="12" grpId="0" animBg="1"/>
+    </p:bldLst>
+  </p:timing>
 </p:sld>
 </file>
 
@@ -6005,12 +10577,8 @@
           <a:lstStyle/>
           <a:p>
             <a:r>
-              <a:rPr lang="en-US" dirty="0" err="1"/>
-              <a:t>Conclusão</a:t>
-            </a:r>
-            <a:r>
               <a:rPr lang="en-US" dirty="0"/>
-              <a:t> </a:t>
+              <a:t>Conclusão </a:t>
             </a:r>
             <a:endParaRPr lang="pt-BR" dirty="0"/>
           </a:p>
@@ -6032,17 +10600,24 @@
             <p:ph idx="1"/>
           </p:nvPr>
         </p:nvSpPr>
-        <p:spPr/>
+        <p:spPr>
+          <a:xfrm>
+            <a:off x="1261872" y="1828801"/>
+            <a:ext cx="8595360" cy="3443844"/>
+          </a:xfrm>
+        </p:spPr>
         <p:txBody>
           <a:bodyPr/>
           <a:lstStyle/>
           <a:p>
+            <a:pPr algn="just"/>
             <a:r>
               <a:rPr lang="pt-BR" dirty="0"/>
               <a:t>Esta análise evidenciou o crescimento preocupante do feminicídio no Brasil entre 2020 e 2024, com destaque para estados como Rio de Janeiro e São Paulo. Apesar dos avanços em políticas de combate à violência de gênero, como a criação de mais delegacias especializadas, ainda há grandes desafios a serem enfrentados, especialmente em regiões de alta vulnerabilidade. É crucial que políticas públicas sejam implementadas de forma mais equitativa e que o combate à violência de gênero seja uma prioridade contínua.</a:t>
             </a:r>
           </a:p>
           <a:p>
+            <a:pPr algn="just"/>
             <a:r>
               <a:rPr lang="pt-BR" dirty="0"/>
               <a:t>Reforçamos a importância de mais investimentos em proteção e conscientização, especialmente em áreas urbanas e rurais com altos índices de violência de gênero. Uma abordagem multifacetada é essencial para reduzir esses números e promover uma sociedade mais segura para todas as mulheres.</a:t>
@@ -6050,6 +10625,222 @@
           </a:p>
         </p:txBody>
       </p:sp>
+      <p:pic>
+        <p:nvPicPr>
+          <p:cNvPr id="17" name="Gráfico 16" descr="Gráfico de barras com tendência ascendente com preenchimento sólido">
+            <a:extLst>
+              <a:ext uri="{FF2B5EF4-FFF2-40B4-BE49-F238E27FC236}">
+                <a16:creationId xmlns:a16="http://schemas.microsoft.com/office/drawing/2014/main" id="{71DB051D-106A-F6FE-5E41-06DDF15F2565}"/>
+              </a:ext>
+            </a:extLst>
+          </p:cNvPr>
+          <p:cNvPicPr>
+            <a:picLocks noChangeAspect="1"/>
+          </p:cNvPicPr>
+          <p:nvPr/>
+        </p:nvPicPr>
+        <p:blipFill>
+          <a:blip r:embed="rId2">
+            <a:extLst>
+              <a:ext uri="{96DAC541-7B7A-43D3-8B79-37D633B846F1}">
+                <asvg:svgBlip xmlns:asvg="http://schemas.microsoft.com/office/drawing/2016/SVG/main" r:embed="rId3"/>
+              </a:ext>
+            </a:extLst>
+          </a:blip>
+          <a:stretch>
+            <a:fillRect/>
+          </a:stretch>
+        </p:blipFill>
+        <p:spPr>
+          <a:xfrm>
+            <a:off x="10232027" y="5766943"/>
+            <a:ext cx="914400" cy="914400"/>
+          </a:xfrm>
+          <a:prstGeom prst="rect">
+            <a:avLst/>
+          </a:prstGeom>
+        </p:spPr>
+      </p:pic>
+      <p:pic>
+        <p:nvPicPr>
+          <p:cNvPr id="19" name="Gráfico 18" descr="Mulher com criança com preenchimento sólido">
+            <a:extLst>
+              <a:ext uri="{FF2B5EF4-FFF2-40B4-BE49-F238E27FC236}">
+                <a16:creationId xmlns:a16="http://schemas.microsoft.com/office/drawing/2014/main" id="{EA3EE42D-17C2-1466-ABD5-FF24C6028F4A}"/>
+              </a:ext>
+            </a:extLst>
+          </p:cNvPr>
+          <p:cNvPicPr>
+            <a:picLocks noChangeAspect="1"/>
+          </p:cNvPicPr>
+          <p:nvPr/>
+        </p:nvPicPr>
+        <p:blipFill>
+          <a:blip r:embed="rId4">
+            <a:extLst>
+              <a:ext uri="{96DAC541-7B7A-43D3-8B79-37D633B846F1}">
+                <asvg:svgBlip xmlns:asvg="http://schemas.microsoft.com/office/drawing/2016/SVG/main" r:embed="rId5"/>
+              </a:ext>
+            </a:extLst>
+          </a:blip>
+          <a:stretch>
+            <a:fillRect/>
+          </a:stretch>
+        </p:blipFill>
+        <p:spPr>
+          <a:xfrm>
+            <a:off x="1371600" y="5766943"/>
+            <a:ext cx="1006457" cy="1006457"/>
+          </a:xfrm>
+          <a:prstGeom prst="rect">
+            <a:avLst/>
+          </a:prstGeom>
+        </p:spPr>
+      </p:pic>
+      <p:pic>
+        <p:nvPicPr>
+          <p:cNvPr id="21" name="Gráfico 20" descr="Mulher com preenchimento sólido">
+            <a:extLst>
+              <a:ext uri="{FF2B5EF4-FFF2-40B4-BE49-F238E27FC236}">
+                <a16:creationId xmlns:a16="http://schemas.microsoft.com/office/drawing/2014/main" id="{0EA504B3-D33C-9815-0289-EABDF483441F}"/>
+              </a:ext>
+            </a:extLst>
+          </p:cNvPr>
+          <p:cNvPicPr>
+            <a:picLocks noChangeAspect="1"/>
+          </p:cNvPicPr>
+          <p:nvPr/>
+        </p:nvPicPr>
+        <p:blipFill>
+          <a:blip r:embed="rId6">
+            <a:extLst>
+              <a:ext uri="{96DAC541-7B7A-43D3-8B79-37D633B846F1}">
+                <asvg:svgBlip xmlns:asvg="http://schemas.microsoft.com/office/drawing/2016/SVG/main" r:embed="rId7"/>
+              </a:ext>
+            </a:extLst>
+          </a:blip>
+          <a:stretch>
+            <a:fillRect/>
+          </a:stretch>
+        </p:blipFill>
+        <p:spPr>
+          <a:xfrm>
+            <a:off x="826186" y="5812972"/>
+            <a:ext cx="914400" cy="914400"/>
+          </a:xfrm>
+          <a:prstGeom prst="rect">
+            <a:avLst/>
+          </a:prstGeom>
+        </p:spPr>
+      </p:pic>
+      <p:pic>
+        <p:nvPicPr>
+          <p:cNvPr id="23" name="Gráfico 22" descr="Moça grávida com preenchimento sólido">
+            <a:extLst>
+              <a:ext uri="{FF2B5EF4-FFF2-40B4-BE49-F238E27FC236}">
+                <a16:creationId xmlns:a16="http://schemas.microsoft.com/office/drawing/2014/main" id="{1752BFF0-5194-DD00-5032-CD1789338D51}"/>
+              </a:ext>
+            </a:extLst>
+          </p:cNvPr>
+          <p:cNvPicPr>
+            <a:picLocks noChangeAspect="1"/>
+          </p:cNvPicPr>
+          <p:nvPr/>
+        </p:nvPicPr>
+        <p:blipFill>
+          <a:blip r:embed="rId8">
+            <a:extLst>
+              <a:ext uri="{96DAC541-7B7A-43D3-8B79-37D633B846F1}">
+                <asvg:svgBlip xmlns:asvg="http://schemas.microsoft.com/office/drawing/2016/SVG/main" r:embed="rId9"/>
+              </a:ext>
+            </a:extLst>
+          </a:blip>
+          <a:stretch>
+            <a:fillRect/>
+          </a:stretch>
+        </p:blipFill>
+        <p:spPr>
+          <a:xfrm>
+            <a:off x="372656" y="5824852"/>
+            <a:ext cx="914400" cy="914400"/>
+          </a:xfrm>
+          <a:prstGeom prst="rect">
+            <a:avLst/>
+          </a:prstGeom>
+        </p:spPr>
+      </p:pic>
+      <p:pic>
+        <p:nvPicPr>
+          <p:cNvPr id="25" name="Gráfico 24" descr="Mulher com bebê com preenchimento sólido">
+            <a:extLst>
+              <a:ext uri="{FF2B5EF4-FFF2-40B4-BE49-F238E27FC236}">
+                <a16:creationId xmlns:a16="http://schemas.microsoft.com/office/drawing/2014/main" id="{6F22E592-7E33-9D0E-F4B0-72952507E740}"/>
+              </a:ext>
+            </a:extLst>
+          </p:cNvPr>
+          <p:cNvPicPr>
+            <a:picLocks noChangeAspect="1"/>
+          </p:cNvPicPr>
+          <p:nvPr/>
+        </p:nvPicPr>
+        <p:blipFill>
+          <a:blip r:embed="rId10">
+            <a:extLst>
+              <a:ext uri="{96DAC541-7B7A-43D3-8B79-37D633B846F1}">
+                <asvg:svgBlip xmlns:asvg="http://schemas.microsoft.com/office/drawing/2016/SVG/main" r:embed="rId11"/>
+              </a:ext>
+            </a:extLst>
+          </a:blip>
+          <a:stretch>
+            <a:fillRect/>
+          </a:stretch>
+        </p:blipFill>
+        <p:spPr>
+          <a:xfrm>
+            <a:off x="-116279" y="5824029"/>
+            <a:ext cx="914400" cy="914400"/>
+          </a:xfrm>
+          <a:prstGeom prst="rect">
+            <a:avLst/>
+          </a:prstGeom>
+        </p:spPr>
+      </p:pic>
+      <p:pic>
+        <p:nvPicPr>
+          <p:cNvPr id="27" name="Gráfico 26" descr="Masculino com preenchimento sólido">
+            <a:extLst>
+              <a:ext uri="{FF2B5EF4-FFF2-40B4-BE49-F238E27FC236}">
+                <a16:creationId xmlns:a16="http://schemas.microsoft.com/office/drawing/2014/main" id="{6DDEC0ED-E12F-B68C-40B3-6C5E556E0A38}"/>
+              </a:ext>
+            </a:extLst>
+          </p:cNvPr>
+          <p:cNvPicPr>
+            <a:picLocks noChangeAspect="1"/>
+          </p:cNvPicPr>
+          <p:nvPr/>
+        </p:nvPicPr>
+        <p:blipFill>
+          <a:blip r:embed="rId12">
+            <a:extLst>
+              <a:ext uri="{96DAC541-7B7A-43D3-8B79-37D633B846F1}">
+                <asvg:svgBlip xmlns:asvg="http://schemas.microsoft.com/office/drawing/2016/SVG/main" r:embed="rId13"/>
+              </a:ext>
+            </a:extLst>
+          </a:blip>
+          <a:stretch>
+            <a:fillRect/>
+          </a:stretch>
+        </p:blipFill>
+        <p:spPr>
+          <a:xfrm>
+            <a:off x="3993398" y="872459"/>
+            <a:ext cx="914400" cy="914400"/>
+          </a:xfrm>
+          <a:prstGeom prst="rect">
+            <a:avLst/>
+          </a:prstGeom>
+        </p:spPr>
+      </p:pic>
     </p:spTree>
     <p:extLst>
       <p:ext uri="{BB962C8B-B14F-4D97-AF65-F5344CB8AC3E}">
@@ -6060,14 +10851,1379 @@
   <p:clrMapOvr>
     <a:masterClrMapping/>
   </p:clrMapOvr>
-  <mc:AlternateContent xmlns:mc="http://schemas.openxmlformats.org/markup-compatibility/2006">
-    <mc:Choice xmlns:p14="http://schemas.microsoft.com/office/powerpoint/2010/main" Requires="p14">
+  <mc:AlternateContent xmlns:mc="http://schemas.openxmlformats.org/markup-compatibility/2006" xmlns:p14="http://schemas.microsoft.com/office/powerpoint/2010/main">
+    <mc:Choice Requires="p14">
       <p:transition spd="slow" p14:dur="2000" advTm="25069"/>
     </mc:Choice>
-    <mc:Fallback>
+    <mc:Fallback xmlns="">
       <p:transition spd="slow" advTm="25069"/>
     </mc:Fallback>
   </mc:AlternateContent>
+</p:sld>
+</file>
+
+<file path=ppt/slides/slide9.xml><?xml version="1.0" encoding="utf-8"?>
+<p:sld xmlns:a="http://schemas.openxmlformats.org/drawingml/2006/main" xmlns:r="http://schemas.openxmlformats.org/officeDocument/2006/relationships" xmlns:p="http://schemas.openxmlformats.org/presentationml/2006/main">
+  <p:cSld>
+    <p:bg>
+      <p:bgPr>
+        <a:solidFill>
+          <a:schemeClr val="bg2">
+            <a:lumMod val="75000"/>
+          </a:schemeClr>
+        </a:solidFill>
+        <a:effectLst/>
+      </p:bgPr>
+    </p:bg>
+    <p:spTree>
+      <p:nvGrpSpPr>
+        <p:cNvPr id="1" name=""/>
+        <p:cNvGrpSpPr/>
+        <p:nvPr/>
+      </p:nvGrpSpPr>
+      <p:grpSpPr>
+        <a:xfrm>
+          <a:off x="0" y="0"/>
+          <a:ext cx="0" cy="0"/>
+          <a:chOff x="0" y="0"/>
+          <a:chExt cx="0" cy="0"/>
+        </a:xfrm>
+      </p:grpSpPr>
+      <p:sp>
+        <p:nvSpPr>
+          <p:cNvPr id="10" name="Rectangle 9">
+            <a:extLst>
+              <a:ext uri="{FF2B5EF4-FFF2-40B4-BE49-F238E27FC236}">
+                <a16:creationId xmlns:a16="http://schemas.microsoft.com/office/drawing/2014/main" id="{CA3FC43A-F2E5-409E-8C82-7DC3B69EA268}"/>
+              </a:ext>
+              <a:ext uri="{C183D7F6-B498-43B3-948B-1728B52AA6E4}">
+                <adec:decorative xmlns:adec="http://schemas.microsoft.com/office/drawing/2017/decorative" val="1"/>
+              </a:ext>
+            </a:extLst>
+          </p:cNvPr>
+          <p:cNvSpPr>
+            <a:spLocks noGrp="1" noRot="1" noChangeAspect="1" noMove="1" noResize="1" noEditPoints="1" noAdjustHandles="1" noChangeArrowheads="1" noChangeShapeType="1" noTextEdit="1"/>
+          </p:cNvSpPr>
+          <p:nvPr>
+            <p:extLst>
+              <p:ext uri="{386F3935-93C4-4BCD-93E2-E3B085C9AB24}">
+                <p16:designElem xmlns:p16="http://schemas.microsoft.com/office/powerpoint/2015/main" val="1"/>
+              </p:ext>
+            </p:extLst>
+          </p:nvPr>
+        </p:nvSpPr>
+        <p:spPr>
+          <a:xfrm>
+            <a:off x="-3" y="-2811"/>
+            <a:ext cx="4059081" cy="6858000"/>
+          </a:xfrm>
+          <a:prstGeom prst="rect">
+            <a:avLst/>
+          </a:prstGeom>
+          <a:solidFill>
+            <a:srgbClr val="000000"/>
+          </a:solidFill>
+          <a:ln>
+            <a:noFill/>
+          </a:ln>
+        </p:spPr>
+        <p:style>
+          <a:lnRef idx="2">
+            <a:schemeClr val="accent1">
+              <a:shade val="50000"/>
+            </a:schemeClr>
+          </a:lnRef>
+          <a:fillRef idx="1">
+            <a:schemeClr val="accent1"/>
+          </a:fillRef>
+          <a:effectRef idx="0">
+            <a:schemeClr val="accent1"/>
+          </a:effectRef>
+          <a:fontRef idx="minor">
+            <a:schemeClr val="lt1"/>
+          </a:fontRef>
+        </p:style>
+        <p:txBody>
+          <a:bodyPr rtlCol="0" anchor="ctr"/>
+          <a:lstStyle/>
+          <a:p>
+            <a:pPr algn="ctr"/>
+            <a:endParaRPr lang="en-US"/>
+          </a:p>
+        </p:txBody>
+      </p:sp>
+      <p:sp>
+        <p:nvSpPr>
+          <p:cNvPr id="12" name="Rectangle 11">
+            <a:extLst>
+              <a:ext uri="{FF2B5EF4-FFF2-40B4-BE49-F238E27FC236}">
+                <a16:creationId xmlns:a16="http://schemas.microsoft.com/office/drawing/2014/main" id="{1EEBFF7B-A218-4767-9A82-7ADFE8C9390D}"/>
+              </a:ext>
+              <a:ext uri="{C183D7F6-B498-43B3-948B-1728B52AA6E4}">
+                <adec:decorative xmlns:adec="http://schemas.microsoft.com/office/drawing/2017/decorative" val="1"/>
+              </a:ext>
+            </a:extLst>
+          </p:cNvPr>
+          <p:cNvSpPr>
+            <a:spLocks noGrp="1" noRot="1" noChangeAspect="1" noMove="1" noResize="1" noEditPoints="1" noAdjustHandles="1" noChangeArrowheads="1" noChangeShapeType="1" noTextEdit="1"/>
+          </p:cNvSpPr>
+          <p:nvPr>
+            <p:extLst>
+              <p:ext uri="{386F3935-93C4-4BCD-93E2-E3B085C9AB24}">
+                <p16:designElem xmlns:p16="http://schemas.microsoft.com/office/powerpoint/2015/main" val="1"/>
+              </p:ext>
+            </p:extLst>
+          </p:nvPr>
+        </p:nvSpPr>
+        <p:spPr>
+          <a:xfrm>
+            <a:off x="4059934" y="0"/>
+            <a:ext cx="7232906" cy="6858000"/>
+          </a:xfrm>
+          <a:prstGeom prst="rect">
+            <a:avLst/>
+          </a:prstGeom>
+          <a:solidFill>
+            <a:schemeClr val="accent1">
+              <a:lumMod val="75000"/>
+            </a:schemeClr>
+          </a:solidFill>
+          <a:ln>
+            <a:noFill/>
+          </a:ln>
+        </p:spPr>
+        <p:style>
+          <a:lnRef idx="2">
+            <a:schemeClr val="accent1">
+              <a:shade val="50000"/>
+            </a:schemeClr>
+          </a:lnRef>
+          <a:fillRef idx="1">
+            <a:schemeClr val="accent1"/>
+          </a:fillRef>
+          <a:effectRef idx="0">
+            <a:schemeClr val="accent1"/>
+          </a:effectRef>
+          <a:fontRef idx="minor">
+            <a:schemeClr val="lt1"/>
+          </a:fontRef>
+        </p:style>
+        <p:txBody>
+          <a:bodyPr rtlCol="0" anchor="ctr"/>
+          <a:lstStyle/>
+          <a:p>
+            <a:pPr algn="ctr"/>
+            <a:endParaRPr lang="en-US"/>
+          </a:p>
+        </p:txBody>
+      </p:sp>
+      <p:sp>
+        <p:nvSpPr>
+          <p:cNvPr id="6" name="CaixaDeTexto 5">
+            <a:extLst>
+              <a:ext uri="{FF2B5EF4-FFF2-40B4-BE49-F238E27FC236}">
+                <a16:creationId xmlns:a16="http://schemas.microsoft.com/office/drawing/2014/main" id="{C89DF73F-EE5E-4C7A-7F5B-699C74888099}"/>
+              </a:ext>
+            </a:extLst>
+          </p:cNvPr>
+          <p:cNvSpPr txBox="1"/>
+          <p:nvPr/>
+        </p:nvSpPr>
+        <p:spPr>
+          <a:xfrm>
+            <a:off x="466106" y="391885"/>
+            <a:ext cx="2954876" cy="1200329"/>
+          </a:xfrm>
+          <a:prstGeom prst="rect">
+            <a:avLst/>
+          </a:prstGeom>
+          <a:noFill/>
+        </p:spPr>
+        <p:txBody>
+          <a:bodyPr wrap="square" rtlCol="0">
+            <a:spAutoFit/>
+          </a:bodyPr>
+          <a:lstStyle/>
+          <a:p>
+            <a:pPr algn="just"/>
+            <a:r>
+              <a:rPr lang="pt-BR" dirty="0"/>
+              <a:t>Projeto desenvolvido para a conclusão do curso de Análise de Dados com Python, da </a:t>
+            </a:r>
+            <a:r>
+              <a:rPr lang="pt-BR" b="1" dirty="0">
+                <a:solidFill>
+                  <a:srgbClr val="7030A0"/>
+                </a:solidFill>
+              </a:rPr>
+              <a:t>Reprograma</a:t>
+            </a:r>
+            <a:r>
+              <a:rPr lang="pt-BR" dirty="0"/>
+              <a:t>.</a:t>
+            </a:r>
+          </a:p>
+        </p:txBody>
+      </p:sp>
+      <p:sp>
+        <p:nvSpPr>
+          <p:cNvPr id="7" name="CaixaDeTexto 6">
+            <a:extLst>
+              <a:ext uri="{FF2B5EF4-FFF2-40B4-BE49-F238E27FC236}">
+                <a16:creationId xmlns:a16="http://schemas.microsoft.com/office/drawing/2014/main" id="{7206DADA-2E88-E62A-FB16-8AB24089D1E0}"/>
+              </a:ext>
+            </a:extLst>
+          </p:cNvPr>
+          <p:cNvSpPr txBox="1"/>
+          <p:nvPr/>
+        </p:nvSpPr>
+        <p:spPr>
+          <a:xfrm>
+            <a:off x="95002" y="6449703"/>
+            <a:ext cx="2850078" cy="400110"/>
+          </a:xfrm>
+          <a:prstGeom prst="rect">
+            <a:avLst/>
+          </a:prstGeom>
+          <a:noFill/>
+        </p:spPr>
+        <p:txBody>
+          <a:bodyPr wrap="square" rtlCol="0">
+            <a:spAutoFit/>
+          </a:bodyPr>
+          <a:lstStyle/>
+          <a:p>
+            <a:r>
+              <a:rPr lang="en-US" sz="1000" b="1" dirty="0"/>
+              <a:t>Aluna</a:t>
+            </a:r>
+            <a:r>
+              <a:rPr lang="en-US" sz="1000" dirty="0"/>
+              <a:t>: Carolyne Santos de Oliveira</a:t>
+            </a:r>
+          </a:p>
+          <a:p>
+            <a:r>
+              <a:rPr lang="en-US" sz="1000" b="1" dirty="0" err="1"/>
+              <a:t>Turma</a:t>
+            </a:r>
+            <a:r>
+              <a:rPr lang="en-US" sz="1000" dirty="0"/>
+              <a:t>: ON33</a:t>
+            </a:r>
+            <a:endParaRPr lang="pt-BR" sz="1000" dirty="0"/>
+          </a:p>
+        </p:txBody>
+      </p:sp>
+      <p:sp>
+        <p:nvSpPr>
+          <p:cNvPr id="8" name="Rectangle 1">
+            <a:extLst>
+              <a:ext uri="{FF2B5EF4-FFF2-40B4-BE49-F238E27FC236}">
+                <a16:creationId xmlns:a16="http://schemas.microsoft.com/office/drawing/2014/main" id="{9D32C565-DC77-1442-640E-B28420AC558C}"/>
+              </a:ext>
+            </a:extLst>
+          </p:cNvPr>
+          <p:cNvSpPr>
+            <a:spLocks noChangeArrowheads="1"/>
+          </p:cNvSpPr>
+          <p:nvPr/>
+        </p:nvSpPr>
+        <p:spPr bwMode="auto">
+          <a:xfrm>
+            <a:off x="13992752" y="-5574601"/>
+            <a:ext cx="1328395" cy="20267087"/>
+          </a:xfrm>
+          <a:prstGeom prst="rect">
+            <a:avLst/>
+          </a:prstGeom>
+          <a:noFill/>
+          <a:ln>
+            <a:noFill/>
+          </a:ln>
+          <a:effectLst/>
+          <a:extLst>
+            <a:ext uri="{909E8E84-426E-40DD-AFC4-6F175D3DCCD1}">
+              <a14:hiddenFill xmlns:a14="http://schemas.microsoft.com/office/drawing/2010/main">
+                <a:solidFill>
+                  <a:schemeClr val="accent1"/>
+                </a:solidFill>
+              </a14:hiddenFill>
+            </a:ext>
+            <a:ext uri="{91240B29-F687-4F45-9708-019B960494DF}">
+              <a14:hiddenLine xmlns:a14="http://schemas.microsoft.com/office/drawing/2010/main" w="9525">
+                <a:solidFill>
+                  <a:schemeClr val="tx1"/>
+                </a:solidFill>
+                <a:miter lim="800000"/>
+                <a:headEnd/>
+                <a:tailEnd/>
+              </a14:hiddenLine>
+            </a:ext>
+            <a:ext uri="{AF507438-7753-43E0-B8FC-AC1667EBCBE1}">
+              <a14:hiddenEffects xmlns:a14="http://schemas.microsoft.com/office/drawing/2010/main">
+                <a:effectLst>
+                  <a:outerShdw dist="35921" dir="2700000" algn="ctr" rotWithShape="0">
+                    <a:schemeClr val="bg2"/>
+                  </a:outerShdw>
+                </a:effectLst>
+              </a14:hiddenEffects>
+            </a:ext>
+          </a:extLst>
+        </p:spPr>
+        <p:txBody>
+          <a:bodyPr vert="horz" wrap="square" lIns="91440" tIns="45720" rIns="91440" bIns="45720" numCol="1" anchor="ctr" anchorCtr="0" compatLnSpc="1">
+            <a:prstTxWarp prst="textNoShape">
+              <a:avLst/>
+            </a:prstTxWarp>
+            <a:spAutoFit/>
+          </a:bodyPr>
+          <a:lstStyle/>
+          <a:p>
+            <a:pPr marL="0" marR="0" lvl="0" indent="0" algn="l" defTabSz="914400" rtl="0" eaLnBrk="0" fontAlgn="base" latinLnBrk="0" hangingPunct="0">
+              <a:lnSpc>
+                <a:spcPct val="100000"/>
+              </a:lnSpc>
+              <a:spcBef>
+                <a:spcPct val="0"/>
+              </a:spcBef>
+              <a:spcAft>
+                <a:spcPct val="0"/>
+              </a:spcAft>
+              <a:buClrTx/>
+              <a:buSzTx/>
+              <a:buFontTx/>
+              <a:buNone/>
+              <a:tabLst/>
+            </a:pPr>
+            <a:r>
+              <a:rPr kumimoji="0" lang="pt-BR" altLang="pt-BR" sz="1800" b="0" i="0" u="none" strike="noStrike" cap="none" normalizeH="0" baseline="0">
+                <a:ln>
+                  <a:noFill/>
+                </a:ln>
+                <a:solidFill>
+                  <a:schemeClr val="tx1"/>
+                </a:solidFill>
+                <a:effectLst/>
+                <a:latin typeface="Arial" panose="020B0604020202020204" pitchFamily="34" charset="0"/>
+              </a:rPr>
+              <a:t>  </a:t>
+            </a:r>
+            <a:r>
+              <a:rPr kumimoji="0" lang="pt-BR" altLang="pt-BR" sz="13500" b="0" i="0" u="none" strike="noStrike" cap="none" normalizeH="0" baseline="0">
+                <a:ln>
+                  <a:noFill/>
+                </a:ln>
+                <a:solidFill>
+                  <a:schemeClr val="tx1"/>
+                </a:solidFill>
+                <a:effectLst/>
+                <a:latin typeface="Arial" panose="020B0604020202020204" pitchFamily="34" charset="0"/>
+              </a:rPr>
+              <a:t>     </a:t>
+            </a:r>
+            <a:br>
+              <a:rPr kumimoji="0" lang="pt-BR" altLang="pt-BR" sz="1800" b="0" i="0" u="none" strike="noStrike" cap="none" normalizeH="0" baseline="0">
+                <a:ln>
+                  <a:noFill/>
+                </a:ln>
+                <a:solidFill>
+                  <a:schemeClr val="tx1"/>
+                </a:solidFill>
+                <a:effectLst/>
+                <a:latin typeface="Arial" panose="020B0604020202020204" pitchFamily="34" charset="0"/>
+              </a:rPr>
+            </a:br>
+            <a:endParaRPr kumimoji="0" lang="pt-BR" altLang="pt-BR" sz="1800" b="0" i="0" u="none" strike="noStrike" cap="none" normalizeH="0" baseline="0">
+              <a:ln>
+                <a:noFill/>
+              </a:ln>
+              <a:solidFill>
+                <a:schemeClr val="tx1"/>
+              </a:solidFill>
+              <a:effectLst/>
+              <a:latin typeface="Arial" panose="020B0604020202020204" pitchFamily="34" charset="0"/>
+            </a:endParaRPr>
+          </a:p>
+          <a:p>
+            <a:pPr marL="0" marR="0" lvl="0" indent="0" algn="l" defTabSz="914400" rtl="0" eaLnBrk="0" fontAlgn="base" latinLnBrk="0" hangingPunct="0">
+              <a:lnSpc>
+                <a:spcPct val="100000"/>
+              </a:lnSpc>
+              <a:spcBef>
+                <a:spcPct val="0"/>
+              </a:spcBef>
+              <a:spcAft>
+                <a:spcPct val="0"/>
+              </a:spcAft>
+              <a:buClrTx/>
+              <a:buSzTx/>
+              <a:buFontTx/>
+              <a:buNone/>
+              <a:tabLst/>
+            </a:pPr>
+            <a:r>
+              <a:rPr kumimoji="0" lang="pt-BR" altLang="pt-BR" sz="1100" b="0" i="0" u="none" strike="noStrike" cap="none" normalizeH="0" baseline="0">
+                <a:ln>
+                  <a:noFill/>
+                </a:ln>
+                <a:solidFill>
+                  <a:srgbClr val="233A44"/>
+                </a:solidFill>
+                <a:effectLst/>
+                <a:latin typeface="Calibri" panose="020F0502020204030204" pitchFamily="34" charset="0"/>
+                <a:cs typeface="Calibri" panose="020F0502020204030204" pitchFamily="34" charset="0"/>
+              </a:rPr>
+              <a:t>dados.carolyne@gmail.com</a:t>
+            </a:r>
+            <a:endParaRPr kumimoji="0" lang="pt-BR" altLang="pt-BR" sz="600" b="0" i="0" u="none" strike="noStrike" cap="none" normalizeH="0" baseline="0">
+              <a:ln>
+                <a:noFill/>
+              </a:ln>
+              <a:solidFill>
+                <a:schemeClr val="tx1"/>
+              </a:solidFill>
+              <a:effectLst/>
+            </a:endParaRPr>
+          </a:p>
+          <a:p>
+            <a:pPr marL="0" marR="0" lvl="0" indent="0" algn="l" defTabSz="914400" rtl="0" eaLnBrk="0" fontAlgn="base" latinLnBrk="0" hangingPunct="0">
+              <a:lnSpc>
+                <a:spcPct val="100000"/>
+              </a:lnSpc>
+              <a:spcBef>
+                <a:spcPct val="0"/>
+              </a:spcBef>
+              <a:spcAft>
+                <a:spcPct val="0"/>
+              </a:spcAft>
+              <a:buClrTx/>
+              <a:buSzTx/>
+              <a:buFontTx/>
+              <a:buNone/>
+              <a:tabLst/>
+            </a:pPr>
+            <a:r>
+              <a:rPr kumimoji="0" lang="pt-BR" altLang="pt-BR" sz="1800" b="0" i="0" u="none" strike="noStrike" cap="none" normalizeH="0" baseline="0">
+                <a:ln>
+                  <a:noFill/>
+                </a:ln>
+                <a:solidFill>
+                  <a:schemeClr val="tx1"/>
+                </a:solidFill>
+                <a:effectLst/>
+                <a:latin typeface="Arial" panose="020B0604020202020204" pitchFamily="34" charset="0"/>
+              </a:rPr>
+              <a:t>  </a:t>
+            </a:r>
+            <a:r>
+              <a:rPr kumimoji="0" lang="pt-BR" altLang="pt-BR" sz="11500" b="0" i="0" u="none" strike="noStrike" cap="none" normalizeH="0" baseline="0">
+                <a:ln>
+                  <a:noFill/>
+                </a:ln>
+                <a:solidFill>
+                  <a:schemeClr val="tx1"/>
+                </a:solidFill>
+                <a:effectLst/>
+                <a:latin typeface="Arial" panose="020B0604020202020204" pitchFamily="34" charset="0"/>
+              </a:rPr>
+              <a:t>     </a:t>
+            </a:r>
+            <a:br>
+              <a:rPr kumimoji="0" lang="pt-BR" altLang="pt-BR" sz="1800" b="0" i="0" u="none" strike="noStrike" cap="none" normalizeH="0" baseline="0">
+                <a:ln>
+                  <a:noFill/>
+                </a:ln>
+                <a:solidFill>
+                  <a:schemeClr val="tx1"/>
+                </a:solidFill>
+                <a:effectLst/>
+                <a:latin typeface="Arial" panose="020B0604020202020204" pitchFamily="34" charset="0"/>
+              </a:rPr>
+            </a:br>
+            <a:endParaRPr kumimoji="0" lang="pt-BR" altLang="pt-BR" sz="1800" b="0" i="0" u="none" strike="noStrike" cap="none" normalizeH="0" baseline="0">
+              <a:ln>
+                <a:noFill/>
+              </a:ln>
+              <a:solidFill>
+                <a:schemeClr val="tx1"/>
+              </a:solidFill>
+              <a:effectLst/>
+              <a:latin typeface="Arial" panose="020B0604020202020204" pitchFamily="34" charset="0"/>
+            </a:endParaRPr>
+          </a:p>
+          <a:p>
+            <a:pPr marL="0" marR="0" lvl="0" indent="0" algn="l" defTabSz="914400" rtl="0" eaLnBrk="0" fontAlgn="base" latinLnBrk="0" hangingPunct="0">
+              <a:lnSpc>
+                <a:spcPct val="100000"/>
+              </a:lnSpc>
+              <a:spcBef>
+                <a:spcPct val="0"/>
+              </a:spcBef>
+              <a:spcAft>
+                <a:spcPct val="0"/>
+              </a:spcAft>
+              <a:buClrTx/>
+              <a:buSzTx/>
+              <a:buFontTx/>
+              <a:buNone/>
+              <a:tabLst/>
+            </a:pPr>
+            <a:r>
+              <a:rPr kumimoji="0" lang="pt-BR" altLang="pt-BR" sz="1100" b="0" i="0" u="none" strike="noStrike" cap="none" normalizeH="0" baseline="0">
+                <a:ln>
+                  <a:noFill/>
+                </a:ln>
+                <a:solidFill>
+                  <a:srgbClr val="233A44"/>
+                </a:solidFill>
+                <a:effectLst/>
+                <a:latin typeface="Calibri" panose="020F0502020204030204" pitchFamily="34" charset="0"/>
+                <a:cs typeface="Calibri" panose="020F0502020204030204" pitchFamily="34" charset="0"/>
+              </a:rPr>
+              <a:t>linkedin.com/in/CarolyneS14</a:t>
+            </a:r>
+            <a:endParaRPr kumimoji="0" lang="pt-BR" altLang="pt-BR" sz="600" b="0" i="0" u="none" strike="noStrike" cap="none" normalizeH="0" baseline="0">
+              <a:ln>
+                <a:noFill/>
+              </a:ln>
+              <a:solidFill>
+                <a:schemeClr val="tx1"/>
+              </a:solidFill>
+              <a:effectLst/>
+            </a:endParaRPr>
+          </a:p>
+          <a:p>
+            <a:pPr marL="0" marR="0" lvl="0" indent="0" algn="l" defTabSz="914400" rtl="0" eaLnBrk="0" fontAlgn="base" latinLnBrk="0" hangingPunct="0">
+              <a:lnSpc>
+                <a:spcPct val="100000"/>
+              </a:lnSpc>
+              <a:spcBef>
+                <a:spcPct val="0"/>
+              </a:spcBef>
+              <a:spcAft>
+                <a:spcPct val="0"/>
+              </a:spcAft>
+              <a:buClrTx/>
+              <a:buSzTx/>
+              <a:buFontTx/>
+              <a:buNone/>
+              <a:tabLst/>
+            </a:pPr>
+            <a:r>
+              <a:rPr kumimoji="0" lang="pt-BR" altLang="pt-BR" sz="1800" b="0" i="0" u="none" strike="noStrike" cap="none" normalizeH="0" baseline="0">
+                <a:ln>
+                  <a:noFill/>
+                </a:ln>
+                <a:solidFill>
+                  <a:schemeClr val="tx1"/>
+                </a:solidFill>
+                <a:effectLst/>
+                <a:latin typeface="Arial" panose="020B0604020202020204" pitchFamily="34" charset="0"/>
+              </a:rPr>
+              <a:t>  </a:t>
+            </a:r>
+            <a:r>
+              <a:rPr kumimoji="0" lang="pt-BR" altLang="pt-BR" sz="13500" b="0" i="0" u="none" strike="noStrike" cap="none" normalizeH="0" baseline="0">
+                <a:ln>
+                  <a:noFill/>
+                </a:ln>
+                <a:solidFill>
+                  <a:schemeClr val="tx1"/>
+                </a:solidFill>
+                <a:effectLst/>
+                <a:latin typeface="Arial" panose="020B0604020202020204" pitchFamily="34" charset="0"/>
+              </a:rPr>
+              <a:t>     </a:t>
+            </a:r>
+            <a:br>
+              <a:rPr kumimoji="0" lang="pt-BR" altLang="pt-BR" sz="1800" b="0" i="0" u="none" strike="noStrike" cap="none" normalizeH="0" baseline="0">
+                <a:ln>
+                  <a:noFill/>
+                </a:ln>
+                <a:solidFill>
+                  <a:schemeClr val="tx1"/>
+                </a:solidFill>
+                <a:effectLst/>
+                <a:latin typeface="Arial" panose="020B0604020202020204" pitchFamily="34" charset="0"/>
+              </a:rPr>
+            </a:br>
+            <a:endParaRPr kumimoji="0" lang="pt-BR" altLang="pt-BR" sz="1800" b="0" i="0" u="none" strike="noStrike" cap="none" normalizeH="0" baseline="0">
+              <a:ln>
+                <a:noFill/>
+              </a:ln>
+              <a:solidFill>
+                <a:schemeClr val="tx1"/>
+              </a:solidFill>
+              <a:effectLst/>
+              <a:latin typeface="Arial" panose="020B0604020202020204" pitchFamily="34" charset="0"/>
+            </a:endParaRPr>
+          </a:p>
+          <a:p>
+            <a:pPr marL="0" marR="0" lvl="0" indent="0" algn="l" defTabSz="914400" rtl="0" eaLnBrk="0" fontAlgn="base" latinLnBrk="0" hangingPunct="0">
+              <a:lnSpc>
+                <a:spcPct val="100000"/>
+              </a:lnSpc>
+              <a:spcBef>
+                <a:spcPct val="0"/>
+              </a:spcBef>
+              <a:spcAft>
+                <a:spcPct val="0"/>
+              </a:spcAft>
+              <a:buClrTx/>
+              <a:buSzTx/>
+              <a:buFontTx/>
+              <a:buNone/>
+              <a:tabLst/>
+            </a:pPr>
+            <a:r>
+              <a:rPr kumimoji="0" lang="pt-BR" altLang="pt-BR" sz="1100" b="0" i="0" u="none" strike="noStrike" cap="none" normalizeH="0" baseline="0">
+                <a:ln>
+                  <a:noFill/>
+                </a:ln>
+                <a:solidFill>
+                  <a:srgbClr val="233A44"/>
+                </a:solidFill>
+                <a:effectLst/>
+                <a:latin typeface="Calibri" panose="020F0502020204030204" pitchFamily="34" charset="0"/>
+                <a:cs typeface="Calibri" panose="020F0502020204030204" pitchFamily="34" charset="0"/>
+              </a:rPr>
+              <a:t>github.com/CarolyneS14</a:t>
+            </a:r>
+            <a:endParaRPr kumimoji="0" lang="pt-BR" altLang="pt-BR" sz="600" b="0" i="0" u="none" strike="noStrike" cap="none" normalizeH="0" baseline="0">
+              <a:ln>
+                <a:noFill/>
+              </a:ln>
+              <a:solidFill>
+                <a:schemeClr val="tx1"/>
+              </a:solidFill>
+              <a:effectLst/>
+            </a:endParaRPr>
+          </a:p>
+          <a:p>
+            <a:pPr marL="0" marR="0" lvl="0" indent="0" algn="l" defTabSz="914400" rtl="0" eaLnBrk="0" fontAlgn="base" latinLnBrk="0" hangingPunct="0">
+              <a:lnSpc>
+                <a:spcPct val="100000"/>
+              </a:lnSpc>
+              <a:spcBef>
+                <a:spcPct val="0"/>
+              </a:spcBef>
+              <a:spcAft>
+                <a:spcPct val="0"/>
+              </a:spcAft>
+              <a:buClrTx/>
+              <a:buSzTx/>
+              <a:buFontTx/>
+              <a:buNone/>
+              <a:tabLst/>
+            </a:pPr>
+            <a:br>
+              <a:rPr kumimoji="0" lang="pt-BR" altLang="pt-BR" sz="1800" b="0" i="0" u="none" strike="noStrike" cap="none" normalizeH="0" baseline="0">
+                <a:ln>
+                  <a:noFill/>
+                </a:ln>
+                <a:solidFill>
+                  <a:schemeClr val="tx1"/>
+                </a:solidFill>
+                <a:effectLst/>
+                <a:latin typeface="Arial" panose="020B0604020202020204" pitchFamily="34" charset="0"/>
+              </a:rPr>
+            </a:br>
+            <a:endParaRPr kumimoji="0" lang="pt-BR" altLang="pt-BR" sz="1800" b="0" i="0" u="none" strike="noStrike" cap="none" normalizeH="0" baseline="0">
+              <a:ln>
+                <a:noFill/>
+              </a:ln>
+              <a:solidFill>
+                <a:schemeClr val="tx1"/>
+              </a:solidFill>
+              <a:effectLst/>
+              <a:latin typeface="Arial" panose="020B0604020202020204" pitchFamily="34" charset="0"/>
+            </a:endParaRPr>
+          </a:p>
+        </p:txBody>
+      </p:sp>
+      <p:pic>
+        <p:nvPicPr>
+          <p:cNvPr id="1026" name="Picture 2">
+            <a:extLst>
+              <a:ext uri="{FF2B5EF4-FFF2-40B4-BE49-F238E27FC236}">
+                <a16:creationId xmlns:a16="http://schemas.microsoft.com/office/drawing/2014/main" id="{758A234F-B764-9802-B643-D8A2F610E49F}"/>
+              </a:ext>
+            </a:extLst>
+          </p:cNvPr>
+          <p:cNvPicPr>
+            <a:picLocks noChangeAspect="1" noChangeArrowheads="1"/>
+          </p:cNvPicPr>
+          <p:nvPr/>
+        </p:nvPicPr>
+        <p:blipFill>
+          <a:blip r:embed="rId2">
+            <a:extLst>
+              <a:ext uri="{28A0092B-C50C-407E-A947-70E740481C1C}">
+                <a14:useLocalDpi xmlns:a14="http://schemas.microsoft.com/office/drawing/2010/main" val="0"/>
+              </a:ext>
+            </a:extLst>
+          </a:blip>
+          <a:srcRect/>
+          <a:stretch>
+            <a:fillRect/>
+          </a:stretch>
+        </p:blipFill>
+        <p:spPr bwMode="auto">
+          <a:xfrm>
+            <a:off x="466106" y="4331658"/>
+            <a:ext cx="489898" cy="489898"/>
+          </a:xfrm>
+          <a:prstGeom prst="roundRect">
+            <a:avLst>
+              <a:gd name="adj" fmla="val 8594"/>
+            </a:avLst>
+          </a:prstGeom>
+          <a:solidFill>
+            <a:srgbClr val="FFFFFF">
+              <a:shade val="85000"/>
+            </a:srgbClr>
+          </a:solidFill>
+          <a:ln>
+            <a:noFill/>
+          </a:ln>
+          <a:effectLst>
+            <a:reflection blurRad="12700" stA="38000" endPos="28000" dist="5000" dir="5400000" sy="-100000" algn="bl" rotWithShape="0"/>
+          </a:effectLst>
+        </p:spPr>
+      </p:pic>
+      <p:pic>
+        <p:nvPicPr>
+          <p:cNvPr id="1027" name="Picture 3">
+            <a:extLst>
+              <a:ext uri="{FF2B5EF4-FFF2-40B4-BE49-F238E27FC236}">
+                <a16:creationId xmlns:a16="http://schemas.microsoft.com/office/drawing/2014/main" id="{DA21CF49-099D-3644-47B4-A7BBE26E2D46}"/>
+              </a:ext>
+            </a:extLst>
+          </p:cNvPr>
+          <p:cNvPicPr>
+            <a:picLocks noChangeAspect="1" noChangeArrowheads="1"/>
+          </p:cNvPicPr>
+          <p:nvPr/>
+        </p:nvPicPr>
+        <p:blipFill>
+          <a:blip r:embed="rId3">
+            <a:extLst>
+              <a:ext uri="{28A0092B-C50C-407E-A947-70E740481C1C}">
+                <a14:useLocalDpi xmlns:a14="http://schemas.microsoft.com/office/drawing/2010/main" val="0"/>
+              </a:ext>
+            </a:extLst>
+          </a:blip>
+          <a:srcRect/>
+          <a:stretch>
+            <a:fillRect/>
+          </a:stretch>
+        </p:blipFill>
+        <p:spPr bwMode="auto">
+          <a:xfrm>
+            <a:off x="466106" y="5057107"/>
+            <a:ext cx="489898" cy="418046"/>
+          </a:xfrm>
+          <a:prstGeom prst="roundRect">
+            <a:avLst>
+              <a:gd name="adj" fmla="val 8594"/>
+            </a:avLst>
+          </a:prstGeom>
+          <a:solidFill>
+            <a:srgbClr val="FFFFFF">
+              <a:shade val="85000"/>
+            </a:srgbClr>
+          </a:solidFill>
+          <a:ln>
+            <a:noFill/>
+          </a:ln>
+          <a:effectLst>
+            <a:reflection blurRad="12700" stA="38000" endPos="28000" dist="5000" dir="5400000" sy="-100000" algn="bl" rotWithShape="0"/>
+          </a:effectLst>
+        </p:spPr>
+      </p:pic>
+      <p:pic>
+        <p:nvPicPr>
+          <p:cNvPr id="1028" name="Picture 4">
+            <a:extLst>
+              <a:ext uri="{FF2B5EF4-FFF2-40B4-BE49-F238E27FC236}">
+                <a16:creationId xmlns:a16="http://schemas.microsoft.com/office/drawing/2014/main" id="{618F9E3B-60D5-4AEC-8F65-4F132B41CF78}"/>
+              </a:ext>
+            </a:extLst>
+          </p:cNvPr>
+          <p:cNvPicPr>
+            <a:picLocks noChangeAspect="1" noChangeArrowheads="1"/>
+          </p:cNvPicPr>
+          <p:nvPr/>
+        </p:nvPicPr>
+        <p:blipFill>
+          <a:blip r:embed="rId4">
+            <a:extLst>
+              <a:ext uri="{28A0092B-C50C-407E-A947-70E740481C1C}">
+                <a14:useLocalDpi xmlns:a14="http://schemas.microsoft.com/office/drawing/2010/main" val="0"/>
+              </a:ext>
+            </a:extLst>
+          </a:blip>
+          <a:srcRect/>
+          <a:stretch>
+            <a:fillRect/>
+          </a:stretch>
+        </p:blipFill>
+        <p:spPr bwMode="auto">
+          <a:xfrm>
+            <a:off x="466106" y="5718960"/>
+            <a:ext cx="489898" cy="489898"/>
+          </a:xfrm>
+          <a:prstGeom prst="roundRect">
+            <a:avLst>
+              <a:gd name="adj" fmla="val 8594"/>
+            </a:avLst>
+          </a:prstGeom>
+          <a:solidFill>
+            <a:srgbClr val="FFFFFF">
+              <a:shade val="85000"/>
+            </a:srgbClr>
+          </a:solidFill>
+          <a:ln>
+            <a:noFill/>
+          </a:ln>
+          <a:effectLst>
+            <a:reflection blurRad="12700" stA="38000" endPos="28000" dist="5000" dir="5400000" sy="-100000" algn="bl" rotWithShape="0"/>
+          </a:effectLst>
+        </p:spPr>
+      </p:pic>
+      <p:sp>
+        <p:nvSpPr>
+          <p:cNvPr id="9" name="CaixaDeTexto 8">
+            <a:extLst>
+              <a:ext uri="{FF2B5EF4-FFF2-40B4-BE49-F238E27FC236}">
+                <a16:creationId xmlns:a16="http://schemas.microsoft.com/office/drawing/2014/main" id="{444DDF54-8CBB-FD97-B621-147B974614F2}"/>
+              </a:ext>
+            </a:extLst>
+          </p:cNvPr>
+          <p:cNvSpPr txBox="1"/>
+          <p:nvPr/>
+        </p:nvSpPr>
+        <p:spPr>
+          <a:xfrm>
+            <a:off x="946503" y="4438107"/>
+            <a:ext cx="2438853" cy="276999"/>
+          </a:xfrm>
+          <a:prstGeom prst="rect">
+            <a:avLst/>
+          </a:prstGeom>
+          <a:noFill/>
+        </p:spPr>
+        <p:txBody>
+          <a:bodyPr wrap="square" rtlCol="0">
+            <a:spAutoFit/>
+          </a:bodyPr>
+          <a:lstStyle/>
+          <a:p>
+            <a:r>
+              <a:rPr lang="pt-BR" sz="1200" dirty="0"/>
+              <a:t>dados.carolyne@gmail.com</a:t>
+            </a:r>
+          </a:p>
+        </p:txBody>
+      </p:sp>
+      <p:sp>
+        <p:nvSpPr>
+          <p:cNvPr id="11" name="CaixaDeTexto 10">
+            <a:extLst>
+              <a:ext uri="{FF2B5EF4-FFF2-40B4-BE49-F238E27FC236}">
+                <a16:creationId xmlns:a16="http://schemas.microsoft.com/office/drawing/2014/main" id="{E0FCB454-4988-DA45-B262-564BC8F1E4A6}"/>
+              </a:ext>
+            </a:extLst>
+          </p:cNvPr>
+          <p:cNvSpPr txBox="1"/>
+          <p:nvPr/>
+        </p:nvSpPr>
+        <p:spPr>
+          <a:xfrm>
+            <a:off x="946502" y="5161534"/>
+            <a:ext cx="2438854" cy="276999"/>
+          </a:xfrm>
+          <a:prstGeom prst="rect">
+            <a:avLst/>
+          </a:prstGeom>
+          <a:noFill/>
+        </p:spPr>
+        <p:txBody>
+          <a:bodyPr wrap="square" rtlCol="0">
+            <a:spAutoFit/>
+          </a:bodyPr>
+          <a:lstStyle/>
+          <a:p>
+            <a:r>
+              <a:rPr lang="pt-BR" sz="1200" dirty="0"/>
+              <a:t>linkedin.com/in/CarolyneS14</a:t>
+            </a:r>
+          </a:p>
+        </p:txBody>
+      </p:sp>
+      <p:sp>
+        <p:nvSpPr>
+          <p:cNvPr id="13" name="CaixaDeTexto 12">
+            <a:extLst>
+              <a:ext uri="{FF2B5EF4-FFF2-40B4-BE49-F238E27FC236}">
+                <a16:creationId xmlns:a16="http://schemas.microsoft.com/office/drawing/2014/main" id="{DE2DE6FF-0947-DE7E-6F61-E71C65BF5BAE}"/>
+              </a:ext>
+            </a:extLst>
+          </p:cNvPr>
+          <p:cNvSpPr txBox="1"/>
+          <p:nvPr/>
+        </p:nvSpPr>
+        <p:spPr>
+          <a:xfrm>
+            <a:off x="956004" y="5834819"/>
+            <a:ext cx="2464978" cy="276999"/>
+          </a:xfrm>
+          <a:prstGeom prst="rect">
+            <a:avLst/>
+          </a:prstGeom>
+          <a:noFill/>
+        </p:spPr>
+        <p:txBody>
+          <a:bodyPr wrap="square" rtlCol="0">
+            <a:spAutoFit/>
+          </a:bodyPr>
+          <a:lstStyle/>
+          <a:p>
+            <a:r>
+              <a:rPr lang="pt-BR" sz="1200" dirty="0"/>
+              <a:t>github.com/CarolyneS14</a:t>
+            </a:r>
+          </a:p>
+        </p:txBody>
+      </p:sp>
+      <p:sp>
+        <p:nvSpPr>
+          <p:cNvPr id="14" name="CaixaDeTexto 13">
+            <a:extLst>
+              <a:ext uri="{FF2B5EF4-FFF2-40B4-BE49-F238E27FC236}">
+                <a16:creationId xmlns:a16="http://schemas.microsoft.com/office/drawing/2014/main" id="{0DD2B717-B444-F5D8-ABE7-C5D02100277C}"/>
+              </a:ext>
+            </a:extLst>
+          </p:cNvPr>
+          <p:cNvSpPr txBox="1"/>
+          <p:nvPr/>
+        </p:nvSpPr>
+        <p:spPr>
+          <a:xfrm>
+            <a:off x="4512623" y="504701"/>
+            <a:ext cx="6377055" cy="1200329"/>
+          </a:xfrm>
+          <a:prstGeom prst="rect">
+            <a:avLst/>
+          </a:prstGeom>
+          <a:noFill/>
+        </p:spPr>
+        <p:txBody>
+          <a:bodyPr wrap="square" rtlCol="0">
+            <a:spAutoFit/>
+          </a:bodyPr>
+          <a:lstStyle/>
+          <a:p>
+            <a:pPr algn="just"/>
+            <a:r>
+              <a:rPr lang="pt-BR" sz="1200" dirty="0"/>
+              <a:t>Sites úteis:</a:t>
+            </a:r>
+          </a:p>
+          <a:p>
+            <a:pPr algn="just"/>
+            <a:endParaRPr lang="pt-BR" sz="1200" dirty="0"/>
+          </a:p>
+          <a:p>
+            <a:pPr algn="just">
+              <a:buFont typeface="Arial" panose="020B0604020202020204" pitchFamily="34" charset="0"/>
+              <a:buChar char="•"/>
+            </a:pPr>
+            <a:r>
+              <a:rPr lang="pt-BR" sz="1200" dirty="0"/>
+              <a:t>Visualizações desenvolvidas no </a:t>
+            </a:r>
+            <a:r>
+              <a:rPr lang="pt-BR" sz="1200" dirty="0">
+                <a:hlinkClick r:id="rId5"/>
+              </a:rPr>
+              <a:t>Tableau</a:t>
+            </a:r>
+            <a:r>
+              <a:rPr lang="pt-BR" sz="1200" dirty="0"/>
+              <a:t>.</a:t>
+            </a:r>
+          </a:p>
+          <a:p>
+            <a:pPr algn="just">
+              <a:buFont typeface="Arial" panose="020B0604020202020204" pitchFamily="34" charset="0"/>
+              <a:buChar char="•"/>
+            </a:pPr>
+            <a:r>
+              <a:rPr lang="pt-BR" sz="1200" dirty="0"/>
+              <a:t>Análises e limpeza da base de dados realizadas no </a:t>
+            </a:r>
+            <a:r>
+              <a:rPr lang="pt-BR" sz="1200" dirty="0">
+                <a:hlinkClick r:id="rId6"/>
+              </a:rPr>
+              <a:t>Google </a:t>
+            </a:r>
+            <a:r>
+              <a:rPr lang="pt-BR" sz="1200" dirty="0" err="1">
+                <a:hlinkClick r:id="rId6"/>
+              </a:rPr>
+              <a:t>Colab</a:t>
+            </a:r>
+            <a:r>
+              <a:rPr lang="pt-BR" sz="1200" dirty="0"/>
+              <a:t>.</a:t>
+            </a:r>
+          </a:p>
+          <a:p>
+            <a:pPr algn="just">
+              <a:buFont typeface="Arial" panose="020B0604020202020204" pitchFamily="34" charset="0"/>
+              <a:buChar char="•"/>
+            </a:pPr>
+            <a:r>
+              <a:rPr lang="pt-BR" sz="1200" dirty="0"/>
+              <a:t>Bases de dados utilizadas disponíveis no </a:t>
+            </a:r>
+            <a:r>
+              <a:rPr lang="pt-BR" sz="1200" dirty="0">
+                <a:hlinkClick r:id="rId7"/>
+              </a:rPr>
+              <a:t>Google Drive</a:t>
+            </a:r>
+            <a:r>
+              <a:rPr lang="pt-BR" sz="1200" dirty="0"/>
+              <a:t>.</a:t>
+            </a:r>
+          </a:p>
+          <a:p>
+            <a:pPr algn="just">
+              <a:buFont typeface="Arial" panose="020B0604020202020204" pitchFamily="34" charset="0"/>
+              <a:buChar char="•"/>
+            </a:pPr>
+            <a:r>
+              <a:rPr lang="pt-BR" sz="1200" dirty="0"/>
+              <a:t>Todos os arquivos também poderão ser encontrados no repositório do </a:t>
+            </a:r>
+            <a:r>
+              <a:rPr lang="pt-BR" sz="1200" dirty="0">
+                <a:hlinkClick r:id="rId8"/>
+              </a:rPr>
+              <a:t>GitHub</a:t>
+            </a:r>
+            <a:r>
+              <a:rPr lang="pt-BR" sz="1200" dirty="0"/>
+              <a:t>.</a:t>
+            </a:r>
+          </a:p>
+        </p:txBody>
+      </p:sp>
+      <p:sp>
+        <p:nvSpPr>
+          <p:cNvPr id="16" name="CaixaDeTexto 15">
+            <a:extLst>
+              <a:ext uri="{FF2B5EF4-FFF2-40B4-BE49-F238E27FC236}">
+                <a16:creationId xmlns:a16="http://schemas.microsoft.com/office/drawing/2014/main" id="{53993C49-C626-7797-7D32-6ECE32198F97}"/>
+              </a:ext>
+            </a:extLst>
+          </p:cNvPr>
+          <p:cNvSpPr txBox="1"/>
+          <p:nvPr/>
+        </p:nvSpPr>
+        <p:spPr>
+          <a:xfrm>
+            <a:off x="4059078" y="4974242"/>
+            <a:ext cx="6139543" cy="1600438"/>
+          </a:xfrm>
+          <a:prstGeom prst="rect">
+            <a:avLst/>
+          </a:prstGeom>
+          <a:noFill/>
+        </p:spPr>
+        <p:txBody>
+          <a:bodyPr wrap="square" rtlCol="0">
+            <a:spAutoFit/>
+          </a:bodyPr>
+          <a:lstStyle/>
+          <a:p>
+            <a:r>
+              <a:rPr lang="pt-BR" sz="1400" dirty="0">
+                <a:solidFill>
+                  <a:schemeClr val="tx1">
+                    <a:lumMod val="95000"/>
+                  </a:schemeClr>
+                </a:solidFill>
+              </a:rPr>
+              <a:t>Links Uteis:</a:t>
+            </a:r>
+          </a:p>
+          <a:p>
+            <a:r>
+              <a:rPr lang="pt-BR" sz="1400" dirty="0">
+                <a:solidFill>
+                  <a:schemeClr val="tx1">
+                    <a:lumMod val="95000"/>
+                  </a:schemeClr>
+                </a:solidFill>
+              </a:rPr>
+              <a:t>🌎 </a:t>
+            </a:r>
+            <a:r>
+              <a:rPr lang="pt-BR" sz="1400" dirty="0">
+                <a:solidFill>
+                  <a:schemeClr val="tx1">
+                    <a:lumMod val="95000"/>
+                  </a:schemeClr>
+                </a:solidFill>
+                <a:hlinkClick r:id="rId9">
+                  <a:extLst>
+                    <a:ext uri="{A12FA001-AC4F-418D-AE19-62706E023703}">
+                      <ahyp:hlinkClr xmlns:ahyp="http://schemas.microsoft.com/office/drawing/2018/hyperlinkcolor" val="tx"/>
+                    </a:ext>
+                  </a:extLst>
+                </a:hlinkClick>
+              </a:rPr>
+              <a:t>Mapa das Delegacias da Mulher</a:t>
+            </a:r>
+            <a:r>
+              <a:rPr lang="pt-BR" sz="1400" dirty="0">
+                <a:solidFill>
+                  <a:schemeClr val="tx1">
+                    <a:lumMod val="95000"/>
+                  </a:schemeClr>
+                </a:solidFill>
+              </a:rPr>
+              <a:t>;</a:t>
+            </a:r>
+          </a:p>
+          <a:p>
+            <a:r>
+              <a:rPr lang="pt-BR" sz="1400" dirty="0">
+                <a:solidFill>
+                  <a:schemeClr val="tx1">
+                    <a:lumMod val="95000"/>
+                  </a:schemeClr>
+                </a:solidFill>
+              </a:rPr>
+              <a:t>🌎 Monitor de Feminicídios da UEL1 (</a:t>
+            </a:r>
+            <a:r>
+              <a:rPr lang="pt-BR" sz="1400" dirty="0">
+                <a:solidFill>
+                  <a:schemeClr val="tx1">
+                    <a:lumMod val="95000"/>
+                  </a:schemeClr>
+                </a:solidFill>
+                <a:hlinkClick r:id="rId10">
+                  <a:extLst>
+                    <a:ext uri="{A12FA001-AC4F-418D-AE19-62706E023703}">
+                      <ahyp:hlinkClr xmlns:ahyp="http://schemas.microsoft.com/office/drawing/2018/hyperlinkcolor" val="tx"/>
+                    </a:ext>
+                  </a:extLst>
+                </a:hlinkClick>
+              </a:rPr>
+              <a:t>LESFEM</a:t>
+            </a:r>
+            <a:r>
+              <a:rPr lang="pt-BR" sz="1400" dirty="0">
+                <a:solidFill>
+                  <a:schemeClr val="tx1">
+                    <a:lumMod val="95000"/>
+                  </a:schemeClr>
+                </a:solidFill>
+              </a:rPr>
+              <a:t>);</a:t>
+            </a:r>
+          </a:p>
+          <a:p>
+            <a:r>
+              <a:rPr lang="pt-BR" sz="1400" dirty="0">
+                <a:solidFill>
+                  <a:schemeClr val="tx1">
+                    <a:lumMod val="95000"/>
+                  </a:schemeClr>
+                </a:solidFill>
+              </a:rPr>
+              <a:t>🌎 O Fórum Brasileiro de Segurança Pública (</a:t>
+            </a:r>
+            <a:r>
+              <a:rPr lang="pt-BR" sz="1400">
+                <a:solidFill>
+                  <a:schemeClr val="tx1">
+                    <a:lumMod val="95000"/>
+                  </a:schemeClr>
+                </a:solidFill>
+                <a:hlinkClick r:id="rId11">
+                  <a:extLst>
+                    <a:ext uri="{A12FA001-AC4F-418D-AE19-62706E023703}">
+                      <ahyp:hlinkClr xmlns:ahyp="http://schemas.microsoft.com/office/drawing/2018/hyperlinkcolor" val="tx"/>
+                    </a:ext>
+                  </a:extLst>
+                </a:hlinkClick>
+              </a:rPr>
+              <a:t>FBSP</a:t>
+            </a:r>
+            <a:r>
+              <a:rPr lang="pt-BR" sz="1400">
+                <a:solidFill>
+                  <a:schemeClr val="tx1">
+                    <a:lumMod val="95000"/>
+                  </a:schemeClr>
+                </a:solidFill>
+              </a:rPr>
+              <a:t>);</a:t>
+            </a:r>
+            <a:endParaRPr lang="pt-BR" sz="1400" dirty="0">
+              <a:solidFill>
+                <a:schemeClr val="tx1">
+                  <a:lumMod val="95000"/>
+                </a:schemeClr>
+              </a:solidFill>
+            </a:endParaRPr>
+          </a:p>
+          <a:p>
+            <a:r>
+              <a:rPr lang="pt-BR" sz="1400" dirty="0">
+                <a:solidFill>
+                  <a:schemeClr val="tx1">
+                    <a:lumMod val="95000"/>
+                  </a:schemeClr>
+                </a:solidFill>
+              </a:rPr>
+              <a:t>🌎 </a:t>
+            </a:r>
+            <a:r>
+              <a:rPr lang="pt-BR" sz="1400" dirty="0">
+                <a:solidFill>
+                  <a:schemeClr val="tx1">
+                    <a:lumMod val="95000"/>
+                  </a:schemeClr>
+                </a:solidFill>
+                <a:hlinkClick r:id="rId12">
+                  <a:extLst>
+                    <a:ext uri="{A12FA001-AC4F-418D-AE19-62706E023703}">
+                      <ahyp:hlinkClr xmlns:ahyp="http://schemas.microsoft.com/office/drawing/2018/hyperlinkcolor" val="tx"/>
+                    </a:ext>
+                  </a:extLst>
+                </a:hlinkClick>
+              </a:rPr>
+              <a:t>O Atlas da Violência</a:t>
+            </a:r>
+            <a:r>
+              <a:rPr lang="pt-BR" sz="1400" dirty="0">
+                <a:solidFill>
+                  <a:schemeClr val="tx1">
+                    <a:lumMod val="95000"/>
+                  </a:schemeClr>
+                </a:solidFill>
+              </a:rPr>
+              <a:t>;</a:t>
+            </a:r>
+          </a:p>
+          <a:p>
+            <a:r>
+              <a:rPr lang="pt-BR" sz="1400" dirty="0">
+                <a:solidFill>
+                  <a:schemeClr val="tx1">
+                    <a:lumMod val="95000"/>
+                  </a:schemeClr>
+                </a:solidFill>
+              </a:rPr>
+              <a:t>🌎 </a:t>
+            </a:r>
+            <a:r>
+              <a:rPr lang="pt-BR" sz="1400" dirty="0">
+                <a:solidFill>
+                  <a:srgbClr val="67AABF"/>
+                </a:solidFill>
+                <a:hlinkClick r:id="rId13">
+                  <a:extLst>
+                    <a:ext uri="{A12FA001-AC4F-418D-AE19-62706E023703}">
+                      <ahyp:hlinkClr xmlns:ahyp="http://schemas.microsoft.com/office/drawing/2018/hyperlinkcolor" val="tx"/>
+                    </a:ext>
+                  </a:extLst>
+                </a:hlinkClick>
+              </a:rPr>
+              <a:t>Google </a:t>
+            </a:r>
+            <a:r>
+              <a:rPr lang="pt-BR" sz="1400" dirty="0" err="1">
+                <a:solidFill>
+                  <a:schemeClr val="tx1">
+                    <a:lumMod val="95000"/>
+                  </a:schemeClr>
+                </a:solidFill>
+                <a:hlinkClick r:id="rId13">
+                  <a:extLst>
+                    <a:ext uri="{A12FA001-AC4F-418D-AE19-62706E023703}">
+                      <ahyp:hlinkClr xmlns:ahyp="http://schemas.microsoft.com/office/drawing/2018/hyperlinkcolor" val="tx"/>
+                    </a:ext>
+                  </a:extLst>
+                </a:hlinkClick>
+              </a:rPr>
+              <a:t>DataSet</a:t>
+            </a:r>
+            <a:r>
+              <a:rPr lang="pt-BR" sz="1400" dirty="0">
+                <a:solidFill>
+                  <a:schemeClr val="tx1">
+                    <a:lumMod val="95000"/>
+                  </a:schemeClr>
+                </a:solidFill>
+              </a:rPr>
+              <a:t>;</a:t>
+            </a:r>
+          </a:p>
+          <a:p>
+            <a:r>
+              <a:rPr lang="pt-BR" sz="1400" dirty="0">
+                <a:solidFill>
+                  <a:schemeClr val="tx1">
+                    <a:lumMod val="95000"/>
+                  </a:schemeClr>
+                </a:solidFill>
+              </a:rPr>
+              <a:t>🌎 </a:t>
+            </a:r>
+            <a:r>
+              <a:rPr lang="pt-BR" sz="1400" dirty="0">
+                <a:solidFill>
+                  <a:schemeClr val="tx1">
+                    <a:lumMod val="95000"/>
+                  </a:schemeClr>
+                </a:solidFill>
+                <a:hlinkClick r:id="rId14"/>
+              </a:rPr>
+              <a:t>Banco dos Dados</a:t>
+            </a:r>
+            <a:r>
+              <a:rPr lang="pt-BR" sz="1400" dirty="0">
+                <a:solidFill>
+                  <a:schemeClr val="tx1">
+                    <a:lumMod val="95000"/>
+                  </a:schemeClr>
+                </a:solidFill>
+              </a:rPr>
+              <a:t>;</a:t>
+            </a:r>
+          </a:p>
+        </p:txBody>
+      </p:sp>
+    </p:spTree>
+    <p:extLst>
+      <p:ext uri="{BB962C8B-B14F-4D97-AF65-F5344CB8AC3E}">
+        <p14:creationId xmlns:p14="http://schemas.microsoft.com/office/powerpoint/2010/main" val="3991985892"/>
+      </p:ext>
+    </p:extLst>
+  </p:cSld>
+  <p:clrMapOvr>
+    <a:masterClrMapping/>
+  </p:clrMapOvr>
 </p:sld>
 </file>
 
